--- a/doc/IBM Bluemix DevOps Services で Javaの Web アプリを開発する.pptx
+++ b/doc/IBM Bluemix DevOps Services で Javaの Web アプリを開発する.pptx
@@ -12993,8 +12993,8 @@
               <a:t>href</a:t>
             </a:r>
             <a:r>
-              <a:rPr lang="en-US" altLang="ja-JP" sz="800" dirty="0"/>
-              <a:t>="/</a:t>
+              <a:rPr lang="en-US" altLang="ja-JP" sz="800" dirty="0" smtClean="0"/>
+              <a:t>=“./</a:t>
             </a:r>
             <a:r>
               <a:rPr lang="en-US" altLang="ja-JP" sz="800" dirty="0" err="1"/>
@@ -17964,14 +17964,22 @@
           <a:lstStyle/>
           <a:p>
             <a:r>
-              <a:rPr kumimoji="1" lang="en-US" altLang="ja-JP" dirty="0" smtClean="0"/>
-              <a:t>Git </a:t>
-            </a:r>
-            <a:r>
-              <a:rPr kumimoji="1" lang="ja-JP" altLang="en-US" dirty="0" smtClean="0"/>
+              <a:rPr kumimoji="1" lang="en-US" altLang="ja-JP" sz="2800" dirty="0" smtClean="0"/>
+              <a:t>Web IDE </a:t>
+            </a:r>
+            <a:r>
+              <a:rPr kumimoji="1" lang="ja-JP" altLang="en-US" sz="2800" dirty="0" smtClean="0"/>
+              <a:t>のローカルリポジトリ </a:t>
+            </a:r>
+            <a:r>
+              <a:rPr lang="en-US" altLang="ja-JP" sz="2800" dirty="0" smtClean="0"/>
+              <a:t>(Git) </a:t>
+            </a:r>
+            <a:r>
+              <a:rPr kumimoji="1" lang="ja-JP" altLang="en-US" sz="2800" dirty="0" smtClean="0"/>
               <a:t>にコミットする。</a:t>
             </a:r>
-            <a:endParaRPr kumimoji="1" lang="ja-JP" altLang="en-US" dirty="0"/>
+            <a:endParaRPr kumimoji="1" lang="ja-JP" altLang="en-US" sz="2800" dirty="0"/>
           </a:p>
         </p:txBody>
       </p:sp>
@@ -18568,14 +18576,22 @@
           <a:lstStyle/>
           <a:p>
             <a:r>
-              <a:rPr kumimoji="1" lang="en-US" altLang="ja-JP" dirty="0" smtClean="0"/>
-              <a:t>Git </a:t>
-            </a:r>
-            <a:r>
-              <a:rPr kumimoji="1" lang="ja-JP" altLang="en-US" dirty="0" smtClean="0"/>
-              <a:t>にプッシュする。</a:t>
-            </a:r>
-            <a:endParaRPr kumimoji="1" lang="ja-JP" altLang="en-US" dirty="0"/>
+              <a:rPr kumimoji="1" lang="ja-JP" altLang="en-US" sz="2800" dirty="0" smtClean="0"/>
+              <a:t>リモートリポジトリ </a:t>
+            </a:r>
+            <a:r>
+              <a:rPr kumimoji="1" lang="en-US" altLang="ja-JP" sz="2800" dirty="0" smtClean="0"/>
+              <a:t>(Git) </a:t>
+            </a:r>
+            <a:r>
+              <a:rPr kumimoji="1" lang="ja-JP" altLang="en-US" sz="2800" dirty="0" smtClean="0"/>
+              <a:t>に</a:t>
+            </a:r>
+            <a:r>
+              <a:rPr kumimoji="1" lang="ja-JP" altLang="en-US" sz="2800" dirty="0" smtClean="0"/>
+              <a:t>プッシュする。</a:t>
+            </a:r>
+            <a:endParaRPr kumimoji="1" lang="ja-JP" altLang="en-US" sz="2800" dirty="0"/>
           </a:p>
         </p:txBody>
       </p:sp>

--- a/doc/IBM Bluemix DevOps Services で Javaの Web アプリを開発する.pptx
+++ b/doc/IBM Bluemix DevOps Services で Javaの Web アプリを開発する.pptx
@@ -1538,14 +1538,14 @@
           </a:ln>
           <a:extLst>
             <a:ext uri="{909E8E84-426E-40dd-AFC4-6F175D3DCCD1}">
-              <a14:hiddenFill xmlns="" xmlns:a14="http://schemas.microsoft.com/office/drawing/2010/main">
+              <a14:hiddenFill xmlns:a14="http://schemas.microsoft.com/office/drawing/2010/main" xmlns="">
                 <a:solidFill>
                   <a:srgbClr val="FFFFFF"/>
                 </a:solidFill>
               </a14:hiddenFill>
             </a:ext>
             <a:ext uri="{91240B29-F687-4f45-9708-019B960494DF}">
-              <a14:hiddenLine xmlns="" xmlns:a14="http://schemas.microsoft.com/office/drawing/2010/main" w="9525">
+              <a14:hiddenLine xmlns:a14="http://schemas.microsoft.com/office/drawing/2010/main" xmlns="" w="9525">
                 <a:solidFill>
                   <a:srgbClr val="000000"/>
                 </a:solidFill>
@@ -1592,14 +1592,14 @@
           </a:ln>
           <a:extLst>
             <a:ext uri="{909E8E84-426E-40dd-AFC4-6F175D3DCCD1}">
-              <a14:hiddenFill xmlns="" xmlns:a14="http://schemas.microsoft.com/office/drawing/2010/main">
+              <a14:hiddenFill xmlns:a14="http://schemas.microsoft.com/office/drawing/2010/main" xmlns="">
                 <a:solidFill>
                   <a:srgbClr val="FFFFFF"/>
                 </a:solidFill>
               </a14:hiddenFill>
             </a:ext>
             <a:ext uri="{91240B29-F687-4f45-9708-019B960494DF}">
-              <a14:hiddenLine xmlns="" xmlns:a14="http://schemas.microsoft.com/office/drawing/2010/main" w="9525">
+              <a14:hiddenLine xmlns:a14="http://schemas.microsoft.com/office/drawing/2010/main" xmlns="" w="9525">
                 <a:solidFill>
                   <a:srgbClr val="000000"/>
                 </a:solidFill>
@@ -1646,14 +1646,14 @@
           </a:ln>
           <a:extLst>
             <a:ext uri="{909E8E84-426E-40dd-AFC4-6F175D3DCCD1}">
-              <a14:hiddenFill xmlns="" xmlns:a14="http://schemas.microsoft.com/office/drawing/2010/main">
+              <a14:hiddenFill xmlns:a14="http://schemas.microsoft.com/office/drawing/2010/main" xmlns="">
                 <a:solidFill>
                   <a:srgbClr val="FFFFFF"/>
                 </a:solidFill>
               </a14:hiddenFill>
             </a:ext>
             <a:ext uri="{91240B29-F687-4f45-9708-019B960494DF}">
-              <a14:hiddenLine xmlns="" xmlns:a14="http://schemas.microsoft.com/office/drawing/2010/main" w="9525">
+              <a14:hiddenLine xmlns:a14="http://schemas.microsoft.com/office/drawing/2010/main" xmlns="" w="9525">
                 <a:solidFill>
                   <a:srgbClr val="000000"/>
                 </a:solidFill>
@@ -1688,14 +1688,14 @@
           <a:effectLst/>
           <a:extLst>
             <a:ext uri="{909E8E84-426E-40dd-AFC4-6F175D3DCCD1}">
-              <a14:hiddenFill xmlns="" xmlns:a14="http://schemas.microsoft.com/office/drawing/2010/main">
+              <a14:hiddenFill xmlns:a14="http://schemas.microsoft.com/office/drawing/2010/main" xmlns="">
                 <a:solidFill>
                   <a:srgbClr val="FFFFFF"/>
                 </a:solidFill>
               </a14:hiddenFill>
             </a:ext>
             <a:ext uri="{91240B29-F687-4f45-9708-019B960494DF}">
-              <a14:hiddenLine xmlns="" xmlns:a14="http://schemas.microsoft.com/office/drawing/2010/main" w="31750" algn="ctr">
+              <a14:hiddenLine xmlns:a14="http://schemas.microsoft.com/office/drawing/2010/main" xmlns="" w="31750" algn="ctr">
                 <a:solidFill>
                   <a:srgbClr val="3B4B54"/>
                 </a:solidFill>
@@ -1705,7 +1705,7 @@
               </a14:hiddenLine>
             </a:ext>
             <a:ext uri="{AF507438-7753-43e0-B8FC-AC1667EBCBE1}">
-              <a14:hiddenEffects xmlns="" xmlns:a14="http://schemas.microsoft.com/office/drawing/2010/main">
+              <a14:hiddenEffects xmlns:a14="http://schemas.microsoft.com/office/drawing/2010/main" xmlns="">
                 <a:effectLst>
                   <a:outerShdw dist="35921" dir="2700000" algn="ctr" rotWithShape="0">
                     <a:schemeClr val="bg2"/>
@@ -1936,14 +1936,14 @@
           <a:effectLst/>
           <a:extLst>
             <a:ext uri="{909E8E84-426E-40dd-AFC4-6F175D3DCCD1}">
-              <a14:hiddenFill xmlns="" xmlns:a14="http://schemas.microsoft.com/office/drawing/2010/main">
+              <a14:hiddenFill xmlns:a14="http://schemas.microsoft.com/office/drawing/2010/main" xmlns="">
                 <a:solidFill>
                   <a:srgbClr val="FFFFFF"/>
                 </a:solidFill>
               </a14:hiddenFill>
             </a:ext>
             <a:ext uri="{91240B29-F687-4f45-9708-019B960494DF}">
-              <a14:hiddenLine xmlns="" xmlns:a14="http://schemas.microsoft.com/office/drawing/2010/main" w="31750" algn="ctr">
+              <a14:hiddenLine xmlns:a14="http://schemas.microsoft.com/office/drawing/2010/main" xmlns="" w="31750" algn="ctr">
                 <a:solidFill>
                   <a:srgbClr val="3B4B54"/>
                 </a:solidFill>
@@ -1953,7 +1953,7 @@
               </a14:hiddenLine>
             </a:ext>
             <a:ext uri="{AF507438-7753-43e0-B8FC-AC1667EBCBE1}">
-              <a14:hiddenEffects xmlns="" xmlns:a14="http://schemas.microsoft.com/office/drawing/2010/main">
+              <a14:hiddenEffects xmlns:a14="http://schemas.microsoft.com/office/drawing/2010/main" xmlns="">
                 <a:effectLst>
                   <a:outerShdw dist="35921" dir="2700000" algn="ctr" rotWithShape="0">
                     <a:schemeClr val="bg2"/>
@@ -2167,14 +2167,14 @@
           <a:effectLst/>
           <a:extLst>
             <a:ext uri="{909E8E84-426E-40dd-AFC4-6F175D3DCCD1}">
-              <a14:hiddenFill xmlns="" xmlns:a14="http://schemas.microsoft.com/office/drawing/2010/main">
+              <a14:hiddenFill xmlns:a14="http://schemas.microsoft.com/office/drawing/2010/main" xmlns="">
                 <a:solidFill>
                   <a:srgbClr val="CCECFF"/>
                 </a:solidFill>
               </a14:hiddenFill>
             </a:ext>
             <a:ext uri="{91240B29-F687-4f45-9708-019B960494DF}">
-              <a14:hiddenLine xmlns="" xmlns:a14="http://schemas.microsoft.com/office/drawing/2010/main" w="31750" algn="ctr">
+              <a14:hiddenLine xmlns:a14="http://schemas.microsoft.com/office/drawing/2010/main" xmlns="" w="31750" algn="ctr">
                 <a:solidFill>
                   <a:schemeClr val="accent2"/>
                 </a:solidFill>
@@ -2184,7 +2184,7 @@
               </a14:hiddenLine>
             </a:ext>
             <a:ext uri="{AF507438-7753-43e0-B8FC-AC1667EBCBE1}">
-              <a14:hiddenEffects xmlns="" xmlns:a14="http://schemas.microsoft.com/office/drawing/2010/main">
+              <a14:hiddenEffects xmlns:a14="http://schemas.microsoft.com/office/drawing/2010/main" xmlns="">
                 <a:effectLst>
                   <a:outerShdw dist="35921" dir="2700000" algn="ctr" rotWithShape="0">
                     <a:schemeClr val="bg2"/>
@@ -2418,14 +2418,14 @@
           </a:ln>
           <a:extLst>
             <a:ext uri="{909E8E84-426E-40dd-AFC4-6F175D3DCCD1}">
-              <a14:hiddenFill xmlns="" xmlns:a14="http://schemas.microsoft.com/office/drawing/2010/main">
+              <a14:hiddenFill xmlns:a14="http://schemas.microsoft.com/office/drawing/2010/main" xmlns="">
                 <a:solidFill>
                   <a:srgbClr val="FFFFFF"/>
                 </a:solidFill>
               </a14:hiddenFill>
             </a:ext>
             <a:ext uri="{91240B29-F687-4f45-9708-019B960494DF}">
-              <a14:hiddenLine xmlns="" xmlns:a14="http://schemas.microsoft.com/office/drawing/2010/main" w="9525">
+              <a14:hiddenLine xmlns:a14="http://schemas.microsoft.com/office/drawing/2010/main" xmlns="" w="9525">
                 <a:solidFill>
                   <a:srgbClr val="000000"/>
                 </a:solidFill>
@@ -2540,12 +2540,12 @@
           <a:effectLst/>
           <a:extLst>
             <a:ext uri="{909E8E84-426E-40dd-AFC4-6F175D3DCCD1}">
-              <a14:hiddenFill xmlns="" xmlns:a14="http://schemas.microsoft.com/office/drawing/2010/main">
+              <a14:hiddenFill xmlns:a14="http://schemas.microsoft.com/office/drawing/2010/main" xmlns="">
                 <a:noFill/>
               </a14:hiddenFill>
             </a:ext>
             <a:ext uri="{AF507438-7753-43e0-B8FC-AC1667EBCBE1}">
-              <a14:hiddenEffects xmlns="" xmlns:a14="http://schemas.microsoft.com/office/drawing/2010/main">
+              <a14:hiddenEffects xmlns:a14="http://schemas.microsoft.com/office/drawing/2010/main" xmlns="">
                 <a:effectLst>
                   <a:outerShdw dist="35921" dir="2700000" algn="ctr" rotWithShape="0">
                     <a:schemeClr val="bg2"/>
@@ -2666,14 +2666,14 @@
           </a:ln>
           <a:extLst>
             <a:ext uri="{909E8E84-426E-40dd-AFC4-6F175D3DCCD1}">
-              <a14:hiddenFill xmlns="" xmlns:a14="http://schemas.microsoft.com/office/drawing/2010/main">
+              <a14:hiddenFill xmlns:a14="http://schemas.microsoft.com/office/drawing/2010/main" xmlns="">
                 <a:solidFill>
                   <a:srgbClr val="FFFFFF"/>
                 </a:solidFill>
               </a14:hiddenFill>
             </a:ext>
             <a:ext uri="{91240B29-F687-4f45-9708-019B960494DF}">
-              <a14:hiddenLine xmlns="" xmlns:a14="http://schemas.microsoft.com/office/drawing/2010/main" w="9525">
+              <a14:hiddenLine xmlns:a14="http://schemas.microsoft.com/office/drawing/2010/main" xmlns="" w="9525">
                 <a:solidFill>
                   <a:srgbClr val="000000"/>
                 </a:solidFill>
@@ -2719,7 +2719,7 @@
           </a:effectLst>
           <a:extLst>
             <a:ext uri="{909E8E84-426E-40dd-AFC4-6F175D3DCCD1}">
-              <a14:hiddenFill xmlns="" xmlns:a14="http://schemas.microsoft.com/office/drawing/2010/main">
+              <a14:hiddenFill xmlns:a14="http://schemas.microsoft.com/office/drawing/2010/main" xmlns="">
                 <a:noFill/>
               </a14:hiddenFill>
             </a:ext>
@@ -3016,14 +3016,14 @@
           <a:effectLst/>
           <a:extLst>
             <a:ext uri="{909E8E84-426E-40dd-AFC4-6F175D3DCCD1}">
-              <a14:hiddenFill xmlns="" xmlns:a14="http://schemas.microsoft.com/office/drawing/2010/main">
+              <a14:hiddenFill xmlns:a14="http://schemas.microsoft.com/office/drawing/2010/main" xmlns="">
                 <a:solidFill>
                   <a:schemeClr val="accent1"/>
                 </a:solidFill>
               </a14:hiddenFill>
             </a:ext>
             <a:ext uri="{91240B29-F687-4f45-9708-019B960494DF}">
-              <a14:hiddenLine xmlns="" xmlns:a14="http://schemas.microsoft.com/office/drawing/2010/main" w="9525">
+              <a14:hiddenLine xmlns:a14="http://schemas.microsoft.com/office/drawing/2010/main" xmlns="" w="9525">
                 <a:solidFill>
                   <a:schemeClr val="tx1"/>
                 </a:solidFill>
@@ -3033,7 +3033,7 @@
               </a14:hiddenLine>
             </a:ext>
             <a:ext uri="{AF507438-7753-43e0-B8FC-AC1667EBCBE1}">
-              <a14:hiddenEffects xmlns="" xmlns:a14="http://schemas.microsoft.com/office/drawing/2010/main">
+              <a14:hiddenEffects xmlns:a14="http://schemas.microsoft.com/office/drawing/2010/main" xmlns="">
                 <a:effectLst>
                   <a:outerShdw dist="35921" dir="2700000" algn="ctr" rotWithShape="0">
                     <a:schemeClr val="bg2"/>
@@ -3084,14 +3084,14 @@
           <a:effectLst/>
           <a:extLst>
             <a:ext uri="{909E8E84-426E-40dd-AFC4-6F175D3DCCD1}">
-              <a14:hiddenFill xmlns="" xmlns:a14="http://schemas.microsoft.com/office/drawing/2010/main">
+              <a14:hiddenFill xmlns:a14="http://schemas.microsoft.com/office/drawing/2010/main" xmlns="">
                 <a:solidFill>
                   <a:schemeClr val="accent1"/>
                 </a:solidFill>
               </a14:hiddenFill>
             </a:ext>
             <a:ext uri="{91240B29-F687-4f45-9708-019B960494DF}">
-              <a14:hiddenLine xmlns="" xmlns:a14="http://schemas.microsoft.com/office/drawing/2010/main" w="9525">
+              <a14:hiddenLine xmlns:a14="http://schemas.microsoft.com/office/drawing/2010/main" xmlns="" w="9525">
                 <a:solidFill>
                   <a:schemeClr val="tx1"/>
                 </a:solidFill>
@@ -3101,7 +3101,7 @@
               </a14:hiddenLine>
             </a:ext>
             <a:ext uri="{AF507438-7753-43e0-B8FC-AC1667EBCBE1}">
-              <a14:hiddenEffects xmlns="" xmlns:a14="http://schemas.microsoft.com/office/drawing/2010/main">
+              <a14:hiddenEffects xmlns:a14="http://schemas.microsoft.com/office/drawing/2010/main" xmlns="">
                 <a:effectLst>
                   <a:outerShdw dist="35921" dir="2700000" algn="ctr" rotWithShape="0">
                     <a:schemeClr val="bg2"/>
@@ -3200,12 +3200,12 @@
           <a:effectLst/>
           <a:extLst>
             <a:ext uri="{909E8E84-426E-40dd-AFC4-6F175D3DCCD1}">
-              <a14:hiddenFill xmlns="" xmlns:a14="http://schemas.microsoft.com/office/drawing/2010/main">
+              <a14:hiddenFill xmlns:a14="http://schemas.microsoft.com/office/drawing/2010/main" xmlns="">
                 <a:noFill/>
               </a14:hiddenFill>
             </a:ext>
             <a:ext uri="{AF507438-7753-43e0-B8FC-AC1667EBCBE1}">
-              <a14:hiddenEffects xmlns="" xmlns:a14="http://schemas.microsoft.com/office/drawing/2010/main">
+              <a14:hiddenEffects xmlns:a14="http://schemas.microsoft.com/office/drawing/2010/main" xmlns="">
                 <a:effectLst>
                   <a:outerShdw dist="35921" dir="2700000" algn="ctr" rotWithShape="0">
                     <a:schemeClr val="bg2"/>
@@ -3419,14 +3419,14 @@
           <a:effectLst/>
           <a:extLst>
             <a:ext uri="{909E8E84-426E-40dd-AFC4-6F175D3DCCD1}">
-              <a14:hiddenFill xmlns="" xmlns:a14="http://schemas.microsoft.com/office/drawing/2010/main">
+              <a14:hiddenFill xmlns:a14="http://schemas.microsoft.com/office/drawing/2010/main" xmlns="">
                 <a:solidFill>
                   <a:schemeClr val="accent1"/>
                 </a:solidFill>
               </a14:hiddenFill>
             </a:ext>
             <a:ext uri="{91240B29-F687-4f45-9708-019B960494DF}">
-              <a14:hiddenLine xmlns="" xmlns:a14="http://schemas.microsoft.com/office/drawing/2010/main" w="9525">
+              <a14:hiddenLine xmlns:a14="http://schemas.microsoft.com/office/drawing/2010/main" xmlns="" w="9525">
                 <a:solidFill>
                   <a:schemeClr val="tx1"/>
                 </a:solidFill>
@@ -3436,7 +3436,7 @@
               </a14:hiddenLine>
             </a:ext>
             <a:ext uri="{AF507438-7753-43e0-B8FC-AC1667EBCBE1}">
-              <a14:hiddenEffects xmlns="" xmlns:a14="http://schemas.microsoft.com/office/drawing/2010/main">
+              <a14:hiddenEffects xmlns:a14="http://schemas.microsoft.com/office/drawing/2010/main" xmlns="">
                 <a:effectLst>
                   <a:outerShdw dist="35921" dir="2700000" algn="ctr" rotWithShape="0">
                     <a:schemeClr val="bg2"/>
@@ -3680,14 +3680,14 @@
           </a:ln>
           <a:extLst>
             <a:ext uri="{909E8E84-426E-40dd-AFC4-6F175D3DCCD1}">
-              <a14:hiddenFill xmlns="" xmlns:a14="http://schemas.microsoft.com/office/drawing/2010/main">
+              <a14:hiddenFill xmlns:a14="http://schemas.microsoft.com/office/drawing/2010/main" xmlns="">
                 <a:solidFill>
                   <a:srgbClr val="FFFFFF"/>
                 </a:solidFill>
               </a14:hiddenFill>
             </a:ext>
             <a:ext uri="{91240B29-F687-4f45-9708-019B960494DF}">
-              <a14:hiddenLine xmlns="" xmlns:a14="http://schemas.microsoft.com/office/drawing/2010/main" w="9525">
+              <a14:hiddenLine xmlns:a14="http://schemas.microsoft.com/office/drawing/2010/main" xmlns="" w="9525">
                 <a:solidFill>
                   <a:srgbClr val="000000"/>
                 </a:solidFill>
@@ -3734,14 +3734,14 @@
           </a:ln>
           <a:extLst>
             <a:ext uri="{909E8E84-426E-40dd-AFC4-6F175D3DCCD1}">
-              <a14:hiddenFill xmlns="" xmlns:a14="http://schemas.microsoft.com/office/drawing/2010/main">
+              <a14:hiddenFill xmlns:a14="http://schemas.microsoft.com/office/drawing/2010/main" xmlns="">
                 <a:solidFill>
                   <a:srgbClr val="FFFFFF"/>
                 </a:solidFill>
               </a14:hiddenFill>
             </a:ext>
             <a:ext uri="{91240B29-F687-4f45-9708-019B960494DF}">
-              <a14:hiddenLine xmlns="" xmlns:a14="http://schemas.microsoft.com/office/drawing/2010/main" w="9525">
+              <a14:hiddenLine xmlns:a14="http://schemas.microsoft.com/office/drawing/2010/main" xmlns="" w="9525">
                 <a:solidFill>
                   <a:srgbClr val="000000"/>
                 </a:solidFill>
@@ -3776,14 +3776,14 @@
           <a:effectLst/>
           <a:extLst>
             <a:ext uri="{909E8E84-426E-40dd-AFC4-6F175D3DCCD1}">
-              <a14:hiddenFill xmlns="" xmlns:a14="http://schemas.microsoft.com/office/drawing/2010/main">
+              <a14:hiddenFill xmlns:a14="http://schemas.microsoft.com/office/drawing/2010/main" xmlns="">
                 <a:solidFill>
                   <a:schemeClr val="accent1"/>
                 </a:solidFill>
               </a14:hiddenFill>
             </a:ext>
             <a:ext uri="{91240B29-F687-4f45-9708-019B960494DF}">
-              <a14:hiddenLine xmlns="" xmlns:a14="http://schemas.microsoft.com/office/drawing/2010/main" w="9525" algn="ctr">
+              <a14:hiddenLine xmlns:a14="http://schemas.microsoft.com/office/drawing/2010/main" xmlns="" w="9525" algn="ctr">
                 <a:solidFill>
                   <a:schemeClr val="tx1"/>
                 </a:solidFill>
@@ -3793,7 +3793,7 @@
               </a14:hiddenLine>
             </a:ext>
             <a:ext uri="{AF507438-7753-43e0-B8FC-AC1667EBCBE1}">
-              <a14:hiddenEffects xmlns="" xmlns:a14="http://schemas.microsoft.com/office/drawing/2010/main">
+              <a14:hiddenEffects xmlns:a14="http://schemas.microsoft.com/office/drawing/2010/main" xmlns="">
                 <a:effectLst>
                   <a:outerShdw dist="35921" dir="2700000" algn="ctr" rotWithShape="0">
                     <a:schemeClr val="bg2"/>
@@ -3994,14 +3994,14 @@
           <a:effectLst/>
           <a:extLst>
             <a:ext uri="{909E8E84-426E-40dd-AFC4-6F175D3DCCD1}">
-              <a14:hiddenFill xmlns="" xmlns:a14="http://schemas.microsoft.com/office/drawing/2010/main">
+              <a14:hiddenFill xmlns:a14="http://schemas.microsoft.com/office/drawing/2010/main" xmlns="">
                 <a:solidFill>
                   <a:srgbClr val="FFFFFF"/>
                 </a:solidFill>
               </a14:hiddenFill>
             </a:ext>
             <a:ext uri="{91240B29-F687-4f45-9708-019B960494DF}">
-              <a14:hiddenLine xmlns="" xmlns:a14="http://schemas.microsoft.com/office/drawing/2010/main" w="31750" algn="ctr">
+              <a14:hiddenLine xmlns:a14="http://schemas.microsoft.com/office/drawing/2010/main" xmlns="" w="31750" algn="ctr">
                 <a:solidFill>
                   <a:srgbClr val="3B4B54"/>
                 </a:solidFill>
@@ -4011,7 +4011,7 @@
               </a14:hiddenLine>
             </a:ext>
             <a:ext uri="{AF507438-7753-43e0-B8FC-AC1667EBCBE1}">
-              <a14:hiddenEffects xmlns="" xmlns:a14="http://schemas.microsoft.com/office/drawing/2010/main">
+              <a14:hiddenEffects xmlns:a14="http://schemas.microsoft.com/office/drawing/2010/main" xmlns="">
                 <a:effectLst>
                   <a:outerShdw dist="35921" dir="2700000" algn="ctr" rotWithShape="0">
                     <a:schemeClr val="bg2"/>
@@ -4242,14 +4242,14 @@
           <a:effectLst/>
           <a:extLst>
             <a:ext uri="{909E8E84-426E-40dd-AFC4-6F175D3DCCD1}">
-              <a14:hiddenFill xmlns="" xmlns:a14="http://schemas.microsoft.com/office/drawing/2010/main">
+              <a14:hiddenFill xmlns:a14="http://schemas.microsoft.com/office/drawing/2010/main" xmlns="">
                 <a:solidFill>
                   <a:srgbClr val="FFFFFF"/>
                 </a:solidFill>
               </a14:hiddenFill>
             </a:ext>
             <a:ext uri="{91240B29-F687-4f45-9708-019B960494DF}">
-              <a14:hiddenLine xmlns="" xmlns:a14="http://schemas.microsoft.com/office/drawing/2010/main" w="31750" algn="ctr">
+              <a14:hiddenLine xmlns:a14="http://schemas.microsoft.com/office/drawing/2010/main" xmlns="" w="31750" algn="ctr">
                 <a:solidFill>
                   <a:srgbClr val="3B4B54"/>
                 </a:solidFill>
@@ -4259,7 +4259,7 @@
               </a14:hiddenLine>
             </a:ext>
             <a:ext uri="{AF507438-7753-43e0-B8FC-AC1667EBCBE1}">
-              <a14:hiddenEffects xmlns="" xmlns:a14="http://schemas.microsoft.com/office/drawing/2010/main">
+              <a14:hiddenEffects xmlns:a14="http://schemas.microsoft.com/office/drawing/2010/main" xmlns="">
                 <a:effectLst>
                   <a:outerShdw dist="35921" dir="2700000" algn="ctr" rotWithShape="0">
                     <a:schemeClr val="bg2"/>
@@ -5378,7 +5378,7 @@
           <a:effectLst/>
           <a:extLst>
             <a:ext uri="{AF507438-7753-43e0-B8FC-AC1667EBCBE1}">
-              <a14:hiddenEffects xmlns="" xmlns:a14="http://schemas.microsoft.com/office/drawing/2010/main">
+              <a14:hiddenEffects xmlns:a14="http://schemas.microsoft.com/office/drawing/2010/main" xmlns="">
                 <a:effectLst>
                   <a:outerShdw dist="35921" dir="2700000" algn="ctr" rotWithShape="0">
                     <a:schemeClr val="bg2"/>
@@ -5465,7 +5465,7 @@
           <a:effectLst/>
           <a:extLst>
             <a:ext uri="{AF507438-7753-43e0-B8FC-AC1667EBCBE1}">
-              <a14:hiddenEffects xmlns="" xmlns:a14="http://schemas.microsoft.com/office/drawing/2010/main">
+              <a14:hiddenEffects xmlns:a14="http://schemas.microsoft.com/office/drawing/2010/main" xmlns="">
                 <a:effectLst>
                   <a:outerShdw dist="35921" dir="2700000" algn="ctr" rotWithShape="0">
                     <a:schemeClr val="bg2"/>
@@ -5681,7 +5681,7 @@
           <a:effectLst/>
           <a:extLst>
             <a:ext uri="{AF507438-7753-43e0-B8FC-AC1667EBCBE1}">
-              <a14:hiddenEffects xmlns="" xmlns:a14="http://schemas.microsoft.com/office/drawing/2010/main">
+              <a14:hiddenEffects xmlns:a14="http://schemas.microsoft.com/office/drawing/2010/main" xmlns="">
                 <a:effectLst>
                   <a:outerShdw dist="35921" dir="2700000" algn="ctr" rotWithShape="0">
                     <a:schemeClr val="bg2"/>
@@ -5757,7 +5757,7 @@
           <a:effectLst/>
           <a:extLst>
             <a:ext uri="{AF507438-7753-43e0-B8FC-AC1667EBCBE1}">
-              <a14:hiddenEffects xmlns="" xmlns:a14="http://schemas.microsoft.com/office/drawing/2010/main">
+              <a14:hiddenEffects xmlns:a14="http://schemas.microsoft.com/office/drawing/2010/main" xmlns="">
                 <a:effectLst>
                   <a:outerShdw dist="35921" dir="2700000" algn="ctr" rotWithShape="0">
                     <a:schemeClr val="bg2"/>
@@ -5833,7 +5833,7 @@
           <a:effectLst/>
           <a:extLst>
             <a:ext uri="{AF507438-7753-43e0-B8FC-AC1667EBCBE1}">
-              <a14:hiddenEffects xmlns="" xmlns:a14="http://schemas.microsoft.com/office/drawing/2010/main">
+              <a14:hiddenEffects xmlns:a14="http://schemas.microsoft.com/office/drawing/2010/main" xmlns="">
                 <a:effectLst>
                   <a:outerShdw dist="35921" dir="2700000" algn="ctr" rotWithShape="0">
                     <a:schemeClr val="bg2"/>
@@ -5909,7 +5909,7 @@
           <a:effectLst/>
           <a:extLst>
             <a:ext uri="{AF507438-7753-43e0-B8FC-AC1667EBCBE1}">
-              <a14:hiddenEffects xmlns="" xmlns:a14="http://schemas.microsoft.com/office/drawing/2010/main">
+              <a14:hiddenEffects xmlns:a14="http://schemas.microsoft.com/office/drawing/2010/main" xmlns="">
                 <a:effectLst>
                   <a:outerShdw dist="35921" dir="2700000" algn="ctr" rotWithShape="0">
                     <a:schemeClr val="bg2"/>
@@ -5987,7 +5987,7 @@
           <a:effectLst/>
           <a:extLst>
             <a:ext uri="{AF507438-7753-43e0-B8FC-AC1667EBCBE1}">
-              <a14:hiddenEffects xmlns="" xmlns:a14="http://schemas.microsoft.com/office/drawing/2010/main">
+              <a14:hiddenEffects xmlns:a14="http://schemas.microsoft.com/office/drawing/2010/main" xmlns="">
                 <a:effectLst>
                   <a:outerShdw dist="35921" dir="2700000" algn="ctr" rotWithShape="0">
                     <a:schemeClr val="bg2"/>
@@ -6027,7 +6027,7 @@
           <a:effectLst/>
           <a:extLst>
             <a:ext uri="{AF507438-7753-43e0-B8FC-AC1667EBCBE1}">
-              <a14:hiddenEffects xmlns="" xmlns:a14="http://schemas.microsoft.com/office/drawing/2010/main">
+              <a14:hiddenEffects xmlns:a14="http://schemas.microsoft.com/office/drawing/2010/main" xmlns="">
                 <a:effectLst>
                   <a:outerShdw dist="35921" dir="2700000" algn="ctr" rotWithShape="0">
                     <a:schemeClr val="bg2"/>
@@ -6070,7 +6070,7 @@
           <a:effectLst/>
           <a:extLst>
             <a:ext uri="{AF507438-7753-43e0-B8FC-AC1667EBCBE1}">
-              <a14:hiddenEffects xmlns="" xmlns:a14="http://schemas.microsoft.com/office/drawing/2010/main">
+              <a14:hiddenEffects xmlns:a14="http://schemas.microsoft.com/office/drawing/2010/main" xmlns="">
                 <a:effectLst>
                   <a:outerShdw dist="35921" dir="2700000" algn="ctr" rotWithShape="0">
                     <a:schemeClr val="bg2"/>
@@ -6180,7 +6180,7 @@
           <a:effectLst/>
           <a:extLst>
             <a:ext uri="{AF507438-7753-43e0-B8FC-AC1667EBCBE1}">
-              <a14:hiddenEffects xmlns="" xmlns:a14="http://schemas.microsoft.com/office/drawing/2010/main">
+              <a14:hiddenEffects xmlns:a14="http://schemas.microsoft.com/office/drawing/2010/main" xmlns="">
                 <a:effectLst>
                   <a:outerShdw dist="35921" dir="2700000" algn="ctr" rotWithShape="0">
                     <a:schemeClr val="bg2"/>
@@ -6358,7 +6358,7 @@
           <a:effectLst/>
           <a:extLst>
             <a:ext uri="{AF507438-7753-43e0-B8FC-AC1667EBCBE1}">
-              <a14:hiddenEffects xmlns="" xmlns:a14="http://schemas.microsoft.com/office/drawing/2010/main">
+              <a14:hiddenEffects xmlns:a14="http://schemas.microsoft.com/office/drawing/2010/main" xmlns="">
                 <a:effectLst>
                   <a:outerShdw dist="35921" dir="2700000" algn="ctr" rotWithShape="0">
                     <a:schemeClr val="bg2"/>
@@ -6434,7 +6434,7 @@
           <a:effectLst/>
           <a:extLst>
             <a:ext uri="{AF507438-7753-43e0-B8FC-AC1667EBCBE1}">
-              <a14:hiddenEffects xmlns="" xmlns:a14="http://schemas.microsoft.com/office/drawing/2010/main">
+              <a14:hiddenEffects xmlns:a14="http://schemas.microsoft.com/office/drawing/2010/main" xmlns="">
                 <a:effectLst>
                   <a:outerShdw dist="35921" dir="2700000" algn="ctr" rotWithShape="0">
                     <a:schemeClr val="bg2"/>
@@ -6515,7 +6515,7 @@
           <a:effectLst/>
           <a:extLst>
             <a:ext uri="{AF507438-7753-43e0-B8FC-AC1667EBCBE1}">
-              <a14:hiddenEffects xmlns="" xmlns:a14="http://schemas.microsoft.com/office/drawing/2010/main">
+              <a14:hiddenEffects xmlns:a14="http://schemas.microsoft.com/office/drawing/2010/main" xmlns="">
                 <a:effectLst>
                   <a:outerShdw dist="35921" dir="2700000" algn="ctr" rotWithShape="0">
                     <a:schemeClr val="bg2"/>
@@ -6715,7 +6715,7 @@
           <a:effectLst/>
           <a:extLst>
             <a:ext uri="{AF507438-7753-43e0-B8FC-AC1667EBCBE1}">
-              <a14:hiddenEffects xmlns="" xmlns:a14="http://schemas.microsoft.com/office/drawing/2010/main">
+              <a14:hiddenEffects xmlns:a14="http://schemas.microsoft.com/office/drawing/2010/main" xmlns="">
                 <a:effectLst>
                   <a:outerShdw dist="35921" dir="2700000" algn="ctr" rotWithShape="0">
                     <a:schemeClr val="bg2"/>
@@ -6758,7 +6758,7 @@
           <a:effectLst/>
           <a:extLst>
             <a:ext uri="{AF507438-7753-43e0-B8FC-AC1667EBCBE1}">
-              <a14:hiddenEffects xmlns="" xmlns:a14="http://schemas.microsoft.com/office/drawing/2010/main">
+              <a14:hiddenEffects xmlns:a14="http://schemas.microsoft.com/office/drawing/2010/main" xmlns="">
                 <a:effectLst>
                   <a:outerShdw dist="35921" dir="2700000" algn="ctr" rotWithShape="0">
                     <a:schemeClr val="bg2"/>
@@ -6980,7 +6980,7 @@
           <a:effectLst/>
           <a:extLst>
             <a:ext uri="{AF507438-7753-43e0-B8FC-AC1667EBCBE1}">
-              <a14:hiddenEffects xmlns="" xmlns:a14="http://schemas.microsoft.com/office/drawing/2010/main">
+              <a14:hiddenEffects xmlns:a14="http://schemas.microsoft.com/office/drawing/2010/main" xmlns="">
                 <a:effectLst>
                   <a:outerShdw dist="35921" dir="2700000" algn="ctr" rotWithShape="0">
                     <a:schemeClr val="bg2"/>
@@ -7108,7 +7108,7 @@
           <a:effectLst/>
           <a:extLst>
             <a:ext uri="{AF507438-7753-43e0-B8FC-AC1667EBCBE1}">
-              <a14:hiddenEffects xmlns="" xmlns:a14="http://schemas.microsoft.com/office/drawing/2010/main">
+              <a14:hiddenEffects xmlns:a14="http://schemas.microsoft.com/office/drawing/2010/main" xmlns="">
                 <a:effectLst>
                   <a:outerShdw dist="35921" dir="2700000" algn="ctr" rotWithShape="0">
                     <a:schemeClr val="bg2"/>
@@ -7355,7 +7355,7 @@
             <a:effectLst/>
             <a:extLst>
               <a:ext uri="{AF507438-7753-43e0-B8FC-AC1667EBCBE1}">
-                <a14:hiddenEffects xmlns="" xmlns:a14="http://schemas.microsoft.com/office/drawing/2010/main">
+                <a14:hiddenEffects xmlns:a14="http://schemas.microsoft.com/office/drawing/2010/main" xmlns="">
                   <a:effectLst>
                     <a:outerShdw dist="35921" dir="2700000" algn="ctr" rotWithShape="0">
                       <a:schemeClr val="bg2"/>
@@ -7629,7 +7629,7 @@
           <a:effectLst/>
           <a:extLst>
             <a:ext uri="{AF507438-7753-43e0-B8FC-AC1667EBCBE1}">
-              <a14:hiddenEffects xmlns="" xmlns:a14="http://schemas.microsoft.com/office/drawing/2010/main">
+              <a14:hiddenEffects xmlns:a14="http://schemas.microsoft.com/office/drawing/2010/main" xmlns="">
                 <a:effectLst>
                   <a:outerShdw dist="35921" dir="2700000" algn="ctr" rotWithShape="0">
                     <a:schemeClr val="bg2"/>
@@ -7710,7 +7710,7 @@
           <a:effectLst/>
           <a:extLst>
             <a:ext uri="{AF507438-7753-43e0-B8FC-AC1667EBCBE1}">
-              <a14:hiddenEffects xmlns="" xmlns:a14="http://schemas.microsoft.com/office/drawing/2010/main">
+              <a14:hiddenEffects xmlns:a14="http://schemas.microsoft.com/office/drawing/2010/main" xmlns="">
                 <a:effectLst>
                   <a:outerShdw dist="35921" dir="2700000" algn="ctr" rotWithShape="0">
                     <a:schemeClr val="bg2"/>
@@ -7922,7 +7922,7 @@
           <a:effectLst/>
           <a:extLst>
             <a:ext uri="{AF507438-7753-43e0-B8FC-AC1667EBCBE1}">
-              <a14:hiddenEffects xmlns="" xmlns:a14="http://schemas.microsoft.com/office/drawing/2010/main">
+              <a14:hiddenEffects xmlns:a14="http://schemas.microsoft.com/office/drawing/2010/main" xmlns="">
                 <a:effectLst>
                   <a:outerShdw dist="35921" dir="2700000" algn="ctr" rotWithShape="0">
                     <a:schemeClr val="bg2"/>
@@ -7996,7 +7996,7 @@
           <a:effectLst/>
           <a:extLst>
             <a:ext uri="{AF507438-7753-43e0-B8FC-AC1667EBCBE1}">
-              <a14:hiddenEffects xmlns="" xmlns:a14="http://schemas.microsoft.com/office/drawing/2010/main">
+              <a14:hiddenEffects xmlns:a14="http://schemas.microsoft.com/office/drawing/2010/main" xmlns="">
                 <a:effectLst>
                   <a:outerShdw dist="35921" dir="2700000" algn="ctr" rotWithShape="0">
                     <a:schemeClr val="bg2"/>
@@ -8511,8 +8511,8 @@
         </p:nvSpPr>
         <p:spPr bwMode="auto">
           <a:xfrm>
-            <a:off x="6105128" y="2701377"/>
-            <a:ext cx="3096344" cy="716752"/>
+            <a:off x="6257498" y="2922444"/>
+            <a:ext cx="2958862" cy="521883"/>
           </a:xfrm>
           <a:prstGeom prst="wedgeRectCallout">
             <a:avLst>
@@ -8535,7 +8535,7 @@
           <a:effectLst/>
           <a:extLst>
             <a:ext uri="{AF507438-7753-43e0-B8FC-AC1667EBCBE1}">
-              <a14:hiddenEffects xmlns="" xmlns:a14="http://schemas.microsoft.com/office/drawing/2010/main">
+              <a14:hiddenEffects xmlns:a14="http://schemas.microsoft.com/office/drawing/2010/main" xmlns="">
                 <a:effectLst>
                   <a:outerShdw dist="35921" dir="2700000" algn="ctr" rotWithShape="0">
                     <a:schemeClr val="bg2"/>
@@ -8619,6 +8619,24 @@
                 </a:solidFill>
                 <a:latin typeface="Helvetica" panose="020B0604020202020204" pitchFamily="34" charset="0"/>
               </a:rPr>
+              <a:t>JSP</a:t>
+            </a:r>
+            <a:r>
+              <a:rPr kumimoji="1" lang="ja-JP" altLang="en-US" sz="1200" b="0" dirty="0" smtClean="0">
+                <a:solidFill>
+                  <a:srgbClr val="26343F"/>
+                </a:solidFill>
+                <a:latin typeface="Helvetica" panose="020B0604020202020204" pitchFamily="34" charset="0"/>
+              </a:rPr>
+              <a:t>、</a:t>
+            </a:r>
+            <a:r>
+              <a:rPr kumimoji="1" lang="en-US" altLang="ja-JP" sz="1200" b="0" dirty="0" smtClean="0">
+                <a:solidFill>
+                  <a:srgbClr val="26343F"/>
+                </a:solidFill>
+                <a:latin typeface="Helvetica" panose="020B0604020202020204" pitchFamily="34" charset="0"/>
+              </a:rPr>
               <a:t>JSF </a:t>
             </a:r>
             <a:r>
@@ -8628,7 +8646,52 @@
                 </a:solidFill>
                 <a:latin typeface="Helvetica" panose="020B0604020202020204" pitchFamily="34" charset="0"/>
               </a:rPr>
-              <a:t>からインジェクトしている。</a:t>
+              <a:t>か</a:t>
+            </a:r>
+            <a:r>
+              <a:rPr kumimoji="1" lang="ja-JP" altLang="en-US" sz="1200" b="0" dirty="0" smtClean="0">
+                <a:solidFill>
+                  <a:srgbClr val="26343F"/>
+                </a:solidFill>
+                <a:latin typeface="Helvetica" panose="020B0604020202020204" pitchFamily="34" charset="0"/>
+              </a:rPr>
+              <a:t>ら</a:t>
+            </a:r>
+            <a:r>
+              <a:rPr kumimoji="1" lang="ja-JP" altLang="en-US" sz="1200" b="0" dirty="0">
+                <a:solidFill>
+                  <a:srgbClr val="26343F"/>
+                </a:solidFill>
+                <a:latin typeface="Helvetica" panose="020B0604020202020204" pitchFamily="34" charset="0"/>
+              </a:rPr>
+              <a:t>参照</a:t>
+            </a:r>
+            <a:r>
+              <a:rPr kumimoji="1" lang="ja-JP" altLang="en-US" sz="1200" b="0" dirty="0" smtClean="0">
+                <a:solidFill>
+                  <a:srgbClr val="26343F"/>
+                </a:solidFill>
+                <a:latin typeface="Helvetica" panose="020B0604020202020204" pitchFamily="34" charset="0"/>
+              </a:rPr>
+              <a:t>し</a:t>
+            </a:r>
+            <a:r>
+              <a:rPr kumimoji="1" lang="ja-JP" altLang="en-US" sz="1200" b="0" dirty="0" smtClean="0">
+                <a:solidFill>
+                  <a:srgbClr val="26343F"/>
+                </a:solidFill>
+                <a:latin typeface="Helvetica" panose="020B0604020202020204" pitchFamily="34" charset="0"/>
+              </a:rPr>
+              <a:t>ている</a:t>
+            </a:r>
+            <a:r>
+              <a:rPr kumimoji="1" lang="ja-JP" altLang="en-US" sz="1200" b="0" dirty="0" smtClean="0">
+                <a:solidFill>
+                  <a:srgbClr val="26343F"/>
+                </a:solidFill>
+                <a:latin typeface="Helvetica" panose="020B0604020202020204" pitchFamily="34" charset="0"/>
+              </a:rPr>
+              <a:t>。</a:t>
             </a:r>
             <a:endParaRPr kumimoji="1" lang="en-US" altLang="ja-JP" sz="1200" b="0" dirty="0" smtClean="0">
               <a:solidFill>
@@ -8636,68 +8699,6 @@
               </a:solidFill>
               <a:latin typeface="Helvetica" panose="020B0604020202020204" pitchFamily="34" charset="0"/>
             </a:endParaRPr>
-          </a:p>
-          <a:p>
-            <a:pPr>
-              <a:spcBef>
-                <a:spcPct val="20000"/>
-              </a:spcBef>
-              <a:buSzPct val="100000"/>
-            </a:pPr>
-            <a:r>
-              <a:rPr kumimoji="1" lang="ja-JP" altLang="en-US" sz="1200" b="0" dirty="0" smtClean="0">
-                <a:solidFill>
-                  <a:srgbClr val="26343F"/>
-                </a:solidFill>
-                <a:latin typeface="Helvetica" panose="020B0604020202020204" pitchFamily="34" charset="0"/>
-              </a:rPr>
-              <a:t>検証のため </a:t>
-            </a:r>
-            <a:r>
-              <a:rPr kumimoji="1" lang="en-US" altLang="ja-JP" sz="1200" b="0" dirty="0" smtClean="0">
-                <a:solidFill>
-                  <a:srgbClr val="26343F"/>
-                </a:solidFill>
-                <a:latin typeface="Helvetica" panose="020B0604020202020204" pitchFamily="34" charset="0"/>
-              </a:rPr>
-              <a:t>JSP</a:t>
-            </a:r>
-            <a:r>
-              <a:rPr kumimoji="1" lang="ja-JP" altLang="en-US" sz="1200" b="0" dirty="0" smtClean="0">
-                <a:solidFill>
-                  <a:srgbClr val="26343F"/>
-                </a:solidFill>
-                <a:latin typeface="Helvetica" panose="020B0604020202020204" pitchFamily="34" charset="0"/>
-              </a:rPr>
-              <a:t>からは </a:t>
-            </a:r>
-            <a:r>
-              <a:rPr kumimoji="1" lang="en-US" altLang="ja-JP" sz="1200" b="0" dirty="0" smtClean="0">
-                <a:solidFill>
-                  <a:srgbClr val="26343F"/>
-                </a:solidFill>
-                <a:latin typeface="Helvetica" panose="020B0604020202020204" pitchFamily="34" charset="0"/>
-              </a:rPr>
-              <a:t>new </a:t>
-            </a:r>
-            <a:r>
-              <a:rPr kumimoji="1" lang="ja-JP" altLang="en-US" sz="1200" b="0" dirty="0" smtClean="0">
-                <a:solidFill>
-                  <a:srgbClr val="26343F"/>
-                </a:solidFill>
-                <a:latin typeface="Helvetica" panose="020B0604020202020204" pitchFamily="34" charset="0"/>
-              </a:rPr>
-              <a:t>している。</a:t>
-            </a:r>
-            <a:r>
-              <a:rPr kumimoji="1" lang="en-US" altLang="ja-JP" sz="1200" b="0" dirty="0" smtClean="0">
-                <a:solidFill>
-                  <a:srgbClr val="26343F"/>
-                </a:solidFill>
-                <a:latin typeface="Helvetica" panose="020B0604020202020204" pitchFamily="34" charset="0"/>
-              </a:rPr>
-              <a:t> </a:t>
-            </a:r>
           </a:p>
         </p:txBody>
       </p:sp>
@@ -8709,7 +8710,7 @@
         </p:nvSpPr>
         <p:spPr bwMode="auto">
           <a:xfrm>
-            <a:off x="6249144" y="3645024"/>
+            <a:off x="6257498" y="3650733"/>
             <a:ext cx="720080" cy="356771"/>
           </a:xfrm>
           <a:prstGeom prst="wedgeRectCallout">
@@ -8733,7 +8734,7 @@
           <a:effectLst/>
           <a:extLst>
             <a:ext uri="{AF507438-7753-43e0-B8FC-AC1667EBCBE1}">
-              <a14:hiddenEffects xmlns="" xmlns:a14="http://schemas.microsoft.com/office/drawing/2010/main">
+              <a14:hiddenEffects xmlns:a14="http://schemas.microsoft.com/office/drawing/2010/main" xmlns="">
                 <a:effectLst>
                   <a:outerShdw dist="35921" dir="2700000" algn="ctr" rotWithShape="0">
                     <a:schemeClr val="bg2"/>
@@ -8801,7 +8802,7 @@
           <a:effectLst/>
           <a:extLst>
             <a:ext uri="{AF507438-7753-43e0-B8FC-AC1667EBCBE1}">
-              <a14:hiddenEffects xmlns="" xmlns:a14="http://schemas.microsoft.com/office/drawing/2010/main">
+              <a14:hiddenEffects xmlns:a14="http://schemas.microsoft.com/office/drawing/2010/main" xmlns="">
                 <a:effectLst>
                   <a:outerShdw dist="35921" dir="2700000" algn="ctr" rotWithShape="0">
                     <a:schemeClr val="bg2"/>
@@ -8979,7 +8980,7 @@
           <a:effectLst/>
           <a:extLst>
             <a:ext uri="{AF507438-7753-43e0-B8FC-AC1667EBCBE1}">
-              <a14:hiddenEffects xmlns="" xmlns:a14="http://schemas.microsoft.com/office/drawing/2010/main">
+              <a14:hiddenEffects xmlns:a14="http://schemas.microsoft.com/office/drawing/2010/main" xmlns="">
                 <a:effectLst>
                   <a:outerShdw dist="35921" dir="2700000" algn="ctr" rotWithShape="0">
                     <a:schemeClr val="bg2"/>
@@ -9139,7 +9140,7 @@
           <a:effectLst/>
           <a:extLst>
             <a:ext uri="{AF507438-7753-43e0-B8FC-AC1667EBCBE1}">
-              <a14:hiddenEffects xmlns="" xmlns:a14="http://schemas.microsoft.com/office/drawing/2010/main">
+              <a14:hiddenEffects xmlns:a14="http://schemas.microsoft.com/office/drawing/2010/main" xmlns="">
                 <a:effectLst>
                   <a:outerShdw dist="35921" dir="2700000" algn="ctr" rotWithShape="0">
                     <a:schemeClr val="bg2"/>
@@ -9207,7 +9208,7 @@
           <a:effectLst/>
           <a:extLst>
             <a:ext uri="{AF507438-7753-43e0-B8FC-AC1667EBCBE1}">
-              <a14:hiddenEffects xmlns="" xmlns:a14="http://schemas.microsoft.com/office/drawing/2010/main">
+              <a14:hiddenEffects xmlns:a14="http://schemas.microsoft.com/office/drawing/2010/main" xmlns="">
                 <a:effectLst>
                   <a:outerShdw dist="35921" dir="2700000" algn="ctr" rotWithShape="0">
                     <a:schemeClr val="bg2"/>
@@ -9275,7 +9276,7 @@
           <a:effectLst/>
           <a:extLst>
             <a:ext uri="{AF507438-7753-43e0-B8FC-AC1667EBCBE1}">
-              <a14:hiddenEffects xmlns="" xmlns:a14="http://schemas.microsoft.com/office/drawing/2010/main">
+              <a14:hiddenEffects xmlns:a14="http://schemas.microsoft.com/office/drawing/2010/main" xmlns="">
                 <a:effectLst>
                   <a:outerShdw dist="35921" dir="2700000" algn="ctr" rotWithShape="0">
                     <a:schemeClr val="bg2"/>
@@ -12288,7 +12289,7 @@
                 <a:latin typeface="IPA Pゴシック" panose="020B0500000000000000" pitchFamily="50" charset="-128"/>
                 <a:ea typeface="IPA Pゴシック" panose="020B0500000000000000" pitchFamily="50" charset="-128"/>
               </a:rPr>
-              <a:t>&lt;%@ page </a:t>
+              <a:t>&lt;%@ page language="java" </a:t>
             </a:r>
             <a:r>
               <a:rPr lang="en-US" altLang="ja-JP" sz="800" dirty="0" err="1">
@@ -12314,173 +12315,63 @@
                 <a:latin typeface="IPA Pゴシック" panose="020B0500000000000000" pitchFamily="50" charset="-128"/>
                 <a:ea typeface="IPA Pゴシック" panose="020B0500000000000000" pitchFamily="50" charset="-128"/>
               </a:rPr>
-              <a:t>&lt;%@ page import="</a:t>
+              <a:t>&lt;%@ </a:t>
             </a:r>
             <a:r>
               <a:rPr lang="en-US" altLang="ja-JP" sz="800" dirty="0" err="1">
                 <a:latin typeface="IPA Pゴシック" panose="020B0500000000000000" pitchFamily="50" charset="-128"/>
                 <a:ea typeface="IPA Pゴシック" panose="020B0500000000000000" pitchFamily="50" charset="-128"/>
               </a:rPr>
-              <a:t>wasdev.sample.model.HelloBean</a:t>
+              <a:t>taglib</a:t>
             </a:r>
             <a:r>
               <a:rPr lang="en-US" altLang="ja-JP" sz="800" dirty="0">
                 <a:latin typeface="IPA Pゴシック" panose="020B0500000000000000" pitchFamily="50" charset="-128"/>
                 <a:ea typeface="IPA Pゴシック" panose="020B0500000000000000" pitchFamily="50" charset="-128"/>
               </a:rPr>
-              <a:t>"%&gt;</a:t>
-            </a:r>
-          </a:p>
-          <a:p>
-            <a:pPr marL="0" indent="0">
-              <a:buNone/>
-            </a:pPr>
+              <a:t> prefix="c" </a:t>
+            </a:r>
+            <a:r>
+              <a:rPr lang="en-US" altLang="ja-JP" sz="800" dirty="0" err="1">
+                <a:latin typeface="IPA Pゴシック" panose="020B0500000000000000" pitchFamily="50" charset="-128"/>
+                <a:ea typeface="IPA Pゴシック" panose="020B0500000000000000" pitchFamily="50" charset="-128"/>
+              </a:rPr>
+              <a:t>uri</a:t>
+            </a:r>
             <a:r>
               <a:rPr lang="en-US" altLang="ja-JP" sz="800" dirty="0">
                 <a:latin typeface="IPA Pゴシック" panose="020B0500000000000000" pitchFamily="50" charset="-128"/>
                 <a:ea typeface="IPA Pゴシック" panose="020B0500000000000000" pitchFamily="50" charset="-128"/>
               </a:rPr>
-              <a:t>&lt;html&gt;</a:t>
-            </a:r>
-          </a:p>
-          <a:p>
-            <a:pPr marL="0" indent="0">
-              <a:buNone/>
-            </a:pPr>
+              <a:t>="http://java.sun.com/</a:t>
+            </a:r>
+            <a:r>
+              <a:rPr lang="en-US" altLang="ja-JP" sz="800" dirty="0" err="1">
+                <a:latin typeface="IPA Pゴシック" panose="020B0500000000000000" pitchFamily="50" charset="-128"/>
+                <a:ea typeface="IPA Pゴシック" panose="020B0500000000000000" pitchFamily="50" charset="-128"/>
+              </a:rPr>
+              <a:t>jsp</a:t>
+            </a:r>
             <a:r>
               <a:rPr lang="en-US" altLang="ja-JP" sz="800" dirty="0">
                 <a:latin typeface="IPA Pゴシック" panose="020B0500000000000000" pitchFamily="50" charset="-128"/>
                 <a:ea typeface="IPA Pゴシック" panose="020B0500000000000000" pitchFamily="50" charset="-128"/>
               </a:rPr>
-              <a:t>&lt;head&gt;</a:t>
-            </a:r>
-          </a:p>
-          <a:p>
-            <a:pPr marL="0" indent="0">
-              <a:buNone/>
-            </a:pPr>
+              <a:t>/</a:t>
+            </a:r>
+            <a:r>
+              <a:rPr lang="en-US" altLang="ja-JP" sz="800" dirty="0" err="1">
+                <a:latin typeface="IPA Pゴシック" panose="020B0500000000000000" pitchFamily="50" charset="-128"/>
+                <a:ea typeface="IPA Pゴシック" panose="020B0500000000000000" pitchFamily="50" charset="-128"/>
+              </a:rPr>
+              <a:t>jstl</a:t>
+            </a:r>
             <a:r>
               <a:rPr lang="en-US" altLang="ja-JP" sz="800" dirty="0">
                 <a:latin typeface="IPA Pゴシック" panose="020B0500000000000000" pitchFamily="50" charset="-128"/>
                 <a:ea typeface="IPA Pゴシック" panose="020B0500000000000000" pitchFamily="50" charset="-128"/>
               </a:rPr>
-              <a:t>&lt;link </a:t>
-            </a:r>
-            <a:r>
-              <a:rPr lang="en-US" altLang="ja-JP" sz="800" dirty="0" err="1">
-                <a:latin typeface="IPA Pゴシック" panose="020B0500000000000000" pitchFamily="50" charset="-128"/>
-                <a:ea typeface="IPA Pゴシック" panose="020B0500000000000000" pitchFamily="50" charset="-128"/>
-              </a:rPr>
-              <a:t>rel</a:t>
-            </a:r>
-            <a:r>
-              <a:rPr lang="en-US" altLang="ja-JP" sz="800" dirty="0">
-                <a:latin typeface="IPA Pゴシック" panose="020B0500000000000000" pitchFamily="50" charset="-128"/>
-                <a:ea typeface="IPA Pゴシック" panose="020B0500000000000000" pitchFamily="50" charset="-128"/>
-              </a:rPr>
-              <a:t>="stylesheet"</a:t>
-            </a:r>
-          </a:p>
-          <a:p>
-            <a:pPr marL="0" indent="0">
-              <a:buNone/>
-            </a:pPr>
-            <a:r>
-              <a:rPr lang="en-US" altLang="ja-JP" sz="800" dirty="0">
-                <a:latin typeface="IPA Pゴシック" panose="020B0500000000000000" pitchFamily="50" charset="-128"/>
-                <a:ea typeface="IPA Pゴシック" panose="020B0500000000000000" pitchFamily="50" charset="-128"/>
-              </a:rPr>
-              <a:t>    </a:t>
-            </a:r>
-            <a:r>
-              <a:rPr lang="en-US" altLang="ja-JP" sz="800" dirty="0" err="1">
-                <a:latin typeface="IPA Pゴシック" panose="020B0500000000000000" pitchFamily="50" charset="-128"/>
-                <a:ea typeface="IPA Pゴシック" panose="020B0500000000000000" pitchFamily="50" charset="-128"/>
-              </a:rPr>
-              <a:t>href</a:t>
-            </a:r>
-            <a:r>
-              <a:rPr lang="en-US" altLang="ja-JP" sz="800" dirty="0">
-                <a:latin typeface="IPA Pゴシック" panose="020B0500000000000000" pitchFamily="50" charset="-128"/>
-                <a:ea typeface="IPA Pゴシック" panose="020B0500000000000000" pitchFamily="50" charset="-128"/>
-              </a:rPr>
-              <a:t>="https://maxcdn.bootstrapcdn.com/bootstrap/3.3.6/</a:t>
-            </a:r>
-            <a:r>
-              <a:rPr lang="en-US" altLang="ja-JP" sz="800" dirty="0" err="1">
-                <a:latin typeface="IPA Pゴシック" panose="020B0500000000000000" pitchFamily="50" charset="-128"/>
-                <a:ea typeface="IPA Pゴシック" panose="020B0500000000000000" pitchFamily="50" charset="-128"/>
-              </a:rPr>
-              <a:t>css</a:t>
-            </a:r>
-            <a:r>
-              <a:rPr lang="en-US" altLang="ja-JP" sz="800" dirty="0">
-                <a:latin typeface="IPA Pゴシック" panose="020B0500000000000000" pitchFamily="50" charset="-128"/>
-                <a:ea typeface="IPA Pゴシック" panose="020B0500000000000000" pitchFamily="50" charset="-128"/>
-              </a:rPr>
-              <a:t>/bootstrap.min.css"</a:t>
-            </a:r>
-          </a:p>
-          <a:p>
-            <a:pPr marL="0" indent="0">
-              <a:buNone/>
-            </a:pPr>
-            <a:r>
-              <a:rPr lang="en-US" altLang="ja-JP" sz="800" dirty="0">
-                <a:latin typeface="IPA Pゴシック" panose="020B0500000000000000" pitchFamily="50" charset="-128"/>
-                <a:ea typeface="IPA Pゴシック" panose="020B0500000000000000" pitchFamily="50" charset="-128"/>
-              </a:rPr>
-              <a:t>    integrity="sha384-1q8mTJOASx8j1Au+a5WDVnPi2lkFfwwEAa8hDDdjZlpLegxhjVME1fgjWPGmkzs7"</a:t>
-            </a:r>
-          </a:p>
-          <a:p>
-            <a:pPr marL="0" indent="0">
-              <a:buNone/>
-            </a:pPr>
-            <a:r>
-              <a:rPr lang="en-US" altLang="ja-JP" sz="800" dirty="0">
-                <a:latin typeface="IPA Pゴシック" panose="020B0500000000000000" pitchFamily="50" charset="-128"/>
-                <a:ea typeface="IPA Pゴシック" panose="020B0500000000000000" pitchFamily="50" charset="-128"/>
-              </a:rPr>
-              <a:t>    </a:t>
-            </a:r>
-            <a:r>
-              <a:rPr lang="en-US" altLang="ja-JP" sz="800" dirty="0" err="1">
-                <a:latin typeface="IPA Pゴシック" panose="020B0500000000000000" pitchFamily="50" charset="-128"/>
-                <a:ea typeface="IPA Pゴシック" panose="020B0500000000000000" pitchFamily="50" charset="-128"/>
-              </a:rPr>
-              <a:t>crossorigin</a:t>
-            </a:r>
-            <a:r>
-              <a:rPr lang="en-US" altLang="ja-JP" sz="800" dirty="0">
-                <a:latin typeface="IPA Pゴシック" panose="020B0500000000000000" pitchFamily="50" charset="-128"/>
-                <a:ea typeface="IPA Pゴシック" panose="020B0500000000000000" pitchFamily="50" charset="-128"/>
-              </a:rPr>
-              <a:t>="anonymous" /&gt;</a:t>
-            </a:r>
-          </a:p>
-          <a:p>
-            <a:pPr marL="0" indent="0">
-              <a:buNone/>
-            </a:pPr>
-            <a:r>
-              <a:rPr lang="en-US" altLang="ja-JP" sz="800" dirty="0">
-                <a:latin typeface="IPA Pゴシック" panose="020B0500000000000000" pitchFamily="50" charset="-128"/>
-                <a:ea typeface="IPA Pゴシック" panose="020B0500000000000000" pitchFamily="50" charset="-128"/>
-              </a:rPr>
-              <a:t>&lt;/head&gt;</a:t>
-            </a:r>
-          </a:p>
-          <a:p>
-            <a:pPr marL="0" indent="0">
-              <a:buNone/>
-            </a:pPr>
-            <a:r>
-              <a:rPr lang="en-US" altLang="ja-JP" sz="800" dirty="0">
-                <a:latin typeface="IPA Pゴシック" panose="020B0500000000000000" pitchFamily="50" charset="-128"/>
-                <a:ea typeface="IPA Pゴシック" panose="020B0500000000000000" pitchFamily="50" charset="-128"/>
-              </a:rPr>
-              <a:t>&lt;body&gt;</a:t>
+              <a:t>/core"%&gt;</a:t>
             </a:r>
           </a:p>
           <a:p>
@@ -12501,7 +12392,7 @@
                 <a:latin typeface="IPA Pゴシック" panose="020B0500000000000000" pitchFamily="50" charset="-128"/>
                 <a:ea typeface="IPA Pゴシック" panose="020B0500000000000000" pitchFamily="50" charset="-128"/>
               </a:rPr>
-              <a:t>    &lt;h1&gt;</a:t>
+              <a:t>&lt;html&gt;</a:t>
             </a:r>
           </a:p>
           <a:p>
@@ -12513,7 +12404,7 @@
                 <a:latin typeface="IPA Pゴシック" panose="020B0500000000000000" pitchFamily="50" charset="-128"/>
                 <a:ea typeface="IPA Pゴシック" panose="020B0500000000000000" pitchFamily="50" charset="-128"/>
               </a:rPr>
-              <a:t>        &lt;%</a:t>
+              <a:t>&lt;head&gt;</a:t>
             </a:r>
           </a:p>
           <a:p>
@@ -12525,49 +12416,21 @@
                 <a:latin typeface="IPA Pゴシック" panose="020B0500000000000000" pitchFamily="50" charset="-128"/>
                 <a:ea typeface="IPA Pゴシック" panose="020B0500000000000000" pitchFamily="50" charset="-128"/>
               </a:rPr>
-              <a:t>            </a:t>
+              <a:t>&lt;link </a:t>
             </a:r>
             <a:r>
               <a:rPr lang="en-US" altLang="ja-JP" sz="800" dirty="0" err="1">
                 <a:latin typeface="IPA Pゴシック" panose="020B0500000000000000" pitchFamily="50" charset="-128"/>
                 <a:ea typeface="IPA Pゴシック" panose="020B0500000000000000" pitchFamily="50" charset="-128"/>
               </a:rPr>
-              <a:t>HelloBean</a:t>
+              <a:t>rel</a:t>
             </a:r>
             <a:r>
               <a:rPr lang="en-US" altLang="ja-JP" sz="800" dirty="0">
                 <a:latin typeface="IPA Pゴシック" panose="020B0500000000000000" pitchFamily="50" charset="-128"/>
                 <a:ea typeface="IPA Pゴシック" panose="020B0500000000000000" pitchFamily="50" charset="-128"/>
               </a:rPr>
-              <a:t> </a:t>
-            </a:r>
-            <a:r>
-              <a:rPr lang="en-US" altLang="ja-JP" sz="800" dirty="0" err="1">
-                <a:latin typeface="IPA Pゴシック" panose="020B0500000000000000" pitchFamily="50" charset="-128"/>
-                <a:ea typeface="IPA Pゴシック" panose="020B0500000000000000" pitchFamily="50" charset="-128"/>
-              </a:rPr>
-              <a:t>helloBean</a:t>
-            </a:r>
-            <a:r>
-              <a:rPr lang="en-US" altLang="ja-JP" sz="800" dirty="0">
-                <a:latin typeface="IPA Pゴシック" panose="020B0500000000000000" pitchFamily="50" charset="-128"/>
-                <a:ea typeface="IPA Pゴシック" panose="020B0500000000000000" pitchFamily="50" charset="-128"/>
-              </a:rPr>
-              <a:t> = new </a:t>
-            </a:r>
-            <a:r>
-              <a:rPr lang="en-US" altLang="ja-JP" sz="800" dirty="0" err="1">
-                <a:latin typeface="IPA Pゴシック" panose="020B0500000000000000" pitchFamily="50" charset="-128"/>
-                <a:ea typeface="IPA Pゴシック" panose="020B0500000000000000" pitchFamily="50" charset="-128"/>
-              </a:rPr>
-              <a:t>HelloBean</a:t>
-            </a:r>
-            <a:r>
-              <a:rPr lang="en-US" altLang="ja-JP" sz="800" dirty="0">
-                <a:latin typeface="IPA Pゴシック" panose="020B0500000000000000" pitchFamily="50" charset="-128"/>
-                <a:ea typeface="IPA Pゴシック" panose="020B0500000000000000" pitchFamily="50" charset="-128"/>
-              </a:rPr>
-              <a:t>();</a:t>
+              <a:t>="stylesheet"</a:t>
             </a:r>
           </a:p>
           <a:p>
@@ -12579,35 +12442,35 @@
                 <a:latin typeface="IPA Pゴシック" panose="020B0500000000000000" pitchFamily="50" charset="-128"/>
                 <a:ea typeface="IPA Pゴシック" panose="020B0500000000000000" pitchFamily="50" charset="-128"/>
               </a:rPr>
-              <a:t>            </a:t>
+              <a:t>    </a:t>
             </a:r>
             <a:r>
               <a:rPr lang="en-US" altLang="ja-JP" sz="800" dirty="0" err="1">
                 <a:latin typeface="IPA Pゴシック" panose="020B0500000000000000" pitchFamily="50" charset="-128"/>
                 <a:ea typeface="IPA Pゴシック" panose="020B0500000000000000" pitchFamily="50" charset="-128"/>
               </a:rPr>
-              <a:t>out.println</a:t>
+              <a:t>href</a:t>
             </a:r>
             <a:r>
               <a:rPr lang="en-US" altLang="ja-JP" sz="800" dirty="0">
                 <a:latin typeface="IPA Pゴシック" panose="020B0500000000000000" pitchFamily="50" charset="-128"/>
                 <a:ea typeface="IPA Pゴシック" panose="020B0500000000000000" pitchFamily="50" charset="-128"/>
               </a:rPr>
-              <a:t>(</a:t>
+              <a:t>="https://maxcdn.bootstrapcdn.com/bootstrap/3.3.6/</a:t>
             </a:r>
             <a:r>
               <a:rPr lang="en-US" altLang="ja-JP" sz="800" dirty="0" err="1">
                 <a:latin typeface="IPA Pゴシック" panose="020B0500000000000000" pitchFamily="50" charset="-128"/>
                 <a:ea typeface="IPA Pゴシック" panose="020B0500000000000000" pitchFamily="50" charset="-128"/>
               </a:rPr>
-              <a:t>helloBean.getMessage</a:t>
+              <a:t>css</a:t>
             </a:r>
             <a:r>
               <a:rPr lang="en-US" altLang="ja-JP" sz="800" dirty="0">
                 <a:latin typeface="IPA Pゴシック" panose="020B0500000000000000" pitchFamily="50" charset="-128"/>
                 <a:ea typeface="IPA Pゴシック" panose="020B0500000000000000" pitchFamily="50" charset="-128"/>
               </a:rPr>
-              <a:t>());</a:t>
+              <a:t>/bootstrap.min.css"</a:t>
             </a:r>
           </a:p>
           <a:p>
@@ -12619,7 +12482,118 @@
                 <a:latin typeface="IPA Pゴシック" panose="020B0500000000000000" pitchFamily="50" charset="-128"/>
                 <a:ea typeface="IPA Pゴシック" panose="020B0500000000000000" pitchFamily="50" charset="-128"/>
               </a:rPr>
-              <a:t>        %&gt;</a:t>
+              <a:t>    integrity="sha384-1q8mTJOASx8j1Au+a5WDVnPi2lkFfwwEAa8hDDdjZlpLegxhjVME1fgjWPGmkzs7"</a:t>
+            </a:r>
+          </a:p>
+          <a:p>
+            <a:pPr marL="0" indent="0">
+              <a:buNone/>
+            </a:pPr>
+            <a:r>
+              <a:rPr lang="en-US" altLang="ja-JP" sz="800" dirty="0">
+                <a:latin typeface="IPA Pゴシック" panose="020B0500000000000000" pitchFamily="50" charset="-128"/>
+                <a:ea typeface="IPA Pゴシック" panose="020B0500000000000000" pitchFamily="50" charset="-128"/>
+              </a:rPr>
+              <a:t>    </a:t>
+            </a:r>
+            <a:r>
+              <a:rPr lang="en-US" altLang="ja-JP" sz="800" dirty="0" err="1">
+                <a:latin typeface="IPA Pゴシック" panose="020B0500000000000000" pitchFamily="50" charset="-128"/>
+                <a:ea typeface="IPA Pゴシック" panose="020B0500000000000000" pitchFamily="50" charset="-128"/>
+              </a:rPr>
+              <a:t>crossorigin</a:t>
+            </a:r>
+            <a:r>
+              <a:rPr lang="en-US" altLang="ja-JP" sz="800" dirty="0">
+                <a:latin typeface="IPA Pゴシック" panose="020B0500000000000000" pitchFamily="50" charset="-128"/>
+                <a:ea typeface="IPA Pゴシック" panose="020B0500000000000000" pitchFamily="50" charset="-128"/>
+              </a:rPr>
+              <a:t>="anonymous" /&gt;</a:t>
+            </a:r>
+          </a:p>
+          <a:p>
+            <a:pPr marL="0" indent="0">
+              <a:buNone/>
+            </a:pPr>
+            <a:r>
+              <a:rPr lang="en-US" altLang="ja-JP" sz="800" dirty="0">
+                <a:latin typeface="IPA Pゴシック" panose="020B0500000000000000" pitchFamily="50" charset="-128"/>
+                <a:ea typeface="IPA Pゴシック" panose="020B0500000000000000" pitchFamily="50" charset="-128"/>
+              </a:rPr>
+              <a:t>&lt;/head&gt;</a:t>
+            </a:r>
+          </a:p>
+          <a:p>
+            <a:pPr marL="0" indent="0">
+              <a:buNone/>
+            </a:pPr>
+            <a:r>
+              <a:rPr lang="en-US" altLang="ja-JP" sz="800" dirty="0">
+                <a:latin typeface="IPA Pゴシック" panose="020B0500000000000000" pitchFamily="50" charset="-128"/>
+                <a:ea typeface="IPA Pゴシック" panose="020B0500000000000000" pitchFamily="50" charset="-128"/>
+              </a:rPr>
+              <a:t>&lt;body&gt;</a:t>
+            </a:r>
+          </a:p>
+          <a:p>
+            <a:pPr marL="0" indent="0">
+              <a:buNone/>
+            </a:pPr>
+            <a:endParaRPr lang="en-US" altLang="ja-JP" sz="800" dirty="0">
+              <a:latin typeface="IPA Pゴシック" panose="020B0500000000000000" pitchFamily="50" charset="-128"/>
+              <a:ea typeface="IPA Pゴシック" panose="020B0500000000000000" pitchFamily="50" charset="-128"/>
+            </a:endParaRPr>
+          </a:p>
+          <a:p>
+            <a:pPr marL="0" indent="0">
+              <a:buNone/>
+            </a:pPr>
+            <a:r>
+              <a:rPr lang="en-US" altLang="ja-JP" sz="800" dirty="0">
+                <a:latin typeface="IPA Pゴシック" panose="020B0500000000000000" pitchFamily="50" charset="-128"/>
+                <a:ea typeface="IPA Pゴシック" panose="020B0500000000000000" pitchFamily="50" charset="-128"/>
+              </a:rPr>
+              <a:t>    &lt;h1&gt;</a:t>
+            </a:r>
+          </a:p>
+          <a:p>
+            <a:pPr marL="0" indent="0">
+              <a:buNone/>
+            </a:pPr>
+            <a:r>
+              <a:rPr lang="en-US" altLang="ja-JP" sz="800" dirty="0">
+                <a:latin typeface="IPA Pゴシック" panose="020B0500000000000000" pitchFamily="50" charset="-128"/>
+                <a:ea typeface="IPA Pゴシック" panose="020B0500000000000000" pitchFamily="50" charset="-128"/>
+              </a:rPr>
+              <a:t>        &lt;</a:t>
+            </a:r>
+            <a:r>
+              <a:rPr lang="en-US" altLang="ja-JP" sz="800" dirty="0" err="1">
+                <a:latin typeface="IPA Pゴシック" panose="020B0500000000000000" pitchFamily="50" charset="-128"/>
+                <a:ea typeface="IPA Pゴシック" panose="020B0500000000000000" pitchFamily="50" charset="-128"/>
+              </a:rPr>
+              <a:t>c:out</a:t>
+            </a:r>
+            <a:r>
+              <a:rPr lang="en-US" altLang="ja-JP" sz="800" dirty="0">
+                <a:latin typeface="IPA Pゴシック" panose="020B0500000000000000" pitchFamily="50" charset="-128"/>
+                <a:ea typeface="IPA Pゴシック" panose="020B0500000000000000" pitchFamily="50" charset="-128"/>
+              </a:rPr>
+              <a:t> value="${</a:t>
+            </a:r>
+            <a:r>
+              <a:rPr lang="en-US" altLang="ja-JP" sz="800" dirty="0" err="1">
+                <a:latin typeface="IPA Pゴシック" panose="020B0500000000000000" pitchFamily="50" charset="-128"/>
+                <a:ea typeface="IPA Pゴシック" panose="020B0500000000000000" pitchFamily="50" charset="-128"/>
+              </a:rPr>
+              <a:t>helloBean.message</a:t>
+            </a:r>
+            <a:r>
+              <a:rPr lang="en-US" altLang="ja-JP" sz="800" dirty="0">
+                <a:latin typeface="IPA Pゴシック" panose="020B0500000000000000" pitchFamily="50" charset="-128"/>
+                <a:ea typeface="IPA Pゴシック" panose="020B0500000000000000" pitchFamily="50" charset="-128"/>
+              </a:rPr>
+              <a:t>}" /&gt;</a:t>
             </a:r>
           </a:p>
           <a:p>
@@ -14068,14 +14042,14 @@
           <a:effectLst/>
           <a:extLst>
             <a:ext uri="{909E8E84-426E-40dd-AFC4-6F175D3DCCD1}">
-              <a14:hiddenFill xmlns="" xmlns:a14="http://schemas.microsoft.com/office/drawing/2010/main">
+              <a14:hiddenFill xmlns:a14="http://schemas.microsoft.com/office/drawing/2010/main" xmlns="">
                 <a:solidFill>
                   <a:schemeClr val="accent1"/>
                 </a:solidFill>
               </a14:hiddenFill>
             </a:ext>
             <a:ext uri="{91240B29-F687-4f45-9708-019B960494DF}">
-              <a14:hiddenLine xmlns="" xmlns:a14="http://schemas.microsoft.com/office/drawing/2010/main" w="9525">
+              <a14:hiddenLine xmlns:a14="http://schemas.microsoft.com/office/drawing/2010/main" xmlns="" w="9525">
                 <a:solidFill>
                   <a:schemeClr val="tx1"/>
                 </a:solidFill>
@@ -14085,7 +14059,7 @@
               </a14:hiddenLine>
             </a:ext>
             <a:ext uri="{AF507438-7753-43e0-B8FC-AC1667EBCBE1}">
-              <a14:hiddenEffects xmlns="" xmlns:a14="http://schemas.microsoft.com/office/drawing/2010/main">
+              <a14:hiddenEffects xmlns:a14="http://schemas.microsoft.com/office/drawing/2010/main" xmlns="">
                 <a:effectLst>
                   <a:outerShdw dist="35921" dir="2700000" algn="ctr" rotWithShape="0">
                     <a:schemeClr val="bg2"/>
@@ -15483,7 +15457,7 @@
           <a:effectLst/>
           <a:extLst>
             <a:ext uri="{AF507438-7753-43e0-B8FC-AC1667EBCBE1}">
-              <a14:hiddenEffects xmlns="" xmlns:a14="http://schemas.microsoft.com/office/drawing/2010/main">
+              <a14:hiddenEffects xmlns:a14="http://schemas.microsoft.com/office/drawing/2010/main" xmlns="">
                 <a:effectLst>
                   <a:outerShdw dist="35921" dir="2700000" algn="ctr" rotWithShape="0">
                     <a:schemeClr val="bg2"/>
@@ -15909,7 +15883,7 @@
           <a:effectLst/>
           <a:extLst>
             <a:ext uri="{AF507438-7753-43e0-B8FC-AC1667EBCBE1}">
-              <a14:hiddenEffects xmlns="" xmlns:a14="http://schemas.microsoft.com/office/drawing/2010/main">
+              <a14:hiddenEffects xmlns:a14="http://schemas.microsoft.com/office/drawing/2010/main" xmlns="">
                 <a:effectLst>
                   <a:outerShdw dist="35921" dir="2700000" algn="ctr" rotWithShape="0">
                     <a:schemeClr val="bg2"/>
@@ -15985,7 +15959,7 @@
           <a:effectLst/>
           <a:extLst>
             <a:ext uri="{AF507438-7753-43e0-B8FC-AC1667EBCBE1}">
-              <a14:hiddenEffects xmlns="" xmlns:a14="http://schemas.microsoft.com/office/drawing/2010/main">
+              <a14:hiddenEffects xmlns:a14="http://schemas.microsoft.com/office/drawing/2010/main" xmlns="">
                 <a:effectLst>
                   <a:outerShdw dist="35921" dir="2700000" algn="ctr" rotWithShape="0">
                     <a:schemeClr val="bg2"/>
@@ -16061,7 +16035,7 @@
           <a:effectLst/>
           <a:extLst>
             <a:ext uri="{AF507438-7753-43e0-B8FC-AC1667EBCBE1}">
-              <a14:hiddenEffects xmlns="" xmlns:a14="http://schemas.microsoft.com/office/drawing/2010/main">
+              <a14:hiddenEffects xmlns:a14="http://schemas.microsoft.com/office/drawing/2010/main" xmlns="">
                 <a:effectLst>
                   <a:outerShdw dist="35921" dir="2700000" algn="ctr" rotWithShape="0">
                     <a:schemeClr val="bg2"/>
@@ -16137,7 +16111,7 @@
           <a:effectLst/>
           <a:extLst>
             <a:ext uri="{AF507438-7753-43e0-B8FC-AC1667EBCBE1}">
-              <a14:hiddenEffects xmlns="" xmlns:a14="http://schemas.microsoft.com/office/drawing/2010/main">
+              <a14:hiddenEffects xmlns:a14="http://schemas.microsoft.com/office/drawing/2010/main" xmlns="">
                 <a:effectLst>
                   <a:outerShdw dist="35921" dir="2700000" algn="ctr" rotWithShape="0">
                     <a:schemeClr val="bg2"/>
@@ -16218,7 +16192,7 @@
           <a:effectLst/>
           <a:extLst>
             <a:ext uri="{AF507438-7753-43e0-B8FC-AC1667EBCBE1}">
-              <a14:hiddenEffects xmlns="" xmlns:a14="http://schemas.microsoft.com/office/drawing/2010/main">
+              <a14:hiddenEffects xmlns:a14="http://schemas.microsoft.com/office/drawing/2010/main" xmlns="">
                 <a:effectLst>
                   <a:outerShdw dist="35921" dir="2700000" algn="ctr" rotWithShape="0">
                     <a:schemeClr val="bg2"/>
@@ -16704,7 +16678,7 @@
           <a:effectLst/>
           <a:extLst>
             <a:ext uri="{AF507438-7753-43e0-B8FC-AC1667EBCBE1}">
-              <a14:hiddenEffects xmlns="" xmlns:a14="http://schemas.microsoft.com/office/drawing/2010/main">
+              <a14:hiddenEffects xmlns:a14="http://schemas.microsoft.com/office/drawing/2010/main" xmlns="">
                 <a:effectLst>
                   <a:outerShdw dist="35921" dir="2700000" algn="ctr" rotWithShape="0">
                     <a:schemeClr val="bg2"/>
@@ -16785,7 +16759,7 @@
           <a:effectLst/>
           <a:extLst>
             <a:ext uri="{AF507438-7753-43e0-B8FC-AC1667EBCBE1}">
-              <a14:hiddenEffects xmlns="" xmlns:a14="http://schemas.microsoft.com/office/drawing/2010/main">
+              <a14:hiddenEffects xmlns:a14="http://schemas.microsoft.com/office/drawing/2010/main" xmlns="">
                 <a:effectLst>
                   <a:outerShdw dist="35921" dir="2700000" algn="ctr" rotWithShape="0">
                     <a:schemeClr val="bg2"/>
@@ -16993,7 +16967,7 @@
           <a:effectLst/>
           <a:extLst>
             <a:ext uri="{AF507438-7753-43e0-B8FC-AC1667EBCBE1}">
-              <a14:hiddenEffects xmlns="" xmlns:a14="http://schemas.microsoft.com/office/drawing/2010/main">
+              <a14:hiddenEffects xmlns:a14="http://schemas.microsoft.com/office/drawing/2010/main" xmlns="">
                 <a:effectLst>
                   <a:outerShdw dist="35921" dir="2700000" algn="ctr" rotWithShape="0">
                     <a:schemeClr val="bg2"/>
@@ -17069,7 +17043,7 @@
           <a:effectLst/>
           <a:extLst>
             <a:ext uri="{AF507438-7753-43e0-B8FC-AC1667EBCBE1}">
-              <a14:hiddenEffects xmlns="" xmlns:a14="http://schemas.microsoft.com/office/drawing/2010/main">
+              <a14:hiddenEffects xmlns:a14="http://schemas.microsoft.com/office/drawing/2010/main" xmlns="">
                 <a:effectLst>
                   <a:outerShdw dist="35921" dir="2700000" algn="ctr" rotWithShape="0">
                     <a:schemeClr val="bg2"/>
@@ -17145,7 +17119,7 @@
           <a:effectLst/>
           <a:extLst>
             <a:ext uri="{AF507438-7753-43e0-B8FC-AC1667EBCBE1}">
-              <a14:hiddenEffects xmlns="" xmlns:a14="http://schemas.microsoft.com/office/drawing/2010/main">
+              <a14:hiddenEffects xmlns:a14="http://schemas.microsoft.com/office/drawing/2010/main" xmlns="">
                 <a:effectLst>
                   <a:outerShdw dist="35921" dir="2700000" algn="ctr" rotWithShape="0">
                     <a:schemeClr val="bg2"/>
@@ -17223,7 +17197,7 @@
           <a:effectLst/>
           <a:extLst>
             <a:ext uri="{AF507438-7753-43e0-B8FC-AC1667EBCBE1}">
-              <a14:hiddenEffects xmlns="" xmlns:a14="http://schemas.microsoft.com/office/drawing/2010/main">
+              <a14:hiddenEffects xmlns:a14="http://schemas.microsoft.com/office/drawing/2010/main" xmlns="">
                 <a:effectLst>
                   <a:outerShdw dist="35921" dir="2700000" algn="ctr" rotWithShape="0">
                     <a:schemeClr val="bg2"/>
@@ -17266,7 +17240,7 @@
           <a:effectLst/>
           <a:extLst>
             <a:ext uri="{AF507438-7753-43e0-B8FC-AC1667EBCBE1}">
-              <a14:hiddenEffects xmlns="" xmlns:a14="http://schemas.microsoft.com/office/drawing/2010/main">
+              <a14:hiddenEffects xmlns:a14="http://schemas.microsoft.com/office/drawing/2010/main" xmlns="">
                 <a:effectLst>
                   <a:outerShdw dist="35921" dir="2700000" algn="ctr" rotWithShape="0">
                     <a:schemeClr val="bg2"/>
@@ -17546,7 +17520,7 @@
           <a:effectLst/>
           <a:extLst>
             <a:ext uri="{AF507438-7753-43e0-B8FC-AC1667EBCBE1}">
-              <a14:hiddenEffects xmlns="" xmlns:a14="http://schemas.microsoft.com/office/drawing/2010/main">
+              <a14:hiddenEffects xmlns:a14="http://schemas.microsoft.com/office/drawing/2010/main" xmlns="">
                 <a:effectLst>
                   <a:outerShdw dist="35921" dir="2700000" algn="ctr" rotWithShape="0">
                     <a:schemeClr val="bg2"/>
@@ -17627,7 +17601,7 @@
           <a:effectLst/>
           <a:extLst>
             <a:ext uri="{AF507438-7753-43e0-B8FC-AC1667EBCBE1}">
-              <a14:hiddenEffects xmlns="" xmlns:a14="http://schemas.microsoft.com/office/drawing/2010/main">
+              <a14:hiddenEffects xmlns:a14="http://schemas.microsoft.com/office/drawing/2010/main" xmlns="">
                 <a:effectLst>
                   <a:outerShdw dist="35921" dir="2700000" algn="ctr" rotWithShape="0">
                     <a:schemeClr val="bg2"/>
@@ -17862,7 +17836,7 @@
           <a:effectLst/>
           <a:extLst>
             <a:ext uri="{AF507438-7753-43e0-B8FC-AC1667EBCBE1}">
-              <a14:hiddenEffects xmlns="" xmlns:a14="http://schemas.microsoft.com/office/drawing/2010/main">
+              <a14:hiddenEffects xmlns:a14="http://schemas.microsoft.com/office/drawing/2010/main" xmlns="">
                 <a:effectLst>
                   <a:outerShdw dist="35921" dir="2700000" algn="ctr" rotWithShape="0">
                     <a:schemeClr val="bg2"/>
@@ -18041,7 +18015,7 @@
           <a:effectLst/>
           <a:extLst>
             <a:ext uri="{AF507438-7753-43e0-B8FC-AC1667EBCBE1}">
-              <a14:hiddenEffects xmlns="" xmlns:a14="http://schemas.microsoft.com/office/drawing/2010/main">
+              <a14:hiddenEffects xmlns:a14="http://schemas.microsoft.com/office/drawing/2010/main" xmlns="">
                 <a:effectLst>
                   <a:outerShdw dist="35921" dir="2700000" algn="ctr" rotWithShape="0">
                     <a:schemeClr val="bg2"/>
@@ -18155,7 +18129,7 @@
           <a:effectLst/>
           <a:extLst>
             <a:ext uri="{AF507438-7753-43e0-B8FC-AC1667EBCBE1}">
-              <a14:hiddenEffects xmlns="" xmlns:a14="http://schemas.microsoft.com/office/drawing/2010/main">
+              <a14:hiddenEffects xmlns:a14="http://schemas.microsoft.com/office/drawing/2010/main" xmlns="">
                 <a:effectLst>
                   <a:outerShdw dist="35921" dir="2700000" algn="ctr" rotWithShape="0">
                     <a:schemeClr val="bg2"/>
@@ -18269,7 +18243,7 @@
           <a:effectLst/>
           <a:extLst>
             <a:ext uri="{AF507438-7753-43e0-B8FC-AC1667EBCBE1}">
-              <a14:hiddenEffects xmlns="" xmlns:a14="http://schemas.microsoft.com/office/drawing/2010/main">
+              <a14:hiddenEffects xmlns:a14="http://schemas.microsoft.com/office/drawing/2010/main" xmlns="">
                 <a:effectLst>
                   <a:outerShdw dist="35921" dir="2700000" algn="ctr" rotWithShape="0">
                     <a:schemeClr val="bg2"/>
@@ -18387,7 +18361,7 @@
           <a:effectLst/>
           <a:extLst>
             <a:ext uri="{AF507438-7753-43e0-B8FC-AC1667EBCBE1}">
-              <a14:hiddenEffects xmlns="" xmlns:a14="http://schemas.microsoft.com/office/drawing/2010/main">
+              <a14:hiddenEffects xmlns:a14="http://schemas.microsoft.com/office/drawing/2010/main" xmlns="">
                 <a:effectLst>
                   <a:outerShdw dist="35921" dir="2700000" algn="ctr" rotWithShape="0">
                     <a:schemeClr val="bg2"/>
@@ -18468,7 +18442,7 @@
           <a:effectLst/>
           <a:extLst>
             <a:ext uri="{AF507438-7753-43e0-B8FC-AC1667EBCBE1}">
-              <a14:hiddenEffects xmlns="" xmlns:a14="http://schemas.microsoft.com/office/drawing/2010/main">
+              <a14:hiddenEffects xmlns:a14="http://schemas.microsoft.com/office/drawing/2010/main" xmlns="">
                 <a:effectLst>
                   <a:outerShdw dist="35921" dir="2700000" algn="ctr" rotWithShape="0">
                     <a:schemeClr val="bg2"/>
@@ -18585,11 +18559,7 @@
             </a:r>
             <a:r>
               <a:rPr kumimoji="1" lang="ja-JP" altLang="en-US" sz="2800" dirty="0" smtClean="0"/>
-              <a:t>に</a:t>
-            </a:r>
-            <a:r>
-              <a:rPr kumimoji="1" lang="ja-JP" altLang="en-US" sz="2800" dirty="0" smtClean="0"/>
-              <a:t>プッシュする。</a:t>
+              <a:t>にプッシュする。</a:t>
             </a:r>
             <a:endParaRPr kumimoji="1" lang="ja-JP" altLang="en-US" sz="2800" dirty="0"/>
           </a:p>
@@ -18648,7 +18618,7 @@
           <a:effectLst/>
           <a:extLst>
             <a:ext uri="{AF507438-7753-43e0-B8FC-AC1667EBCBE1}">
-              <a14:hiddenEffects xmlns="" xmlns:a14="http://schemas.microsoft.com/office/drawing/2010/main">
+              <a14:hiddenEffects xmlns:a14="http://schemas.microsoft.com/office/drawing/2010/main" xmlns="">
                 <a:effectLst>
                   <a:outerShdw dist="35921" dir="2700000" algn="ctr" rotWithShape="0">
                     <a:schemeClr val="bg2"/>
@@ -18724,7 +18694,7 @@
           <a:effectLst/>
           <a:extLst>
             <a:ext uri="{AF507438-7753-43e0-B8FC-AC1667EBCBE1}">
-              <a14:hiddenEffects xmlns="" xmlns:a14="http://schemas.microsoft.com/office/drawing/2010/main">
+              <a14:hiddenEffects xmlns:a14="http://schemas.microsoft.com/office/drawing/2010/main" xmlns="">
                 <a:effectLst>
                   <a:outerShdw dist="35921" dir="2700000" algn="ctr" rotWithShape="0">
                     <a:schemeClr val="bg2"/>
@@ -18805,7 +18775,7 @@
           <a:effectLst/>
           <a:extLst>
             <a:ext uri="{AF507438-7753-43e0-B8FC-AC1667EBCBE1}">
-              <a14:hiddenEffects xmlns="" xmlns:a14="http://schemas.microsoft.com/office/drawing/2010/main">
+              <a14:hiddenEffects xmlns:a14="http://schemas.microsoft.com/office/drawing/2010/main" xmlns="">
                 <a:effectLst>
                   <a:outerShdw dist="35921" dir="2700000" algn="ctr" rotWithShape="0">
                     <a:schemeClr val="bg2"/>
@@ -18963,7 +18933,7 @@
           <a:effectLst/>
           <a:extLst>
             <a:ext uri="{AF507438-7753-43e0-B8FC-AC1667EBCBE1}">
-              <a14:hiddenEffects xmlns="" xmlns:a14="http://schemas.microsoft.com/office/drawing/2010/main">
+              <a14:hiddenEffects xmlns:a14="http://schemas.microsoft.com/office/drawing/2010/main" xmlns="">
                 <a:effectLst>
                   <a:outerShdw dist="35921" dir="2700000" algn="ctr" rotWithShape="0">
                     <a:schemeClr val="bg2"/>
@@ -19039,7 +19009,7 @@
           <a:effectLst/>
           <a:extLst>
             <a:ext uri="{AF507438-7753-43e0-B8FC-AC1667EBCBE1}">
-              <a14:hiddenEffects xmlns="" xmlns:a14="http://schemas.microsoft.com/office/drawing/2010/main">
+              <a14:hiddenEffects xmlns:a14="http://schemas.microsoft.com/office/drawing/2010/main" xmlns="">
                 <a:effectLst>
                   <a:outerShdw dist="35921" dir="2700000" algn="ctr" rotWithShape="0">
                     <a:schemeClr val="bg2"/>
@@ -19115,7 +19085,7 @@
           <a:effectLst/>
           <a:extLst>
             <a:ext uri="{AF507438-7753-43e0-B8FC-AC1667EBCBE1}">
-              <a14:hiddenEffects xmlns="" xmlns:a14="http://schemas.microsoft.com/office/drawing/2010/main">
+              <a14:hiddenEffects xmlns:a14="http://schemas.microsoft.com/office/drawing/2010/main" xmlns="">
                 <a:effectLst>
                   <a:outerShdw dist="35921" dir="2700000" algn="ctr" rotWithShape="0">
                     <a:schemeClr val="bg2"/>
@@ -19196,7 +19166,7 @@
           <a:effectLst/>
           <a:extLst>
             <a:ext uri="{AF507438-7753-43e0-B8FC-AC1667EBCBE1}">
-              <a14:hiddenEffects xmlns="" xmlns:a14="http://schemas.microsoft.com/office/drawing/2010/main">
+              <a14:hiddenEffects xmlns:a14="http://schemas.microsoft.com/office/drawing/2010/main" xmlns="">
                 <a:effectLst>
                   <a:outerShdw dist="35921" dir="2700000" algn="ctr" rotWithShape="0">
                     <a:schemeClr val="bg2"/>
@@ -19569,7 +19539,7 @@
           <a:effectLst/>
           <a:extLst>
             <a:ext uri="{AF507438-7753-43e0-B8FC-AC1667EBCBE1}">
-              <a14:hiddenEffects xmlns="" xmlns:a14="http://schemas.microsoft.com/office/drawing/2010/main">
+              <a14:hiddenEffects xmlns:a14="http://schemas.microsoft.com/office/drawing/2010/main" xmlns="">
                 <a:effectLst>
                   <a:outerShdw dist="35921" dir="2700000" algn="ctr" rotWithShape="0">
                     <a:schemeClr val="bg2"/>
@@ -19779,7 +19749,7 @@
           <a:effectLst/>
           <a:extLst>
             <a:ext uri="{AF507438-7753-43e0-B8FC-AC1667EBCBE1}">
-              <a14:hiddenEffects xmlns="" xmlns:a14="http://schemas.microsoft.com/office/drawing/2010/main">
+              <a14:hiddenEffects xmlns:a14="http://schemas.microsoft.com/office/drawing/2010/main" xmlns="">
                 <a:effectLst>
                   <a:outerShdw dist="35921" dir="2700000" algn="ctr" rotWithShape="0">
                     <a:schemeClr val="bg2"/>
@@ -20069,7 +20039,7 @@
           <a:effectLst/>
           <a:extLst>
             <a:ext uri="{AF507438-7753-43e0-B8FC-AC1667EBCBE1}">
-              <a14:hiddenEffects xmlns="" xmlns:a14="http://schemas.microsoft.com/office/drawing/2010/main">
+              <a14:hiddenEffects xmlns:a14="http://schemas.microsoft.com/office/drawing/2010/main" xmlns="">
                 <a:effectLst>
                   <a:outerShdw dist="35921" dir="2700000" algn="ctr" rotWithShape="0">
                     <a:schemeClr val="bg2"/>
@@ -22934,7 +22904,7 @@
             <a:effectLst/>
             <a:extLst>
               <a:ext uri="{AF507438-7753-43e0-B8FC-AC1667EBCBE1}">
-                <a14:hiddenEffects xmlns="" xmlns:a14="http://schemas.microsoft.com/office/drawing/2010/main">
+                <a14:hiddenEffects xmlns:a14="http://schemas.microsoft.com/office/drawing/2010/main" xmlns="">
                   <a:effectLst>
                     <a:outerShdw dist="35921" dir="2700000" algn="ctr" rotWithShape="0">
                       <a:schemeClr val="bg2"/>
@@ -23078,7 +23048,7 @@
             <a:effectLst/>
             <a:extLst>
               <a:ext uri="{AF507438-7753-43e0-B8FC-AC1667EBCBE1}">
-                <a14:hiddenEffects xmlns="" xmlns:a14="http://schemas.microsoft.com/office/drawing/2010/main">
+                <a14:hiddenEffects xmlns:a14="http://schemas.microsoft.com/office/drawing/2010/main" xmlns="">
                   <a:effectLst>
                     <a:outerShdw dist="35921" dir="2700000" algn="ctr" rotWithShape="0">
                       <a:schemeClr val="bg2"/>
@@ -23219,7 +23189,7 @@
             <a:effectLst/>
             <a:extLst>
               <a:ext uri="{AF507438-7753-43e0-B8FC-AC1667EBCBE1}">
-                <a14:hiddenEffects xmlns="" xmlns:a14="http://schemas.microsoft.com/office/drawing/2010/main">
+                <a14:hiddenEffects xmlns:a14="http://schemas.microsoft.com/office/drawing/2010/main" xmlns="">
                   <a:effectLst>
                     <a:outerShdw dist="35921" dir="2700000" algn="ctr" rotWithShape="0">
                       <a:schemeClr val="bg2"/>
@@ -23259,7 +23229,7 @@
             <a:effectLst/>
             <a:extLst>
               <a:ext uri="{AF507438-7753-43e0-B8FC-AC1667EBCBE1}">
-                <a14:hiddenEffects xmlns="" xmlns:a14="http://schemas.microsoft.com/office/drawing/2010/main">
+                <a14:hiddenEffects xmlns:a14="http://schemas.microsoft.com/office/drawing/2010/main" xmlns="">
                   <a:effectLst>
                     <a:outerShdw dist="35921" dir="2700000" algn="ctr" rotWithShape="0">
                       <a:schemeClr val="bg2"/>
@@ -28815,7 +28785,7 @@
         <a:effectLst/>
         <a:extLst>
           <a:ext uri="{AF507438-7753-43e0-B8FC-AC1667EBCBE1}">
-            <a14:hiddenEffects xmlns="" xmlns:a14="http://schemas.microsoft.com/office/drawing/2010/main">
+            <a14:hiddenEffects xmlns:a14="http://schemas.microsoft.com/office/drawing/2010/main" xmlns="">
               <a:effectLst>
                 <a:outerShdw dist="35921" dir="2700000" algn="ctr" rotWithShape="0">
                   <a:schemeClr val="bg2"/>
@@ -28890,7 +28860,7 @@
         <a:effectLst/>
         <a:extLst>
           <a:ext uri="{AF507438-7753-43e0-B8FC-AC1667EBCBE1}">
-            <a14:hiddenEffects xmlns="" xmlns:a14="http://schemas.microsoft.com/office/drawing/2010/main">
+            <a14:hiddenEffects xmlns:a14="http://schemas.microsoft.com/office/drawing/2010/main" xmlns="">
               <a:effectLst>
                 <a:outerShdw dist="35921" dir="2700000" algn="ctr" rotWithShape="0">
                   <a:schemeClr val="bg2"/>

--- a/doc/IBM Bluemix DevOps Services で Javaの Web アプリを開発する.pptx
+++ b/doc/IBM Bluemix DevOps Services で Javaの Web アプリを開発する.pptx
@@ -1538,14 +1538,14 @@
           </a:ln>
           <a:extLst>
             <a:ext uri="{909E8E84-426E-40dd-AFC4-6F175D3DCCD1}">
-              <a14:hiddenFill xmlns:a14="http://schemas.microsoft.com/office/drawing/2010/main" xmlns="">
+              <a14:hiddenFill xmlns="" xmlns:a14="http://schemas.microsoft.com/office/drawing/2010/main">
                 <a:solidFill>
                   <a:srgbClr val="FFFFFF"/>
                 </a:solidFill>
               </a14:hiddenFill>
             </a:ext>
             <a:ext uri="{91240B29-F687-4f45-9708-019B960494DF}">
-              <a14:hiddenLine xmlns:a14="http://schemas.microsoft.com/office/drawing/2010/main" xmlns="" w="9525">
+              <a14:hiddenLine xmlns="" xmlns:a14="http://schemas.microsoft.com/office/drawing/2010/main" w="9525">
                 <a:solidFill>
                   <a:srgbClr val="000000"/>
                 </a:solidFill>
@@ -1592,14 +1592,14 @@
           </a:ln>
           <a:extLst>
             <a:ext uri="{909E8E84-426E-40dd-AFC4-6F175D3DCCD1}">
-              <a14:hiddenFill xmlns:a14="http://schemas.microsoft.com/office/drawing/2010/main" xmlns="">
+              <a14:hiddenFill xmlns="" xmlns:a14="http://schemas.microsoft.com/office/drawing/2010/main">
                 <a:solidFill>
                   <a:srgbClr val="FFFFFF"/>
                 </a:solidFill>
               </a14:hiddenFill>
             </a:ext>
             <a:ext uri="{91240B29-F687-4f45-9708-019B960494DF}">
-              <a14:hiddenLine xmlns:a14="http://schemas.microsoft.com/office/drawing/2010/main" xmlns="" w="9525">
+              <a14:hiddenLine xmlns="" xmlns:a14="http://schemas.microsoft.com/office/drawing/2010/main" w="9525">
                 <a:solidFill>
                   <a:srgbClr val="000000"/>
                 </a:solidFill>
@@ -1646,14 +1646,14 @@
           </a:ln>
           <a:extLst>
             <a:ext uri="{909E8E84-426E-40dd-AFC4-6F175D3DCCD1}">
-              <a14:hiddenFill xmlns:a14="http://schemas.microsoft.com/office/drawing/2010/main" xmlns="">
+              <a14:hiddenFill xmlns="" xmlns:a14="http://schemas.microsoft.com/office/drawing/2010/main">
                 <a:solidFill>
                   <a:srgbClr val="FFFFFF"/>
                 </a:solidFill>
               </a14:hiddenFill>
             </a:ext>
             <a:ext uri="{91240B29-F687-4f45-9708-019B960494DF}">
-              <a14:hiddenLine xmlns:a14="http://schemas.microsoft.com/office/drawing/2010/main" xmlns="" w="9525">
+              <a14:hiddenLine xmlns="" xmlns:a14="http://schemas.microsoft.com/office/drawing/2010/main" w="9525">
                 <a:solidFill>
                   <a:srgbClr val="000000"/>
                 </a:solidFill>
@@ -1688,14 +1688,14 @@
           <a:effectLst/>
           <a:extLst>
             <a:ext uri="{909E8E84-426E-40dd-AFC4-6F175D3DCCD1}">
-              <a14:hiddenFill xmlns:a14="http://schemas.microsoft.com/office/drawing/2010/main" xmlns="">
+              <a14:hiddenFill xmlns="" xmlns:a14="http://schemas.microsoft.com/office/drawing/2010/main">
                 <a:solidFill>
                   <a:srgbClr val="FFFFFF"/>
                 </a:solidFill>
               </a14:hiddenFill>
             </a:ext>
             <a:ext uri="{91240B29-F687-4f45-9708-019B960494DF}">
-              <a14:hiddenLine xmlns:a14="http://schemas.microsoft.com/office/drawing/2010/main" xmlns="" w="31750" algn="ctr">
+              <a14:hiddenLine xmlns="" xmlns:a14="http://schemas.microsoft.com/office/drawing/2010/main" w="31750" algn="ctr">
                 <a:solidFill>
                   <a:srgbClr val="3B4B54"/>
                 </a:solidFill>
@@ -1705,7 +1705,7 @@
               </a14:hiddenLine>
             </a:ext>
             <a:ext uri="{AF507438-7753-43e0-B8FC-AC1667EBCBE1}">
-              <a14:hiddenEffects xmlns:a14="http://schemas.microsoft.com/office/drawing/2010/main" xmlns="">
+              <a14:hiddenEffects xmlns="" xmlns:a14="http://schemas.microsoft.com/office/drawing/2010/main">
                 <a:effectLst>
                   <a:outerShdw dist="35921" dir="2700000" algn="ctr" rotWithShape="0">
                     <a:schemeClr val="bg2"/>
@@ -1936,14 +1936,14 @@
           <a:effectLst/>
           <a:extLst>
             <a:ext uri="{909E8E84-426E-40dd-AFC4-6F175D3DCCD1}">
-              <a14:hiddenFill xmlns:a14="http://schemas.microsoft.com/office/drawing/2010/main" xmlns="">
+              <a14:hiddenFill xmlns="" xmlns:a14="http://schemas.microsoft.com/office/drawing/2010/main">
                 <a:solidFill>
                   <a:srgbClr val="FFFFFF"/>
                 </a:solidFill>
               </a14:hiddenFill>
             </a:ext>
             <a:ext uri="{91240B29-F687-4f45-9708-019B960494DF}">
-              <a14:hiddenLine xmlns:a14="http://schemas.microsoft.com/office/drawing/2010/main" xmlns="" w="31750" algn="ctr">
+              <a14:hiddenLine xmlns="" xmlns:a14="http://schemas.microsoft.com/office/drawing/2010/main" w="31750" algn="ctr">
                 <a:solidFill>
                   <a:srgbClr val="3B4B54"/>
                 </a:solidFill>
@@ -1953,7 +1953,7 @@
               </a14:hiddenLine>
             </a:ext>
             <a:ext uri="{AF507438-7753-43e0-B8FC-AC1667EBCBE1}">
-              <a14:hiddenEffects xmlns:a14="http://schemas.microsoft.com/office/drawing/2010/main" xmlns="">
+              <a14:hiddenEffects xmlns="" xmlns:a14="http://schemas.microsoft.com/office/drawing/2010/main">
                 <a:effectLst>
                   <a:outerShdw dist="35921" dir="2700000" algn="ctr" rotWithShape="0">
                     <a:schemeClr val="bg2"/>
@@ -2155,7 +2155,7 @@
         <p:spPr bwMode="auto">
           <a:xfrm>
             <a:off x="955752" y="1050995"/>
-            <a:ext cx="5559920" cy="707886"/>
+            <a:ext cx="3730508" cy="584775"/>
           </a:xfrm>
           <a:prstGeom prst="rect">
             <a:avLst/>
@@ -2167,14 +2167,14 @@
           <a:effectLst/>
           <a:extLst>
             <a:ext uri="{909E8E84-426E-40dd-AFC4-6F175D3DCCD1}">
-              <a14:hiddenFill xmlns:a14="http://schemas.microsoft.com/office/drawing/2010/main" xmlns="">
+              <a14:hiddenFill xmlns="" xmlns:a14="http://schemas.microsoft.com/office/drawing/2010/main">
                 <a:solidFill>
                   <a:srgbClr val="CCECFF"/>
                 </a:solidFill>
               </a14:hiddenFill>
             </a:ext>
             <a:ext uri="{91240B29-F687-4f45-9708-019B960494DF}">
-              <a14:hiddenLine xmlns:a14="http://schemas.microsoft.com/office/drawing/2010/main" xmlns="" w="31750" algn="ctr">
+              <a14:hiddenLine xmlns="" xmlns:a14="http://schemas.microsoft.com/office/drawing/2010/main" w="31750" algn="ctr">
                 <a:solidFill>
                   <a:schemeClr val="accent2"/>
                 </a:solidFill>
@@ -2184,7 +2184,7 @@
               </a14:hiddenLine>
             </a:ext>
             <a:ext uri="{AF507438-7753-43e0-B8FC-AC1667EBCBE1}">
-              <a14:hiddenEffects xmlns:a14="http://schemas.microsoft.com/office/drawing/2010/main" xmlns="">
+              <a14:hiddenEffects xmlns="" xmlns:a14="http://schemas.microsoft.com/office/drawing/2010/main">
                 <a:effectLst>
                   <a:outerShdw dist="35921" dir="2700000" algn="ctr" rotWithShape="0">
                     <a:schemeClr val="bg2"/>
@@ -2367,18 +2367,31 @@
               <a:defRPr/>
             </a:pPr>
             <a:r>
-              <a:rPr kumimoji="0" lang="en-US" altLang="ja-JP" sz="4000" dirty="0" smtClean="0">
+              <a:rPr kumimoji="0" lang="en-US" altLang="ja-JP" sz="3200" dirty="0" smtClean="0">
                 <a:solidFill>
                   <a:srgbClr val="00849E"/>
                 </a:solidFill>
-              </a:rPr>
-              <a:t>Technical Enablement</a:t>
-            </a:r>
-            <a:endParaRPr kumimoji="0" lang="en-US" altLang="ja-JP" sz="1000" b="0" dirty="0" smtClean="0">
+                <a:latin typeface="+mj-ea"/>
+                <a:ea typeface="+mj-ea"/>
+              </a:rPr>
+              <a:t>Bluemix </a:t>
+            </a:r>
+            <a:r>
+              <a:rPr kumimoji="0" lang="ja-JP" altLang="en-US" sz="3200" dirty="0" smtClean="0">
+                <a:solidFill>
+                  <a:srgbClr val="00849E"/>
+                </a:solidFill>
+                <a:latin typeface="+mj-ea"/>
+                <a:ea typeface="+mj-ea"/>
+              </a:rPr>
+              <a:t>のご紹介</a:t>
+            </a:r>
+            <a:endParaRPr kumimoji="0" lang="en-US" altLang="ja-JP" sz="3200" b="0" dirty="0" smtClean="0">
               <a:solidFill>
                 <a:srgbClr val="00849E"/>
               </a:solidFill>
-              <a:latin typeface="Arial" panose="020B0604020202020204" pitchFamily="34" charset="0"/>
+              <a:latin typeface="+mj-ea"/>
+              <a:ea typeface="+mj-ea"/>
             </a:endParaRPr>
           </a:p>
         </p:txBody>
@@ -2418,14 +2431,14 @@
           </a:ln>
           <a:extLst>
             <a:ext uri="{909E8E84-426E-40dd-AFC4-6F175D3DCCD1}">
-              <a14:hiddenFill xmlns:a14="http://schemas.microsoft.com/office/drawing/2010/main" xmlns="">
+              <a14:hiddenFill xmlns="" xmlns:a14="http://schemas.microsoft.com/office/drawing/2010/main">
                 <a:solidFill>
                   <a:srgbClr val="FFFFFF"/>
                 </a:solidFill>
               </a14:hiddenFill>
             </a:ext>
             <a:ext uri="{91240B29-F687-4f45-9708-019B960494DF}">
-              <a14:hiddenLine xmlns:a14="http://schemas.microsoft.com/office/drawing/2010/main" xmlns="" w="9525">
+              <a14:hiddenLine xmlns="" xmlns:a14="http://schemas.microsoft.com/office/drawing/2010/main" w="9525">
                 <a:solidFill>
                   <a:srgbClr val="000000"/>
                 </a:solidFill>
@@ -2540,12 +2553,12 @@
           <a:effectLst/>
           <a:extLst>
             <a:ext uri="{909E8E84-426E-40dd-AFC4-6F175D3DCCD1}">
-              <a14:hiddenFill xmlns:a14="http://schemas.microsoft.com/office/drawing/2010/main" xmlns="">
+              <a14:hiddenFill xmlns="" xmlns:a14="http://schemas.microsoft.com/office/drawing/2010/main">
                 <a:noFill/>
               </a14:hiddenFill>
             </a:ext>
             <a:ext uri="{AF507438-7753-43e0-B8FC-AC1667EBCBE1}">
-              <a14:hiddenEffects xmlns:a14="http://schemas.microsoft.com/office/drawing/2010/main" xmlns="">
+              <a14:hiddenEffects xmlns="" xmlns:a14="http://schemas.microsoft.com/office/drawing/2010/main">
                 <a:effectLst>
                   <a:outerShdw dist="35921" dir="2700000" algn="ctr" rotWithShape="0">
                     <a:schemeClr val="bg2"/>
@@ -2666,14 +2679,14 @@
           </a:ln>
           <a:extLst>
             <a:ext uri="{909E8E84-426E-40dd-AFC4-6F175D3DCCD1}">
-              <a14:hiddenFill xmlns:a14="http://schemas.microsoft.com/office/drawing/2010/main" xmlns="">
+              <a14:hiddenFill xmlns="" xmlns:a14="http://schemas.microsoft.com/office/drawing/2010/main">
                 <a:solidFill>
                   <a:srgbClr val="FFFFFF"/>
                 </a:solidFill>
               </a14:hiddenFill>
             </a:ext>
             <a:ext uri="{91240B29-F687-4f45-9708-019B960494DF}">
-              <a14:hiddenLine xmlns:a14="http://schemas.microsoft.com/office/drawing/2010/main" xmlns="" w="9525">
+              <a14:hiddenLine xmlns="" xmlns:a14="http://schemas.microsoft.com/office/drawing/2010/main" w="9525">
                 <a:solidFill>
                   <a:srgbClr val="000000"/>
                 </a:solidFill>
@@ -2719,7 +2732,7 @@
           </a:effectLst>
           <a:extLst>
             <a:ext uri="{909E8E84-426E-40dd-AFC4-6F175D3DCCD1}">
-              <a14:hiddenFill xmlns:a14="http://schemas.microsoft.com/office/drawing/2010/main" xmlns="">
+              <a14:hiddenFill xmlns="" xmlns:a14="http://schemas.microsoft.com/office/drawing/2010/main">
                 <a:noFill/>
               </a14:hiddenFill>
             </a:ext>
@@ -3016,14 +3029,14 @@
           <a:effectLst/>
           <a:extLst>
             <a:ext uri="{909E8E84-426E-40dd-AFC4-6F175D3DCCD1}">
-              <a14:hiddenFill xmlns:a14="http://schemas.microsoft.com/office/drawing/2010/main" xmlns="">
+              <a14:hiddenFill xmlns="" xmlns:a14="http://schemas.microsoft.com/office/drawing/2010/main">
                 <a:solidFill>
                   <a:schemeClr val="accent1"/>
                 </a:solidFill>
               </a14:hiddenFill>
             </a:ext>
             <a:ext uri="{91240B29-F687-4f45-9708-019B960494DF}">
-              <a14:hiddenLine xmlns:a14="http://schemas.microsoft.com/office/drawing/2010/main" xmlns="" w="9525">
+              <a14:hiddenLine xmlns="" xmlns:a14="http://schemas.microsoft.com/office/drawing/2010/main" w="9525">
                 <a:solidFill>
                   <a:schemeClr val="tx1"/>
                 </a:solidFill>
@@ -3033,7 +3046,7 @@
               </a14:hiddenLine>
             </a:ext>
             <a:ext uri="{AF507438-7753-43e0-B8FC-AC1667EBCBE1}">
-              <a14:hiddenEffects xmlns:a14="http://schemas.microsoft.com/office/drawing/2010/main" xmlns="">
+              <a14:hiddenEffects xmlns="" xmlns:a14="http://schemas.microsoft.com/office/drawing/2010/main">
                 <a:effectLst>
                   <a:outerShdw dist="35921" dir="2700000" algn="ctr" rotWithShape="0">
                     <a:schemeClr val="bg2"/>
@@ -3084,14 +3097,14 @@
           <a:effectLst/>
           <a:extLst>
             <a:ext uri="{909E8E84-426E-40dd-AFC4-6F175D3DCCD1}">
-              <a14:hiddenFill xmlns:a14="http://schemas.microsoft.com/office/drawing/2010/main" xmlns="">
+              <a14:hiddenFill xmlns="" xmlns:a14="http://schemas.microsoft.com/office/drawing/2010/main">
                 <a:solidFill>
                   <a:schemeClr val="accent1"/>
                 </a:solidFill>
               </a14:hiddenFill>
             </a:ext>
             <a:ext uri="{91240B29-F687-4f45-9708-019B960494DF}">
-              <a14:hiddenLine xmlns:a14="http://schemas.microsoft.com/office/drawing/2010/main" xmlns="" w="9525">
+              <a14:hiddenLine xmlns="" xmlns:a14="http://schemas.microsoft.com/office/drawing/2010/main" w="9525">
                 <a:solidFill>
                   <a:schemeClr val="tx1"/>
                 </a:solidFill>
@@ -3101,7 +3114,7 @@
               </a14:hiddenLine>
             </a:ext>
             <a:ext uri="{AF507438-7753-43e0-B8FC-AC1667EBCBE1}">
-              <a14:hiddenEffects xmlns:a14="http://schemas.microsoft.com/office/drawing/2010/main" xmlns="">
+              <a14:hiddenEffects xmlns="" xmlns:a14="http://schemas.microsoft.com/office/drawing/2010/main">
                 <a:effectLst>
                   <a:outerShdw dist="35921" dir="2700000" algn="ctr" rotWithShape="0">
                     <a:schemeClr val="bg2"/>
@@ -3200,12 +3213,12 @@
           <a:effectLst/>
           <a:extLst>
             <a:ext uri="{909E8E84-426E-40dd-AFC4-6F175D3DCCD1}">
-              <a14:hiddenFill xmlns:a14="http://schemas.microsoft.com/office/drawing/2010/main" xmlns="">
+              <a14:hiddenFill xmlns="" xmlns:a14="http://schemas.microsoft.com/office/drawing/2010/main">
                 <a:noFill/>
               </a14:hiddenFill>
             </a:ext>
             <a:ext uri="{AF507438-7753-43e0-B8FC-AC1667EBCBE1}">
-              <a14:hiddenEffects xmlns:a14="http://schemas.microsoft.com/office/drawing/2010/main" xmlns="">
+              <a14:hiddenEffects xmlns="" xmlns:a14="http://schemas.microsoft.com/office/drawing/2010/main">
                 <a:effectLst>
                   <a:outerShdw dist="35921" dir="2700000" algn="ctr" rotWithShape="0">
                     <a:schemeClr val="bg2"/>
@@ -3419,14 +3432,14 @@
           <a:effectLst/>
           <a:extLst>
             <a:ext uri="{909E8E84-426E-40dd-AFC4-6F175D3DCCD1}">
-              <a14:hiddenFill xmlns:a14="http://schemas.microsoft.com/office/drawing/2010/main" xmlns="">
+              <a14:hiddenFill xmlns="" xmlns:a14="http://schemas.microsoft.com/office/drawing/2010/main">
                 <a:solidFill>
                   <a:schemeClr val="accent1"/>
                 </a:solidFill>
               </a14:hiddenFill>
             </a:ext>
             <a:ext uri="{91240B29-F687-4f45-9708-019B960494DF}">
-              <a14:hiddenLine xmlns:a14="http://schemas.microsoft.com/office/drawing/2010/main" xmlns="" w="9525">
+              <a14:hiddenLine xmlns="" xmlns:a14="http://schemas.microsoft.com/office/drawing/2010/main" w="9525">
                 <a:solidFill>
                   <a:schemeClr val="tx1"/>
                 </a:solidFill>
@@ -3436,7 +3449,7 @@
               </a14:hiddenLine>
             </a:ext>
             <a:ext uri="{AF507438-7753-43e0-B8FC-AC1667EBCBE1}">
-              <a14:hiddenEffects xmlns:a14="http://schemas.microsoft.com/office/drawing/2010/main" xmlns="">
+              <a14:hiddenEffects xmlns="" xmlns:a14="http://schemas.microsoft.com/office/drawing/2010/main">
                 <a:effectLst>
                   <a:outerShdw dist="35921" dir="2700000" algn="ctr" rotWithShape="0">
                     <a:schemeClr val="bg2"/>
@@ -3680,14 +3693,14 @@
           </a:ln>
           <a:extLst>
             <a:ext uri="{909E8E84-426E-40dd-AFC4-6F175D3DCCD1}">
-              <a14:hiddenFill xmlns:a14="http://schemas.microsoft.com/office/drawing/2010/main" xmlns="">
+              <a14:hiddenFill xmlns="" xmlns:a14="http://schemas.microsoft.com/office/drawing/2010/main">
                 <a:solidFill>
                   <a:srgbClr val="FFFFFF"/>
                 </a:solidFill>
               </a14:hiddenFill>
             </a:ext>
             <a:ext uri="{91240B29-F687-4f45-9708-019B960494DF}">
-              <a14:hiddenLine xmlns:a14="http://schemas.microsoft.com/office/drawing/2010/main" xmlns="" w="9525">
+              <a14:hiddenLine xmlns="" xmlns:a14="http://schemas.microsoft.com/office/drawing/2010/main" w="9525">
                 <a:solidFill>
                   <a:srgbClr val="000000"/>
                 </a:solidFill>
@@ -3734,14 +3747,14 @@
           </a:ln>
           <a:extLst>
             <a:ext uri="{909E8E84-426E-40dd-AFC4-6F175D3DCCD1}">
-              <a14:hiddenFill xmlns:a14="http://schemas.microsoft.com/office/drawing/2010/main" xmlns="">
+              <a14:hiddenFill xmlns="" xmlns:a14="http://schemas.microsoft.com/office/drawing/2010/main">
                 <a:solidFill>
                   <a:srgbClr val="FFFFFF"/>
                 </a:solidFill>
               </a14:hiddenFill>
             </a:ext>
             <a:ext uri="{91240B29-F687-4f45-9708-019B960494DF}">
-              <a14:hiddenLine xmlns:a14="http://schemas.microsoft.com/office/drawing/2010/main" xmlns="" w="9525">
+              <a14:hiddenLine xmlns="" xmlns:a14="http://schemas.microsoft.com/office/drawing/2010/main" w="9525">
                 <a:solidFill>
                   <a:srgbClr val="000000"/>
                 </a:solidFill>
@@ -3776,14 +3789,14 @@
           <a:effectLst/>
           <a:extLst>
             <a:ext uri="{909E8E84-426E-40dd-AFC4-6F175D3DCCD1}">
-              <a14:hiddenFill xmlns:a14="http://schemas.microsoft.com/office/drawing/2010/main" xmlns="">
+              <a14:hiddenFill xmlns="" xmlns:a14="http://schemas.microsoft.com/office/drawing/2010/main">
                 <a:solidFill>
                   <a:schemeClr val="accent1"/>
                 </a:solidFill>
               </a14:hiddenFill>
             </a:ext>
             <a:ext uri="{91240B29-F687-4f45-9708-019B960494DF}">
-              <a14:hiddenLine xmlns:a14="http://schemas.microsoft.com/office/drawing/2010/main" xmlns="" w="9525" algn="ctr">
+              <a14:hiddenLine xmlns="" xmlns:a14="http://schemas.microsoft.com/office/drawing/2010/main" w="9525" algn="ctr">
                 <a:solidFill>
                   <a:schemeClr val="tx1"/>
                 </a:solidFill>
@@ -3793,7 +3806,7 @@
               </a14:hiddenLine>
             </a:ext>
             <a:ext uri="{AF507438-7753-43e0-B8FC-AC1667EBCBE1}">
-              <a14:hiddenEffects xmlns:a14="http://schemas.microsoft.com/office/drawing/2010/main" xmlns="">
+              <a14:hiddenEffects xmlns="" xmlns:a14="http://schemas.microsoft.com/office/drawing/2010/main">
                 <a:effectLst>
                   <a:outerShdw dist="35921" dir="2700000" algn="ctr" rotWithShape="0">
                     <a:schemeClr val="bg2"/>
@@ -3994,14 +4007,14 @@
           <a:effectLst/>
           <a:extLst>
             <a:ext uri="{909E8E84-426E-40dd-AFC4-6F175D3DCCD1}">
-              <a14:hiddenFill xmlns:a14="http://schemas.microsoft.com/office/drawing/2010/main" xmlns="">
+              <a14:hiddenFill xmlns="" xmlns:a14="http://schemas.microsoft.com/office/drawing/2010/main">
                 <a:solidFill>
                   <a:srgbClr val="FFFFFF"/>
                 </a:solidFill>
               </a14:hiddenFill>
             </a:ext>
             <a:ext uri="{91240B29-F687-4f45-9708-019B960494DF}">
-              <a14:hiddenLine xmlns:a14="http://schemas.microsoft.com/office/drawing/2010/main" xmlns="" w="31750" algn="ctr">
+              <a14:hiddenLine xmlns="" xmlns:a14="http://schemas.microsoft.com/office/drawing/2010/main" w="31750" algn="ctr">
                 <a:solidFill>
                   <a:srgbClr val="3B4B54"/>
                 </a:solidFill>
@@ -4011,7 +4024,7 @@
               </a14:hiddenLine>
             </a:ext>
             <a:ext uri="{AF507438-7753-43e0-B8FC-AC1667EBCBE1}">
-              <a14:hiddenEffects xmlns:a14="http://schemas.microsoft.com/office/drawing/2010/main" xmlns="">
+              <a14:hiddenEffects xmlns="" xmlns:a14="http://schemas.microsoft.com/office/drawing/2010/main">
                 <a:effectLst>
                   <a:outerShdw dist="35921" dir="2700000" algn="ctr" rotWithShape="0">
                     <a:schemeClr val="bg2"/>
@@ -4242,14 +4255,14 @@
           <a:effectLst/>
           <a:extLst>
             <a:ext uri="{909E8E84-426E-40dd-AFC4-6F175D3DCCD1}">
-              <a14:hiddenFill xmlns:a14="http://schemas.microsoft.com/office/drawing/2010/main" xmlns="">
+              <a14:hiddenFill xmlns="" xmlns:a14="http://schemas.microsoft.com/office/drawing/2010/main">
                 <a:solidFill>
                   <a:srgbClr val="FFFFFF"/>
                 </a:solidFill>
               </a14:hiddenFill>
             </a:ext>
             <a:ext uri="{91240B29-F687-4f45-9708-019B960494DF}">
-              <a14:hiddenLine xmlns:a14="http://schemas.microsoft.com/office/drawing/2010/main" xmlns="" w="31750" algn="ctr">
+              <a14:hiddenLine xmlns="" xmlns:a14="http://schemas.microsoft.com/office/drawing/2010/main" w="31750" algn="ctr">
                 <a:solidFill>
                   <a:srgbClr val="3B4B54"/>
                 </a:solidFill>
@@ -4259,7 +4272,7 @@
               </a14:hiddenLine>
             </a:ext>
             <a:ext uri="{AF507438-7753-43e0-B8FC-AC1667EBCBE1}">
-              <a14:hiddenEffects xmlns:a14="http://schemas.microsoft.com/office/drawing/2010/main" xmlns="">
+              <a14:hiddenEffects xmlns="" xmlns:a14="http://schemas.microsoft.com/office/drawing/2010/main">
                 <a:effectLst>
                   <a:outerShdw dist="35921" dir="2700000" algn="ctr" rotWithShape="0">
                     <a:schemeClr val="bg2"/>
@@ -5378,7 +5391,7 @@
           <a:effectLst/>
           <a:extLst>
             <a:ext uri="{AF507438-7753-43e0-B8FC-AC1667EBCBE1}">
-              <a14:hiddenEffects xmlns:a14="http://schemas.microsoft.com/office/drawing/2010/main" xmlns="">
+              <a14:hiddenEffects xmlns="" xmlns:a14="http://schemas.microsoft.com/office/drawing/2010/main">
                 <a:effectLst>
                   <a:outerShdw dist="35921" dir="2700000" algn="ctr" rotWithShape="0">
                     <a:schemeClr val="bg2"/>
@@ -5465,7 +5478,7 @@
           <a:effectLst/>
           <a:extLst>
             <a:ext uri="{AF507438-7753-43e0-B8FC-AC1667EBCBE1}">
-              <a14:hiddenEffects xmlns:a14="http://schemas.microsoft.com/office/drawing/2010/main" xmlns="">
+              <a14:hiddenEffects xmlns="" xmlns:a14="http://schemas.microsoft.com/office/drawing/2010/main">
                 <a:effectLst>
                   <a:outerShdw dist="35921" dir="2700000" algn="ctr" rotWithShape="0">
                     <a:schemeClr val="bg2"/>
@@ -5681,7 +5694,7 @@
           <a:effectLst/>
           <a:extLst>
             <a:ext uri="{AF507438-7753-43e0-B8FC-AC1667EBCBE1}">
-              <a14:hiddenEffects xmlns:a14="http://schemas.microsoft.com/office/drawing/2010/main" xmlns="">
+              <a14:hiddenEffects xmlns="" xmlns:a14="http://schemas.microsoft.com/office/drawing/2010/main">
                 <a:effectLst>
                   <a:outerShdw dist="35921" dir="2700000" algn="ctr" rotWithShape="0">
                     <a:schemeClr val="bg2"/>
@@ -5757,7 +5770,7 @@
           <a:effectLst/>
           <a:extLst>
             <a:ext uri="{AF507438-7753-43e0-B8FC-AC1667EBCBE1}">
-              <a14:hiddenEffects xmlns:a14="http://schemas.microsoft.com/office/drawing/2010/main" xmlns="">
+              <a14:hiddenEffects xmlns="" xmlns:a14="http://schemas.microsoft.com/office/drawing/2010/main">
                 <a:effectLst>
                   <a:outerShdw dist="35921" dir="2700000" algn="ctr" rotWithShape="0">
                     <a:schemeClr val="bg2"/>
@@ -5833,7 +5846,7 @@
           <a:effectLst/>
           <a:extLst>
             <a:ext uri="{AF507438-7753-43e0-B8FC-AC1667EBCBE1}">
-              <a14:hiddenEffects xmlns:a14="http://schemas.microsoft.com/office/drawing/2010/main" xmlns="">
+              <a14:hiddenEffects xmlns="" xmlns:a14="http://schemas.microsoft.com/office/drawing/2010/main">
                 <a:effectLst>
                   <a:outerShdw dist="35921" dir="2700000" algn="ctr" rotWithShape="0">
                     <a:schemeClr val="bg2"/>
@@ -5909,7 +5922,7 @@
           <a:effectLst/>
           <a:extLst>
             <a:ext uri="{AF507438-7753-43e0-B8FC-AC1667EBCBE1}">
-              <a14:hiddenEffects xmlns:a14="http://schemas.microsoft.com/office/drawing/2010/main" xmlns="">
+              <a14:hiddenEffects xmlns="" xmlns:a14="http://schemas.microsoft.com/office/drawing/2010/main">
                 <a:effectLst>
                   <a:outerShdw dist="35921" dir="2700000" algn="ctr" rotWithShape="0">
                     <a:schemeClr val="bg2"/>
@@ -5987,7 +6000,7 @@
           <a:effectLst/>
           <a:extLst>
             <a:ext uri="{AF507438-7753-43e0-B8FC-AC1667EBCBE1}">
-              <a14:hiddenEffects xmlns:a14="http://schemas.microsoft.com/office/drawing/2010/main" xmlns="">
+              <a14:hiddenEffects xmlns="" xmlns:a14="http://schemas.microsoft.com/office/drawing/2010/main">
                 <a:effectLst>
                   <a:outerShdw dist="35921" dir="2700000" algn="ctr" rotWithShape="0">
                     <a:schemeClr val="bg2"/>
@@ -6027,7 +6040,7 @@
           <a:effectLst/>
           <a:extLst>
             <a:ext uri="{AF507438-7753-43e0-B8FC-AC1667EBCBE1}">
-              <a14:hiddenEffects xmlns:a14="http://schemas.microsoft.com/office/drawing/2010/main" xmlns="">
+              <a14:hiddenEffects xmlns="" xmlns:a14="http://schemas.microsoft.com/office/drawing/2010/main">
                 <a:effectLst>
                   <a:outerShdw dist="35921" dir="2700000" algn="ctr" rotWithShape="0">
                     <a:schemeClr val="bg2"/>
@@ -6070,7 +6083,7 @@
           <a:effectLst/>
           <a:extLst>
             <a:ext uri="{AF507438-7753-43e0-B8FC-AC1667EBCBE1}">
-              <a14:hiddenEffects xmlns:a14="http://schemas.microsoft.com/office/drawing/2010/main" xmlns="">
+              <a14:hiddenEffects xmlns="" xmlns:a14="http://schemas.microsoft.com/office/drawing/2010/main">
                 <a:effectLst>
                   <a:outerShdw dist="35921" dir="2700000" algn="ctr" rotWithShape="0">
                     <a:schemeClr val="bg2"/>
@@ -6180,7 +6193,7 @@
           <a:effectLst/>
           <a:extLst>
             <a:ext uri="{AF507438-7753-43e0-B8FC-AC1667EBCBE1}">
-              <a14:hiddenEffects xmlns:a14="http://schemas.microsoft.com/office/drawing/2010/main" xmlns="">
+              <a14:hiddenEffects xmlns="" xmlns:a14="http://schemas.microsoft.com/office/drawing/2010/main">
                 <a:effectLst>
                   <a:outerShdw dist="35921" dir="2700000" algn="ctr" rotWithShape="0">
                     <a:schemeClr val="bg2"/>
@@ -6358,7 +6371,7 @@
           <a:effectLst/>
           <a:extLst>
             <a:ext uri="{AF507438-7753-43e0-B8FC-AC1667EBCBE1}">
-              <a14:hiddenEffects xmlns:a14="http://schemas.microsoft.com/office/drawing/2010/main" xmlns="">
+              <a14:hiddenEffects xmlns="" xmlns:a14="http://schemas.microsoft.com/office/drawing/2010/main">
                 <a:effectLst>
                   <a:outerShdw dist="35921" dir="2700000" algn="ctr" rotWithShape="0">
                     <a:schemeClr val="bg2"/>
@@ -6434,7 +6447,7 @@
           <a:effectLst/>
           <a:extLst>
             <a:ext uri="{AF507438-7753-43e0-B8FC-AC1667EBCBE1}">
-              <a14:hiddenEffects xmlns:a14="http://schemas.microsoft.com/office/drawing/2010/main" xmlns="">
+              <a14:hiddenEffects xmlns="" xmlns:a14="http://schemas.microsoft.com/office/drawing/2010/main">
                 <a:effectLst>
                   <a:outerShdw dist="35921" dir="2700000" algn="ctr" rotWithShape="0">
                     <a:schemeClr val="bg2"/>
@@ -6515,7 +6528,7 @@
           <a:effectLst/>
           <a:extLst>
             <a:ext uri="{AF507438-7753-43e0-B8FC-AC1667EBCBE1}">
-              <a14:hiddenEffects xmlns:a14="http://schemas.microsoft.com/office/drawing/2010/main" xmlns="">
+              <a14:hiddenEffects xmlns="" xmlns:a14="http://schemas.microsoft.com/office/drawing/2010/main">
                 <a:effectLst>
                   <a:outerShdw dist="35921" dir="2700000" algn="ctr" rotWithShape="0">
                     <a:schemeClr val="bg2"/>
@@ -6715,7 +6728,7 @@
           <a:effectLst/>
           <a:extLst>
             <a:ext uri="{AF507438-7753-43e0-B8FC-AC1667EBCBE1}">
-              <a14:hiddenEffects xmlns:a14="http://schemas.microsoft.com/office/drawing/2010/main" xmlns="">
+              <a14:hiddenEffects xmlns="" xmlns:a14="http://schemas.microsoft.com/office/drawing/2010/main">
                 <a:effectLst>
                   <a:outerShdw dist="35921" dir="2700000" algn="ctr" rotWithShape="0">
                     <a:schemeClr val="bg2"/>
@@ -6758,7 +6771,7 @@
           <a:effectLst/>
           <a:extLst>
             <a:ext uri="{AF507438-7753-43e0-B8FC-AC1667EBCBE1}">
-              <a14:hiddenEffects xmlns:a14="http://schemas.microsoft.com/office/drawing/2010/main" xmlns="">
+              <a14:hiddenEffects xmlns="" xmlns:a14="http://schemas.microsoft.com/office/drawing/2010/main">
                 <a:effectLst>
                   <a:outerShdw dist="35921" dir="2700000" algn="ctr" rotWithShape="0">
                     <a:schemeClr val="bg2"/>
@@ -6980,7 +6993,7 @@
           <a:effectLst/>
           <a:extLst>
             <a:ext uri="{AF507438-7753-43e0-B8FC-AC1667EBCBE1}">
-              <a14:hiddenEffects xmlns:a14="http://schemas.microsoft.com/office/drawing/2010/main" xmlns="">
+              <a14:hiddenEffects xmlns="" xmlns:a14="http://schemas.microsoft.com/office/drawing/2010/main">
                 <a:effectLst>
                   <a:outerShdw dist="35921" dir="2700000" algn="ctr" rotWithShape="0">
                     <a:schemeClr val="bg2"/>
@@ -7108,7 +7121,7 @@
           <a:effectLst/>
           <a:extLst>
             <a:ext uri="{AF507438-7753-43e0-B8FC-AC1667EBCBE1}">
-              <a14:hiddenEffects xmlns:a14="http://schemas.microsoft.com/office/drawing/2010/main" xmlns="">
+              <a14:hiddenEffects xmlns="" xmlns:a14="http://schemas.microsoft.com/office/drawing/2010/main">
                 <a:effectLst>
                   <a:outerShdw dist="35921" dir="2700000" algn="ctr" rotWithShape="0">
                     <a:schemeClr val="bg2"/>
@@ -7355,7 +7368,7 @@
             <a:effectLst/>
             <a:extLst>
               <a:ext uri="{AF507438-7753-43e0-B8FC-AC1667EBCBE1}">
-                <a14:hiddenEffects xmlns:a14="http://schemas.microsoft.com/office/drawing/2010/main" xmlns="">
+                <a14:hiddenEffects xmlns="" xmlns:a14="http://schemas.microsoft.com/office/drawing/2010/main">
                   <a:effectLst>
                     <a:outerShdw dist="35921" dir="2700000" algn="ctr" rotWithShape="0">
                       <a:schemeClr val="bg2"/>
@@ -7629,7 +7642,7 @@
           <a:effectLst/>
           <a:extLst>
             <a:ext uri="{AF507438-7753-43e0-B8FC-AC1667EBCBE1}">
-              <a14:hiddenEffects xmlns:a14="http://schemas.microsoft.com/office/drawing/2010/main" xmlns="">
+              <a14:hiddenEffects xmlns="" xmlns:a14="http://schemas.microsoft.com/office/drawing/2010/main">
                 <a:effectLst>
                   <a:outerShdw dist="35921" dir="2700000" algn="ctr" rotWithShape="0">
                     <a:schemeClr val="bg2"/>
@@ -7710,7 +7723,7 @@
           <a:effectLst/>
           <a:extLst>
             <a:ext uri="{AF507438-7753-43e0-B8FC-AC1667EBCBE1}">
-              <a14:hiddenEffects xmlns:a14="http://schemas.microsoft.com/office/drawing/2010/main" xmlns="">
+              <a14:hiddenEffects xmlns="" xmlns:a14="http://schemas.microsoft.com/office/drawing/2010/main">
                 <a:effectLst>
                   <a:outerShdw dist="35921" dir="2700000" algn="ctr" rotWithShape="0">
                     <a:schemeClr val="bg2"/>
@@ -7922,7 +7935,7 @@
           <a:effectLst/>
           <a:extLst>
             <a:ext uri="{AF507438-7753-43e0-B8FC-AC1667EBCBE1}">
-              <a14:hiddenEffects xmlns:a14="http://schemas.microsoft.com/office/drawing/2010/main" xmlns="">
+              <a14:hiddenEffects xmlns="" xmlns:a14="http://schemas.microsoft.com/office/drawing/2010/main">
                 <a:effectLst>
                   <a:outerShdw dist="35921" dir="2700000" algn="ctr" rotWithShape="0">
                     <a:schemeClr val="bg2"/>
@@ -7996,7 +8009,7 @@
           <a:effectLst/>
           <a:extLst>
             <a:ext uri="{AF507438-7753-43e0-B8FC-AC1667EBCBE1}">
-              <a14:hiddenEffects xmlns:a14="http://schemas.microsoft.com/office/drawing/2010/main" xmlns="">
+              <a14:hiddenEffects xmlns="" xmlns:a14="http://schemas.microsoft.com/office/drawing/2010/main">
                 <a:effectLst>
                   <a:outerShdw dist="35921" dir="2700000" algn="ctr" rotWithShape="0">
                     <a:schemeClr val="bg2"/>
@@ -8535,7 +8548,7 @@
           <a:effectLst/>
           <a:extLst>
             <a:ext uri="{AF507438-7753-43e0-B8FC-AC1667EBCBE1}">
-              <a14:hiddenEffects xmlns:a14="http://schemas.microsoft.com/office/drawing/2010/main" xmlns="">
+              <a14:hiddenEffects xmlns="" xmlns:a14="http://schemas.microsoft.com/office/drawing/2010/main">
                 <a:effectLst>
                   <a:outerShdw dist="35921" dir="2700000" algn="ctr" rotWithShape="0">
                     <a:schemeClr val="bg2"/>
@@ -8646,7 +8659,16 @@
                 </a:solidFill>
                 <a:latin typeface="Helvetica" panose="020B0604020202020204" pitchFamily="34" charset="0"/>
               </a:rPr>
-              <a:t>か</a:t>
+              <a:t>から</a:t>
+            </a:r>
+            <a:r>
+              <a:rPr kumimoji="1" lang="ja-JP" altLang="en-US" sz="1200" b="0" dirty="0">
+                <a:solidFill>
+                  <a:srgbClr val="26343F"/>
+                </a:solidFill>
+                <a:latin typeface="Helvetica" panose="020B0604020202020204" pitchFamily="34" charset="0"/>
+              </a:rPr>
+              <a:t>参照</a:t>
             </a:r>
             <a:r>
               <a:rPr kumimoji="1" lang="ja-JP" altLang="en-US" sz="1200" b="0" dirty="0" smtClean="0">
@@ -8655,43 +8677,7 @@
                 </a:solidFill>
                 <a:latin typeface="Helvetica" panose="020B0604020202020204" pitchFamily="34" charset="0"/>
               </a:rPr>
-              <a:t>ら</a:t>
-            </a:r>
-            <a:r>
-              <a:rPr kumimoji="1" lang="ja-JP" altLang="en-US" sz="1200" b="0" dirty="0">
-                <a:solidFill>
-                  <a:srgbClr val="26343F"/>
-                </a:solidFill>
-                <a:latin typeface="Helvetica" panose="020B0604020202020204" pitchFamily="34" charset="0"/>
-              </a:rPr>
-              <a:t>参照</a:t>
-            </a:r>
-            <a:r>
-              <a:rPr kumimoji="1" lang="ja-JP" altLang="en-US" sz="1200" b="0" dirty="0" smtClean="0">
-                <a:solidFill>
-                  <a:srgbClr val="26343F"/>
-                </a:solidFill>
-                <a:latin typeface="Helvetica" panose="020B0604020202020204" pitchFamily="34" charset="0"/>
-              </a:rPr>
-              <a:t>し</a:t>
-            </a:r>
-            <a:r>
-              <a:rPr kumimoji="1" lang="ja-JP" altLang="en-US" sz="1200" b="0" dirty="0" smtClean="0">
-                <a:solidFill>
-                  <a:srgbClr val="26343F"/>
-                </a:solidFill>
-                <a:latin typeface="Helvetica" panose="020B0604020202020204" pitchFamily="34" charset="0"/>
-              </a:rPr>
-              <a:t>ている</a:t>
-            </a:r>
-            <a:r>
-              <a:rPr kumimoji="1" lang="ja-JP" altLang="en-US" sz="1200" b="0" dirty="0" smtClean="0">
-                <a:solidFill>
-                  <a:srgbClr val="26343F"/>
-                </a:solidFill>
-                <a:latin typeface="Helvetica" panose="020B0604020202020204" pitchFamily="34" charset="0"/>
-              </a:rPr>
-              <a:t>。</a:t>
+              <a:t>している。</a:t>
             </a:r>
             <a:endParaRPr kumimoji="1" lang="en-US" altLang="ja-JP" sz="1200" b="0" dirty="0" smtClean="0">
               <a:solidFill>
@@ -8734,7 +8720,7 @@
           <a:effectLst/>
           <a:extLst>
             <a:ext uri="{AF507438-7753-43e0-B8FC-AC1667EBCBE1}">
-              <a14:hiddenEffects xmlns:a14="http://schemas.microsoft.com/office/drawing/2010/main" xmlns="">
+              <a14:hiddenEffects xmlns="" xmlns:a14="http://schemas.microsoft.com/office/drawing/2010/main">
                 <a:effectLst>
                   <a:outerShdw dist="35921" dir="2700000" algn="ctr" rotWithShape="0">
                     <a:schemeClr val="bg2"/>
@@ -8802,7 +8788,7 @@
           <a:effectLst/>
           <a:extLst>
             <a:ext uri="{AF507438-7753-43e0-B8FC-AC1667EBCBE1}">
-              <a14:hiddenEffects xmlns:a14="http://schemas.microsoft.com/office/drawing/2010/main" xmlns="">
+              <a14:hiddenEffects xmlns="" xmlns:a14="http://schemas.microsoft.com/office/drawing/2010/main">
                 <a:effectLst>
                   <a:outerShdw dist="35921" dir="2700000" algn="ctr" rotWithShape="0">
                     <a:schemeClr val="bg2"/>
@@ -8980,7 +8966,7 @@
           <a:effectLst/>
           <a:extLst>
             <a:ext uri="{AF507438-7753-43e0-B8FC-AC1667EBCBE1}">
-              <a14:hiddenEffects xmlns:a14="http://schemas.microsoft.com/office/drawing/2010/main" xmlns="">
+              <a14:hiddenEffects xmlns="" xmlns:a14="http://schemas.microsoft.com/office/drawing/2010/main">
                 <a:effectLst>
                   <a:outerShdw dist="35921" dir="2700000" algn="ctr" rotWithShape="0">
                     <a:schemeClr val="bg2"/>
@@ -9140,7 +9126,7 @@
           <a:effectLst/>
           <a:extLst>
             <a:ext uri="{AF507438-7753-43e0-B8FC-AC1667EBCBE1}">
-              <a14:hiddenEffects xmlns:a14="http://schemas.microsoft.com/office/drawing/2010/main" xmlns="">
+              <a14:hiddenEffects xmlns="" xmlns:a14="http://schemas.microsoft.com/office/drawing/2010/main">
                 <a:effectLst>
                   <a:outerShdw dist="35921" dir="2700000" algn="ctr" rotWithShape="0">
                     <a:schemeClr val="bg2"/>
@@ -9208,7 +9194,7 @@
           <a:effectLst/>
           <a:extLst>
             <a:ext uri="{AF507438-7753-43e0-B8FC-AC1667EBCBE1}">
-              <a14:hiddenEffects xmlns:a14="http://schemas.microsoft.com/office/drawing/2010/main" xmlns="">
+              <a14:hiddenEffects xmlns="" xmlns:a14="http://schemas.microsoft.com/office/drawing/2010/main">
                 <a:effectLst>
                   <a:outerShdw dist="35921" dir="2700000" algn="ctr" rotWithShape="0">
                     <a:schemeClr val="bg2"/>
@@ -9276,7 +9262,7 @@
           <a:effectLst/>
           <a:extLst>
             <a:ext uri="{AF507438-7753-43e0-B8FC-AC1667EBCBE1}">
-              <a14:hiddenEffects xmlns:a14="http://schemas.microsoft.com/office/drawing/2010/main" xmlns="">
+              <a14:hiddenEffects xmlns="" xmlns:a14="http://schemas.microsoft.com/office/drawing/2010/main">
                 <a:effectLst>
                   <a:outerShdw dist="35921" dir="2700000" algn="ctr" rotWithShape="0">
                     <a:schemeClr val="bg2"/>
@@ -14042,14 +14028,14 @@
           <a:effectLst/>
           <a:extLst>
             <a:ext uri="{909E8E84-426E-40dd-AFC4-6F175D3DCCD1}">
-              <a14:hiddenFill xmlns:a14="http://schemas.microsoft.com/office/drawing/2010/main" xmlns="">
+              <a14:hiddenFill xmlns="" xmlns:a14="http://schemas.microsoft.com/office/drawing/2010/main">
                 <a:solidFill>
                   <a:schemeClr val="accent1"/>
                 </a:solidFill>
               </a14:hiddenFill>
             </a:ext>
             <a:ext uri="{91240B29-F687-4f45-9708-019B960494DF}">
-              <a14:hiddenLine xmlns:a14="http://schemas.microsoft.com/office/drawing/2010/main" xmlns="" w="9525">
+              <a14:hiddenLine xmlns="" xmlns:a14="http://schemas.microsoft.com/office/drawing/2010/main" w="9525">
                 <a:solidFill>
                   <a:schemeClr val="tx1"/>
                 </a:solidFill>
@@ -14059,7 +14045,7 @@
               </a14:hiddenLine>
             </a:ext>
             <a:ext uri="{AF507438-7753-43e0-B8FC-AC1667EBCBE1}">
-              <a14:hiddenEffects xmlns:a14="http://schemas.microsoft.com/office/drawing/2010/main" xmlns="">
+              <a14:hiddenEffects xmlns="" xmlns:a14="http://schemas.microsoft.com/office/drawing/2010/main">
                 <a:effectLst>
                   <a:outerShdw dist="35921" dir="2700000" algn="ctr" rotWithShape="0">
                     <a:schemeClr val="bg2"/>
@@ -15457,7 +15443,7 @@
           <a:effectLst/>
           <a:extLst>
             <a:ext uri="{AF507438-7753-43e0-B8FC-AC1667EBCBE1}">
-              <a14:hiddenEffects xmlns:a14="http://schemas.microsoft.com/office/drawing/2010/main" xmlns="">
+              <a14:hiddenEffects xmlns="" xmlns:a14="http://schemas.microsoft.com/office/drawing/2010/main">
                 <a:effectLst>
                   <a:outerShdw dist="35921" dir="2700000" algn="ctr" rotWithShape="0">
                     <a:schemeClr val="bg2"/>
@@ -15883,7 +15869,7 @@
           <a:effectLst/>
           <a:extLst>
             <a:ext uri="{AF507438-7753-43e0-B8FC-AC1667EBCBE1}">
-              <a14:hiddenEffects xmlns:a14="http://schemas.microsoft.com/office/drawing/2010/main" xmlns="">
+              <a14:hiddenEffects xmlns="" xmlns:a14="http://schemas.microsoft.com/office/drawing/2010/main">
                 <a:effectLst>
                   <a:outerShdw dist="35921" dir="2700000" algn="ctr" rotWithShape="0">
                     <a:schemeClr val="bg2"/>
@@ -15959,7 +15945,7 @@
           <a:effectLst/>
           <a:extLst>
             <a:ext uri="{AF507438-7753-43e0-B8FC-AC1667EBCBE1}">
-              <a14:hiddenEffects xmlns:a14="http://schemas.microsoft.com/office/drawing/2010/main" xmlns="">
+              <a14:hiddenEffects xmlns="" xmlns:a14="http://schemas.microsoft.com/office/drawing/2010/main">
                 <a:effectLst>
                   <a:outerShdw dist="35921" dir="2700000" algn="ctr" rotWithShape="0">
                     <a:schemeClr val="bg2"/>
@@ -16035,7 +16021,7 @@
           <a:effectLst/>
           <a:extLst>
             <a:ext uri="{AF507438-7753-43e0-B8FC-AC1667EBCBE1}">
-              <a14:hiddenEffects xmlns:a14="http://schemas.microsoft.com/office/drawing/2010/main" xmlns="">
+              <a14:hiddenEffects xmlns="" xmlns:a14="http://schemas.microsoft.com/office/drawing/2010/main">
                 <a:effectLst>
                   <a:outerShdw dist="35921" dir="2700000" algn="ctr" rotWithShape="0">
                     <a:schemeClr val="bg2"/>
@@ -16111,7 +16097,7 @@
           <a:effectLst/>
           <a:extLst>
             <a:ext uri="{AF507438-7753-43e0-B8FC-AC1667EBCBE1}">
-              <a14:hiddenEffects xmlns:a14="http://schemas.microsoft.com/office/drawing/2010/main" xmlns="">
+              <a14:hiddenEffects xmlns="" xmlns:a14="http://schemas.microsoft.com/office/drawing/2010/main">
                 <a:effectLst>
                   <a:outerShdw dist="35921" dir="2700000" algn="ctr" rotWithShape="0">
                     <a:schemeClr val="bg2"/>
@@ -16192,7 +16178,7 @@
           <a:effectLst/>
           <a:extLst>
             <a:ext uri="{AF507438-7753-43e0-B8FC-AC1667EBCBE1}">
-              <a14:hiddenEffects xmlns:a14="http://schemas.microsoft.com/office/drawing/2010/main" xmlns="">
+              <a14:hiddenEffects xmlns="" xmlns:a14="http://schemas.microsoft.com/office/drawing/2010/main">
                 <a:effectLst>
                   <a:outerShdw dist="35921" dir="2700000" algn="ctr" rotWithShape="0">
                     <a:schemeClr val="bg2"/>
@@ -16678,7 +16664,7 @@
           <a:effectLst/>
           <a:extLst>
             <a:ext uri="{AF507438-7753-43e0-B8FC-AC1667EBCBE1}">
-              <a14:hiddenEffects xmlns:a14="http://schemas.microsoft.com/office/drawing/2010/main" xmlns="">
+              <a14:hiddenEffects xmlns="" xmlns:a14="http://schemas.microsoft.com/office/drawing/2010/main">
                 <a:effectLst>
                   <a:outerShdw dist="35921" dir="2700000" algn="ctr" rotWithShape="0">
                     <a:schemeClr val="bg2"/>
@@ -16759,7 +16745,7 @@
           <a:effectLst/>
           <a:extLst>
             <a:ext uri="{AF507438-7753-43e0-B8FC-AC1667EBCBE1}">
-              <a14:hiddenEffects xmlns:a14="http://schemas.microsoft.com/office/drawing/2010/main" xmlns="">
+              <a14:hiddenEffects xmlns="" xmlns:a14="http://schemas.microsoft.com/office/drawing/2010/main">
                 <a:effectLst>
                   <a:outerShdw dist="35921" dir="2700000" algn="ctr" rotWithShape="0">
                     <a:schemeClr val="bg2"/>
@@ -16967,7 +16953,7 @@
           <a:effectLst/>
           <a:extLst>
             <a:ext uri="{AF507438-7753-43e0-B8FC-AC1667EBCBE1}">
-              <a14:hiddenEffects xmlns:a14="http://schemas.microsoft.com/office/drawing/2010/main" xmlns="">
+              <a14:hiddenEffects xmlns="" xmlns:a14="http://schemas.microsoft.com/office/drawing/2010/main">
                 <a:effectLst>
                   <a:outerShdw dist="35921" dir="2700000" algn="ctr" rotWithShape="0">
                     <a:schemeClr val="bg2"/>
@@ -17043,7 +17029,7 @@
           <a:effectLst/>
           <a:extLst>
             <a:ext uri="{AF507438-7753-43e0-B8FC-AC1667EBCBE1}">
-              <a14:hiddenEffects xmlns:a14="http://schemas.microsoft.com/office/drawing/2010/main" xmlns="">
+              <a14:hiddenEffects xmlns="" xmlns:a14="http://schemas.microsoft.com/office/drawing/2010/main">
                 <a:effectLst>
                   <a:outerShdw dist="35921" dir="2700000" algn="ctr" rotWithShape="0">
                     <a:schemeClr val="bg2"/>
@@ -17119,7 +17105,7 @@
           <a:effectLst/>
           <a:extLst>
             <a:ext uri="{AF507438-7753-43e0-B8FC-AC1667EBCBE1}">
-              <a14:hiddenEffects xmlns:a14="http://schemas.microsoft.com/office/drawing/2010/main" xmlns="">
+              <a14:hiddenEffects xmlns="" xmlns:a14="http://schemas.microsoft.com/office/drawing/2010/main">
                 <a:effectLst>
                   <a:outerShdw dist="35921" dir="2700000" algn="ctr" rotWithShape="0">
                     <a:schemeClr val="bg2"/>
@@ -17197,7 +17183,7 @@
           <a:effectLst/>
           <a:extLst>
             <a:ext uri="{AF507438-7753-43e0-B8FC-AC1667EBCBE1}">
-              <a14:hiddenEffects xmlns:a14="http://schemas.microsoft.com/office/drawing/2010/main" xmlns="">
+              <a14:hiddenEffects xmlns="" xmlns:a14="http://schemas.microsoft.com/office/drawing/2010/main">
                 <a:effectLst>
                   <a:outerShdw dist="35921" dir="2700000" algn="ctr" rotWithShape="0">
                     <a:schemeClr val="bg2"/>
@@ -17240,7 +17226,7 @@
           <a:effectLst/>
           <a:extLst>
             <a:ext uri="{AF507438-7753-43e0-B8FC-AC1667EBCBE1}">
-              <a14:hiddenEffects xmlns:a14="http://schemas.microsoft.com/office/drawing/2010/main" xmlns="">
+              <a14:hiddenEffects xmlns="" xmlns:a14="http://schemas.microsoft.com/office/drawing/2010/main">
                 <a:effectLst>
                   <a:outerShdw dist="35921" dir="2700000" algn="ctr" rotWithShape="0">
                     <a:schemeClr val="bg2"/>
@@ -17520,7 +17506,7 @@
           <a:effectLst/>
           <a:extLst>
             <a:ext uri="{AF507438-7753-43e0-B8FC-AC1667EBCBE1}">
-              <a14:hiddenEffects xmlns:a14="http://schemas.microsoft.com/office/drawing/2010/main" xmlns="">
+              <a14:hiddenEffects xmlns="" xmlns:a14="http://schemas.microsoft.com/office/drawing/2010/main">
                 <a:effectLst>
                   <a:outerShdw dist="35921" dir="2700000" algn="ctr" rotWithShape="0">
                     <a:schemeClr val="bg2"/>
@@ -17601,7 +17587,7 @@
           <a:effectLst/>
           <a:extLst>
             <a:ext uri="{AF507438-7753-43e0-B8FC-AC1667EBCBE1}">
-              <a14:hiddenEffects xmlns:a14="http://schemas.microsoft.com/office/drawing/2010/main" xmlns="">
+              <a14:hiddenEffects xmlns="" xmlns:a14="http://schemas.microsoft.com/office/drawing/2010/main">
                 <a:effectLst>
                   <a:outerShdw dist="35921" dir="2700000" algn="ctr" rotWithShape="0">
                     <a:schemeClr val="bg2"/>
@@ -17836,7 +17822,7 @@
           <a:effectLst/>
           <a:extLst>
             <a:ext uri="{AF507438-7753-43e0-B8FC-AC1667EBCBE1}">
-              <a14:hiddenEffects xmlns:a14="http://schemas.microsoft.com/office/drawing/2010/main" xmlns="">
+              <a14:hiddenEffects xmlns="" xmlns:a14="http://schemas.microsoft.com/office/drawing/2010/main">
                 <a:effectLst>
                   <a:outerShdw dist="35921" dir="2700000" algn="ctr" rotWithShape="0">
                     <a:schemeClr val="bg2"/>
@@ -18015,7 +18001,7 @@
           <a:effectLst/>
           <a:extLst>
             <a:ext uri="{AF507438-7753-43e0-B8FC-AC1667EBCBE1}">
-              <a14:hiddenEffects xmlns:a14="http://schemas.microsoft.com/office/drawing/2010/main" xmlns="">
+              <a14:hiddenEffects xmlns="" xmlns:a14="http://schemas.microsoft.com/office/drawing/2010/main">
                 <a:effectLst>
                   <a:outerShdw dist="35921" dir="2700000" algn="ctr" rotWithShape="0">
                     <a:schemeClr val="bg2"/>
@@ -18129,7 +18115,7 @@
           <a:effectLst/>
           <a:extLst>
             <a:ext uri="{AF507438-7753-43e0-B8FC-AC1667EBCBE1}">
-              <a14:hiddenEffects xmlns:a14="http://schemas.microsoft.com/office/drawing/2010/main" xmlns="">
+              <a14:hiddenEffects xmlns="" xmlns:a14="http://schemas.microsoft.com/office/drawing/2010/main">
                 <a:effectLst>
                   <a:outerShdw dist="35921" dir="2700000" algn="ctr" rotWithShape="0">
                     <a:schemeClr val="bg2"/>
@@ -18243,7 +18229,7 @@
           <a:effectLst/>
           <a:extLst>
             <a:ext uri="{AF507438-7753-43e0-B8FC-AC1667EBCBE1}">
-              <a14:hiddenEffects xmlns:a14="http://schemas.microsoft.com/office/drawing/2010/main" xmlns="">
+              <a14:hiddenEffects xmlns="" xmlns:a14="http://schemas.microsoft.com/office/drawing/2010/main">
                 <a:effectLst>
                   <a:outerShdw dist="35921" dir="2700000" algn="ctr" rotWithShape="0">
                     <a:schemeClr val="bg2"/>
@@ -18361,7 +18347,7 @@
           <a:effectLst/>
           <a:extLst>
             <a:ext uri="{AF507438-7753-43e0-B8FC-AC1667EBCBE1}">
-              <a14:hiddenEffects xmlns:a14="http://schemas.microsoft.com/office/drawing/2010/main" xmlns="">
+              <a14:hiddenEffects xmlns="" xmlns:a14="http://schemas.microsoft.com/office/drawing/2010/main">
                 <a:effectLst>
                   <a:outerShdw dist="35921" dir="2700000" algn="ctr" rotWithShape="0">
                     <a:schemeClr val="bg2"/>
@@ -18442,7 +18428,7 @@
           <a:effectLst/>
           <a:extLst>
             <a:ext uri="{AF507438-7753-43e0-B8FC-AC1667EBCBE1}">
-              <a14:hiddenEffects xmlns:a14="http://schemas.microsoft.com/office/drawing/2010/main" xmlns="">
+              <a14:hiddenEffects xmlns="" xmlns:a14="http://schemas.microsoft.com/office/drawing/2010/main">
                 <a:effectLst>
                   <a:outerShdw dist="35921" dir="2700000" algn="ctr" rotWithShape="0">
                     <a:schemeClr val="bg2"/>
@@ -18618,7 +18604,7 @@
           <a:effectLst/>
           <a:extLst>
             <a:ext uri="{AF507438-7753-43e0-B8FC-AC1667EBCBE1}">
-              <a14:hiddenEffects xmlns:a14="http://schemas.microsoft.com/office/drawing/2010/main" xmlns="">
+              <a14:hiddenEffects xmlns="" xmlns:a14="http://schemas.microsoft.com/office/drawing/2010/main">
                 <a:effectLst>
                   <a:outerShdw dist="35921" dir="2700000" algn="ctr" rotWithShape="0">
                     <a:schemeClr val="bg2"/>
@@ -18694,7 +18680,7 @@
           <a:effectLst/>
           <a:extLst>
             <a:ext uri="{AF507438-7753-43e0-B8FC-AC1667EBCBE1}">
-              <a14:hiddenEffects xmlns:a14="http://schemas.microsoft.com/office/drawing/2010/main" xmlns="">
+              <a14:hiddenEffects xmlns="" xmlns:a14="http://schemas.microsoft.com/office/drawing/2010/main">
                 <a:effectLst>
                   <a:outerShdw dist="35921" dir="2700000" algn="ctr" rotWithShape="0">
                     <a:schemeClr val="bg2"/>
@@ -18775,7 +18761,7 @@
           <a:effectLst/>
           <a:extLst>
             <a:ext uri="{AF507438-7753-43e0-B8FC-AC1667EBCBE1}">
-              <a14:hiddenEffects xmlns:a14="http://schemas.microsoft.com/office/drawing/2010/main" xmlns="">
+              <a14:hiddenEffects xmlns="" xmlns:a14="http://schemas.microsoft.com/office/drawing/2010/main">
                 <a:effectLst>
                   <a:outerShdw dist="35921" dir="2700000" algn="ctr" rotWithShape="0">
                     <a:schemeClr val="bg2"/>
@@ -18933,7 +18919,7 @@
           <a:effectLst/>
           <a:extLst>
             <a:ext uri="{AF507438-7753-43e0-B8FC-AC1667EBCBE1}">
-              <a14:hiddenEffects xmlns:a14="http://schemas.microsoft.com/office/drawing/2010/main" xmlns="">
+              <a14:hiddenEffects xmlns="" xmlns:a14="http://schemas.microsoft.com/office/drawing/2010/main">
                 <a:effectLst>
                   <a:outerShdw dist="35921" dir="2700000" algn="ctr" rotWithShape="0">
                     <a:schemeClr val="bg2"/>
@@ -19009,7 +18995,7 @@
           <a:effectLst/>
           <a:extLst>
             <a:ext uri="{AF507438-7753-43e0-B8FC-AC1667EBCBE1}">
-              <a14:hiddenEffects xmlns:a14="http://schemas.microsoft.com/office/drawing/2010/main" xmlns="">
+              <a14:hiddenEffects xmlns="" xmlns:a14="http://schemas.microsoft.com/office/drawing/2010/main">
                 <a:effectLst>
                   <a:outerShdw dist="35921" dir="2700000" algn="ctr" rotWithShape="0">
                     <a:schemeClr val="bg2"/>
@@ -19085,7 +19071,7 @@
           <a:effectLst/>
           <a:extLst>
             <a:ext uri="{AF507438-7753-43e0-B8FC-AC1667EBCBE1}">
-              <a14:hiddenEffects xmlns:a14="http://schemas.microsoft.com/office/drawing/2010/main" xmlns="">
+              <a14:hiddenEffects xmlns="" xmlns:a14="http://schemas.microsoft.com/office/drawing/2010/main">
                 <a:effectLst>
                   <a:outerShdw dist="35921" dir="2700000" algn="ctr" rotWithShape="0">
                     <a:schemeClr val="bg2"/>
@@ -19166,7 +19152,7 @@
           <a:effectLst/>
           <a:extLst>
             <a:ext uri="{AF507438-7753-43e0-B8FC-AC1667EBCBE1}">
-              <a14:hiddenEffects xmlns:a14="http://schemas.microsoft.com/office/drawing/2010/main" xmlns="">
+              <a14:hiddenEffects xmlns="" xmlns:a14="http://schemas.microsoft.com/office/drawing/2010/main">
                 <a:effectLst>
                   <a:outerShdw dist="35921" dir="2700000" algn="ctr" rotWithShape="0">
                     <a:schemeClr val="bg2"/>
@@ -19539,7 +19525,7 @@
           <a:effectLst/>
           <a:extLst>
             <a:ext uri="{AF507438-7753-43e0-B8FC-AC1667EBCBE1}">
-              <a14:hiddenEffects xmlns:a14="http://schemas.microsoft.com/office/drawing/2010/main" xmlns="">
+              <a14:hiddenEffects xmlns="" xmlns:a14="http://schemas.microsoft.com/office/drawing/2010/main">
                 <a:effectLst>
                   <a:outerShdw dist="35921" dir="2700000" algn="ctr" rotWithShape="0">
                     <a:schemeClr val="bg2"/>
@@ -19749,7 +19735,7 @@
           <a:effectLst/>
           <a:extLst>
             <a:ext uri="{AF507438-7753-43e0-B8FC-AC1667EBCBE1}">
-              <a14:hiddenEffects xmlns:a14="http://schemas.microsoft.com/office/drawing/2010/main" xmlns="">
+              <a14:hiddenEffects xmlns="" xmlns:a14="http://schemas.microsoft.com/office/drawing/2010/main">
                 <a:effectLst>
                   <a:outerShdw dist="35921" dir="2700000" algn="ctr" rotWithShape="0">
                     <a:schemeClr val="bg2"/>
@@ -20039,7 +20025,7 @@
           <a:effectLst/>
           <a:extLst>
             <a:ext uri="{AF507438-7753-43e0-B8FC-AC1667EBCBE1}">
-              <a14:hiddenEffects xmlns:a14="http://schemas.microsoft.com/office/drawing/2010/main" xmlns="">
+              <a14:hiddenEffects xmlns="" xmlns:a14="http://schemas.microsoft.com/office/drawing/2010/main">
                 <a:effectLst>
                   <a:outerShdw dist="35921" dir="2700000" algn="ctr" rotWithShape="0">
                     <a:schemeClr val="bg2"/>
@@ -22904,7 +22890,7 @@
             <a:effectLst/>
             <a:extLst>
               <a:ext uri="{AF507438-7753-43e0-B8FC-AC1667EBCBE1}">
-                <a14:hiddenEffects xmlns:a14="http://schemas.microsoft.com/office/drawing/2010/main" xmlns="">
+                <a14:hiddenEffects xmlns="" xmlns:a14="http://schemas.microsoft.com/office/drawing/2010/main">
                   <a:effectLst>
                     <a:outerShdw dist="35921" dir="2700000" algn="ctr" rotWithShape="0">
                       <a:schemeClr val="bg2"/>
@@ -23048,7 +23034,7 @@
             <a:effectLst/>
             <a:extLst>
               <a:ext uri="{AF507438-7753-43e0-B8FC-AC1667EBCBE1}">
-                <a14:hiddenEffects xmlns:a14="http://schemas.microsoft.com/office/drawing/2010/main" xmlns="">
+                <a14:hiddenEffects xmlns="" xmlns:a14="http://schemas.microsoft.com/office/drawing/2010/main">
                   <a:effectLst>
                     <a:outerShdw dist="35921" dir="2700000" algn="ctr" rotWithShape="0">
                       <a:schemeClr val="bg2"/>
@@ -23189,7 +23175,7 @@
             <a:effectLst/>
             <a:extLst>
               <a:ext uri="{AF507438-7753-43e0-B8FC-AC1667EBCBE1}">
-                <a14:hiddenEffects xmlns:a14="http://schemas.microsoft.com/office/drawing/2010/main" xmlns="">
+                <a14:hiddenEffects xmlns="" xmlns:a14="http://schemas.microsoft.com/office/drawing/2010/main">
                   <a:effectLst>
                     <a:outerShdw dist="35921" dir="2700000" algn="ctr" rotWithShape="0">
                       <a:schemeClr val="bg2"/>
@@ -23229,7 +23215,7 @@
             <a:effectLst/>
             <a:extLst>
               <a:ext uri="{AF507438-7753-43e0-B8FC-AC1667EBCBE1}">
-                <a14:hiddenEffects xmlns:a14="http://schemas.microsoft.com/office/drawing/2010/main" xmlns="">
+                <a14:hiddenEffects xmlns="" xmlns:a14="http://schemas.microsoft.com/office/drawing/2010/main">
                   <a:effectLst>
                     <a:outerShdw dist="35921" dir="2700000" algn="ctr" rotWithShape="0">
                       <a:schemeClr val="bg2"/>
@@ -28785,7 +28771,7 @@
         <a:effectLst/>
         <a:extLst>
           <a:ext uri="{AF507438-7753-43e0-B8FC-AC1667EBCBE1}">
-            <a14:hiddenEffects xmlns:a14="http://schemas.microsoft.com/office/drawing/2010/main" xmlns="">
+            <a14:hiddenEffects xmlns="" xmlns:a14="http://schemas.microsoft.com/office/drawing/2010/main">
               <a:effectLst>
                 <a:outerShdw dist="35921" dir="2700000" algn="ctr" rotWithShape="0">
                   <a:schemeClr val="bg2"/>
@@ -28860,7 +28846,7 @@
         <a:effectLst/>
         <a:extLst>
           <a:ext uri="{AF507438-7753-43e0-B8FC-AC1667EBCBE1}">
-            <a14:hiddenEffects xmlns:a14="http://schemas.microsoft.com/office/drawing/2010/main" xmlns="">
+            <a14:hiddenEffects xmlns="" xmlns:a14="http://schemas.microsoft.com/office/drawing/2010/main">
               <a:effectLst>
                 <a:outerShdw dist="35921" dir="2700000" algn="ctr" rotWithShape="0">
                   <a:schemeClr val="bg2"/>

--- a/doc/IBM Bluemix DevOps Services で Javaの Web アプリを開発する.pptx
+++ b/doc/IBM Bluemix DevOps Services で Javaの Web アプリを開発する.pptx
@@ -1538,14 +1538,14 @@
           </a:ln>
           <a:extLst>
             <a:ext uri="{909E8E84-426E-40dd-AFC4-6F175D3DCCD1}">
-              <a14:hiddenFill xmlns="" xmlns:a14="http://schemas.microsoft.com/office/drawing/2010/main">
+              <a14:hiddenFill xmlns:a14="http://schemas.microsoft.com/office/drawing/2010/main" xmlns="">
                 <a:solidFill>
                   <a:srgbClr val="FFFFFF"/>
                 </a:solidFill>
               </a14:hiddenFill>
             </a:ext>
             <a:ext uri="{91240B29-F687-4f45-9708-019B960494DF}">
-              <a14:hiddenLine xmlns="" xmlns:a14="http://schemas.microsoft.com/office/drawing/2010/main" w="9525">
+              <a14:hiddenLine xmlns:a14="http://schemas.microsoft.com/office/drawing/2010/main" xmlns="" w="9525">
                 <a:solidFill>
                   <a:srgbClr val="000000"/>
                 </a:solidFill>
@@ -1592,14 +1592,14 @@
           </a:ln>
           <a:extLst>
             <a:ext uri="{909E8E84-426E-40dd-AFC4-6F175D3DCCD1}">
-              <a14:hiddenFill xmlns="" xmlns:a14="http://schemas.microsoft.com/office/drawing/2010/main">
+              <a14:hiddenFill xmlns:a14="http://schemas.microsoft.com/office/drawing/2010/main" xmlns="">
                 <a:solidFill>
                   <a:srgbClr val="FFFFFF"/>
                 </a:solidFill>
               </a14:hiddenFill>
             </a:ext>
             <a:ext uri="{91240B29-F687-4f45-9708-019B960494DF}">
-              <a14:hiddenLine xmlns="" xmlns:a14="http://schemas.microsoft.com/office/drawing/2010/main" w="9525">
+              <a14:hiddenLine xmlns:a14="http://schemas.microsoft.com/office/drawing/2010/main" xmlns="" w="9525">
                 <a:solidFill>
                   <a:srgbClr val="000000"/>
                 </a:solidFill>
@@ -1646,14 +1646,14 @@
           </a:ln>
           <a:extLst>
             <a:ext uri="{909E8E84-426E-40dd-AFC4-6F175D3DCCD1}">
-              <a14:hiddenFill xmlns="" xmlns:a14="http://schemas.microsoft.com/office/drawing/2010/main">
+              <a14:hiddenFill xmlns:a14="http://schemas.microsoft.com/office/drawing/2010/main" xmlns="">
                 <a:solidFill>
                   <a:srgbClr val="FFFFFF"/>
                 </a:solidFill>
               </a14:hiddenFill>
             </a:ext>
             <a:ext uri="{91240B29-F687-4f45-9708-019B960494DF}">
-              <a14:hiddenLine xmlns="" xmlns:a14="http://schemas.microsoft.com/office/drawing/2010/main" w="9525">
+              <a14:hiddenLine xmlns:a14="http://schemas.microsoft.com/office/drawing/2010/main" xmlns="" w="9525">
                 <a:solidFill>
                   <a:srgbClr val="000000"/>
                 </a:solidFill>
@@ -1688,14 +1688,14 @@
           <a:effectLst/>
           <a:extLst>
             <a:ext uri="{909E8E84-426E-40dd-AFC4-6F175D3DCCD1}">
-              <a14:hiddenFill xmlns="" xmlns:a14="http://schemas.microsoft.com/office/drawing/2010/main">
+              <a14:hiddenFill xmlns:a14="http://schemas.microsoft.com/office/drawing/2010/main" xmlns="">
                 <a:solidFill>
                   <a:srgbClr val="FFFFFF"/>
                 </a:solidFill>
               </a14:hiddenFill>
             </a:ext>
             <a:ext uri="{91240B29-F687-4f45-9708-019B960494DF}">
-              <a14:hiddenLine xmlns="" xmlns:a14="http://schemas.microsoft.com/office/drawing/2010/main" w="31750" algn="ctr">
+              <a14:hiddenLine xmlns:a14="http://schemas.microsoft.com/office/drawing/2010/main" xmlns="" w="31750" algn="ctr">
                 <a:solidFill>
                   <a:srgbClr val="3B4B54"/>
                 </a:solidFill>
@@ -1705,7 +1705,7 @@
               </a14:hiddenLine>
             </a:ext>
             <a:ext uri="{AF507438-7753-43e0-B8FC-AC1667EBCBE1}">
-              <a14:hiddenEffects xmlns="" xmlns:a14="http://schemas.microsoft.com/office/drawing/2010/main">
+              <a14:hiddenEffects xmlns:a14="http://schemas.microsoft.com/office/drawing/2010/main" xmlns="">
                 <a:effectLst>
                   <a:outerShdw dist="35921" dir="2700000" algn="ctr" rotWithShape="0">
                     <a:schemeClr val="bg2"/>
@@ -1936,14 +1936,14 @@
           <a:effectLst/>
           <a:extLst>
             <a:ext uri="{909E8E84-426E-40dd-AFC4-6F175D3DCCD1}">
-              <a14:hiddenFill xmlns="" xmlns:a14="http://schemas.microsoft.com/office/drawing/2010/main">
+              <a14:hiddenFill xmlns:a14="http://schemas.microsoft.com/office/drawing/2010/main" xmlns="">
                 <a:solidFill>
                   <a:srgbClr val="FFFFFF"/>
                 </a:solidFill>
               </a14:hiddenFill>
             </a:ext>
             <a:ext uri="{91240B29-F687-4f45-9708-019B960494DF}">
-              <a14:hiddenLine xmlns="" xmlns:a14="http://schemas.microsoft.com/office/drawing/2010/main" w="31750" algn="ctr">
+              <a14:hiddenLine xmlns:a14="http://schemas.microsoft.com/office/drawing/2010/main" xmlns="" w="31750" algn="ctr">
                 <a:solidFill>
                   <a:srgbClr val="3B4B54"/>
                 </a:solidFill>
@@ -1953,7 +1953,7 @@
               </a14:hiddenLine>
             </a:ext>
             <a:ext uri="{AF507438-7753-43e0-B8FC-AC1667EBCBE1}">
-              <a14:hiddenEffects xmlns="" xmlns:a14="http://schemas.microsoft.com/office/drawing/2010/main">
+              <a14:hiddenEffects xmlns:a14="http://schemas.microsoft.com/office/drawing/2010/main" xmlns="">
                 <a:effectLst>
                   <a:outerShdw dist="35921" dir="2700000" algn="ctr" rotWithShape="0">
                     <a:schemeClr val="bg2"/>
@@ -2167,14 +2167,14 @@
           <a:effectLst/>
           <a:extLst>
             <a:ext uri="{909E8E84-426E-40dd-AFC4-6F175D3DCCD1}">
-              <a14:hiddenFill xmlns="" xmlns:a14="http://schemas.microsoft.com/office/drawing/2010/main">
+              <a14:hiddenFill xmlns:a14="http://schemas.microsoft.com/office/drawing/2010/main" xmlns="">
                 <a:solidFill>
                   <a:srgbClr val="CCECFF"/>
                 </a:solidFill>
               </a14:hiddenFill>
             </a:ext>
             <a:ext uri="{91240B29-F687-4f45-9708-019B960494DF}">
-              <a14:hiddenLine xmlns="" xmlns:a14="http://schemas.microsoft.com/office/drawing/2010/main" w="31750" algn="ctr">
+              <a14:hiddenLine xmlns:a14="http://schemas.microsoft.com/office/drawing/2010/main" xmlns="" w="31750" algn="ctr">
                 <a:solidFill>
                   <a:schemeClr val="accent2"/>
                 </a:solidFill>
@@ -2184,7 +2184,7 @@
               </a14:hiddenLine>
             </a:ext>
             <a:ext uri="{AF507438-7753-43e0-B8FC-AC1667EBCBE1}">
-              <a14:hiddenEffects xmlns="" xmlns:a14="http://schemas.microsoft.com/office/drawing/2010/main">
+              <a14:hiddenEffects xmlns:a14="http://schemas.microsoft.com/office/drawing/2010/main" xmlns="">
                 <a:effectLst>
                   <a:outerShdw dist="35921" dir="2700000" algn="ctr" rotWithShape="0">
                     <a:schemeClr val="bg2"/>
@@ -2431,14 +2431,14 @@
           </a:ln>
           <a:extLst>
             <a:ext uri="{909E8E84-426E-40dd-AFC4-6F175D3DCCD1}">
-              <a14:hiddenFill xmlns="" xmlns:a14="http://schemas.microsoft.com/office/drawing/2010/main">
+              <a14:hiddenFill xmlns:a14="http://schemas.microsoft.com/office/drawing/2010/main" xmlns="">
                 <a:solidFill>
                   <a:srgbClr val="FFFFFF"/>
                 </a:solidFill>
               </a14:hiddenFill>
             </a:ext>
             <a:ext uri="{91240B29-F687-4f45-9708-019B960494DF}">
-              <a14:hiddenLine xmlns="" xmlns:a14="http://schemas.microsoft.com/office/drawing/2010/main" w="9525">
+              <a14:hiddenLine xmlns:a14="http://schemas.microsoft.com/office/drawing/2010/main" xmlns="" w="9525">
                 <a:solidFill>
                   <a:srgbClr val="000000"/>
                 </a:solidFill>
@@ -2553,12 +2553,12 @@
           <a:effectLst/>
           <a:extLst>
             <a:ext uri="{909E8E84-426E-40dd-AFC4-6F175D3DCCD1}">
-              <a14:hiddenFill xmlns="" xmlns:a14="http://schemas.microsoft.com/office/drawing/2010/main">
+              <a14:hiddenFill xmlns:a14="http://schemas.microsoft.com/office/drawing/2010/main" xmlns="">
                 <a:noFill/>
               </a14:hiddenFill>
             </a:ext>
             <a:ext uri="{AF507438-7753-43e0-B8FC-AC1667EBCBE1}">
-              <a14:hiddenEffects xmlns="" xmlns:a14="http://schemas.microsoft.com/office/drawing/2010/main">
+              <a14:hiddenEffects xmlns:a14="http://schemas.microsoft.com/office/drawing/2010/main" xmlns="">
                 <a:effectLst>
                   <a:outerShdw dist="35921" dir="2700000" algn="ctr" rotWithShape="0">
                     <a:schemeClr val="bg2"/>
@@ -2679,14 +2679,14 @@
           </a:ln>
           <a:extLst>
             <a:ext uri="{909E8E84-426E-40dd-AFC4-6F175D3DCCD1}">
-              <a14:hiddenFill xmlns="" xmlns:a14="http://schemas.microsoft.com/office/drawing/2010/main">
+              <a14:hiddenFill xmlns:a14="http://schemas.microsoft.com/office/drawing/2010/main" xmlns="">
                 <a:solidFill>
                   <a:srgbClr val="FFFFFF"/>
                 </a:solidFill>
               </a14:hiddenFill>
             </a:ext>
             <a:ext uri="{91240B29-F687-4f45-9708-019B960494DF}">
-              <a14:hiddenLine xmlns="" xmlns:a14="http://schemas.microsoft.com/office/drawing/2010/main" w="9525">
+              <a14:hiddenLine xmlns:a14="http://schemas.microsoft.com/office/drawing/2010/main" xmlns="" w="9525">
                 <a:solidFill>
                   <a:srgbClr val="000000"/>
                 </a:solidFill>
@@ -2732,7 +2732,7 @@
           </a:effectLst>
           <a:extLst>
             <a:ext uri="{909E8E84-426E-40dd-AFC4-6F175D3DCCD1}">
-              <a14:hiddenFill xmlns="" xmlns:a14="http://schemas.microsoft.com/office/drawing/2010/main">
+              <a14:hiddenFill xmlns:a14="http://schemas.microsoft.com/office/drawing/2010/main" xmlns="">
                 <a:noFill/>
               </a14:hiddenFill>
             </a:ext>
@@ -3029,14 +3029,14 @@
           <a:effectLst/>
           <a:extLst>
             <a:ext uri="{909E8E84-426E-40dd-AFC4-6F175D3DCCD1}">
-              <a14:hiddenFill xmlns="" xmlns:a14="http://schemas.microsoft.com/office/drawing/2010/main">
+              <a14:hiddenFill xmlns:a14="http://schemas.microsoft.com/office/drawing/2010/main" xmlns="">
                 <a:solidFill>
                   <a:schemeClr val="accent1"/>
                 </a:solidFill>
               </a14:hiddenFill>
             </a:ext>
             <a:ext uri="{91240B29-F687-4f45-9708-019B960494DF}">
-              <a14:hiddenLine xmlns="" xmlns:a14="http://schemas.microsoft.com/office/drawing/2010/main" w="9525">
+              <a14:hiddenLine xmlns:a14="http://schemas.microsoft.com/office/drawing/2010/main" xmlns="" w="9525">
                 <a:solidFill>
                   <a:schemeClr val="tx1"/>
                 </a:solidFill>
@@ -3046,7 +3046,7 @@
               </a14:hiddenLine>
             </a:ext>
             <a:ext uri="{AF507438-7753-43e0-B8FC-AC1667EBCBE1}">
-              <a14:hiddenEffects xmlns="" xmlns:a14="http://schemas.microsoft.com/office/drawing/2010/main">
+              <a14:hiddenEffects xmlns:a14="http://schemas.microsoft.com/office/drawing/2010/main" xmlns="">
                 <a:effectLst>
                   <a:outerShdw dist="35921" dir="2700000" algn="ctr" rotWithShape="0">
                     <a:schemeClr val="bg2"/>
@@ -3097,14 +3097,14 @@
           <a:effectLst/>
           <a:extLst>
             <a:ext uri="{909E8E84-426E-40dd-AFC4-6F175D3DCCD1}">
-              <a14:hiddenFill xmlns="" xmlns:a14="http://schemas.microsoft.com/office/drawing/2010/main">
+              <a14:hiddenFill xmlns:a14="http://schemas.microsoft.com/office/drawing/2010/main" xmlns="">
                 <a:solidFill>
                   <a:schemeClr val="accent1"/>
                 </a:solidFill>
               </a14:hiddenFill>
             </a:ext>
             <a:ext uri="{91240B29-F687-4f45-9708-019B960494DF}">
-              <a14:hiddenLine xmlns="" xmlns:a14="http://schemas.microsoft.com/office/drawing/2010/main" w="9525">
+              <a14:hiddenLine xmlns:a14="http://schemas.microsoft.com/office/drawing/2010/main" xmlns="" w="9525">
                 <a:solidFill>
                   <a:schemeClr val="tx1"/>
                 </a:solidFill>
@@ -3114,7 +3114,7 @@
               </a14:hiddenLine>
             </a:ext>
             <a:ext uri="{AF507438-7753-43e0-B8FC-AC1667EBCBE1}">
-              <a14:hiddenEffects xmlns="" xmlns:a14="http://schemas.microsoft.com/office/drawing/2010/main">
+              <a14:hiddenEffects xmlns:a14="http://schemas.microsoft.com/office/drawing/2010/main" xmlns="">
                 <a:effectLst>
                   <a:outerShdw dist="35921" dir="2700000" algn="ctr" rotWithShape="0">
                     <a:schemeClr val="bg2"/>
@@ -3213,12 +3213,12 @@
           <a:effectLst/>
           <a:extLst>
             <a:ext uri="{909E8E84-426E-40dd-AFC4-6F175D3DCCD1}">
-              <a14:hiddenFill xmlns="" xmlns:a14="http://schemas.microsoft.com/office/drawing/2010/main">
+              <a14:hiddenFill xmlns:a14="http://schemas.microsoft.com/office/drawing/2010/main" xmlns="">
                 <a:noFill/>
               </a14:hiddenFill>
             </a:ext>
             <a:ext uri="{AF507438-7753-43e0-B8FC-AC1667EBCBE1}">
-              <a14:hiddenEffects xmlns="" xmlns:a14="http://schemas.microsoft.com/office/drawing/2010/main">
+              <a14:hiddenEffects xmlns:a14="http://schemas.microsoft.com/office/drawing/2010/main" xmlns="">
                 <a:effectLst>
                   <a:outerShdw dist="35921" dir="2700000" algn="ctr" rotWithShape="0">
                     <a:schemeClr val="bg2"/>
@@ -3432,14 +3432,14 @@
           <a:effectLst/>
           <a:extLst>
             <a:ext uri="{909E8E84-426E-40dd-AFC4-6F175D3DCCD1}">
-              <a14:hiddenFill xmlns="" xmlns:a14="http://schemas.microsoft.com/office/drawing/2010/main">
+              <a14:hiddenFill xmlns:a14="http://schemas.microsoft.com/office/drawing/2010/main" xmlns="">
                 <a:solidFill>
                   <a:schemeClr val="accent1"/>
                 </a:solidFill>
               </a14:hiddenFill>
             </a:ext>
             <a:ext uri="{91240B29-F687-4f45-9708-019B960494DF}">
-              <a14:hiddenLine xmlns="" xmlns:a14="http://schemas.microsoft.com/office/drawing/2010/main" w="9525">
+              <a14:hiddenLine xmlns:a14="http://schemas.microsoft.com/office/drawing/2010/main" xmlns="" w="9525">
                 <a:solidFill>
                   <a:schemeClr val="tx1"/>
                 </a:solidFill>
@@ -3449,7 +3449,7 @@
               </a14:hiddenLine>
             </a:ext>
             <a:ext uri="{AF507438-7753-43e0-B8FC-AC1667EBCBE1}">
-              <a14:hiddenEffects xmlns="" xmlns:a14="http://schemas.microsoft.com/office/drawing/2010/main">
+              <a14:hiddenEffects xmlns:a14="http://schemas.microsoft.com/office/drawing/2010/main" xmlns="">
                 <a:effectLst>
                   <a:outerShdw dist="35921" dir="2700000" algn="ctr" rotWithShape="0">
                     <a:schemeClr val="bg2"/>
@@ -3693,14 +3693,14 @@
           </a:ln>
           <a:extLst>
             <a:ext uri="{909E8E84-426E-40dd-AFC4-6F175D3DCCD1}">
-              <a14:hiddenFill xmlns="" xmlns:a14="http://schemas.microsoft.com/office/drawing/2010/main">
+              <a14:hiddenFill xmlns:a14="http://schemas.microsoft.com/office/drawing/2010/main" xmlns="">
                 <a:solidFill>
                   <a:srgbClr val="FFFFFF"/>
                 </a:solidFill>
               </a14:hiddenFill>
             </a:ext>
             <a:ext uri="{91240B29-F687-4f45-9708-019B960494DF}">
-              <a14:hiddenLine xmlns="" xmlns:a14="http://schemas.microsoft.com/office/drawing/2010/main" w="9525">
+              <a14:hiddenLine xmlns:a14="http://schemas.microsoft.com/office/drawing/2010/main" xmlns="" w="9525">
                 <a:solidFill>
                   <a:srgbClr val="000000"/>
                 </a:solidFill>
@@ -3747,14 +3747,14 @@
           </a:ln>
           <a:extLst>
             <a:ext uri="{909E8E84-426E-40dd-AFC4-6F175D3DCCD1}">
-              <a14:hiddenFill xmlns="" xmlns:a14="http://schemas.microsoft.com/office/drawing/2010/main">
+              <a14:hiddenFill xmlns:a14="http://schemas.microsoft.com/office/drawing/2010/main" xmlns="">
                 <a:solidFill>
                   <a:srgbClr val="FFFFFF"/>
                 </a:solidFill>
               </a14:hiddenFill>
             </a:ext>
             <a:ext uri="{91240B29-F687-4f45-9708-019B960494DF}">
-              <a14:hiddenLine xmlns="" xmlns:a14="http://schemas.microsoft.com/office/drawing/2010/main" w="9525">
+              <a14:hiddenLine xmlns:a14="http://schemas.microsoft.com/office/drawing/2010/main" xmlns="" w="9525">
                 <a:solidFill>
                   <a:srgbClr val="000000"/>
                 </a:solidFill>
@@ -3789,14 +3789,14 @@
           <a:effectLst/>
           <a:extLst>
             <a:ext uri="{909E8E84-426E-40dd-AFC4-6F175D3DCCD1}">
-              <a14:hiddenFill xmlns="" xmlns:a14="http://schemas.microsoft.com/office/drawing/2010/main">
+              <a14:hiddenFill xmlns:a14="http://schemas.microsoft.com/office/drawing/2010/main" xmlns="">
                 <a:solidFill>
                   <a:schemeClr val="accent1"/>
                 </a:solidFill>
               </a14:hiddenFill>
             </a:ext>
             <a:ext uri="{91240B29-F687-4f45-9708-019B960494DF}">
-              <a14:hiddenLine xmlns="" xmlns:a14="http://schemas.microsoft.com/office/drawing/2010/main" w="9525" algn="ctr">
+              <a14:hiddenLine xmlns:a14="http://schemas.microsoft.com/office/drawing/2010/main" xmlns="" w="9525" algn="ctr">
                 <a:solidFill>
                   <a:schemeClr val="tx1"/>
                 </a:solidFill>
@@ -3806,7 +3806,7 @@
               </a14:hiddenLine>
             </a:ext>
             <a:ext uri="{AF507438-7753-43e0-B8FC-AC1667EBCBE1}">
-              <a14:hiddenEffects xmlns="" xmlns:a14="http://schemas.microsoft.com/office/drawing/2010/main">
+              <a14:hiddenEffects xmlns:a14="http://schemas.microsoft.com/office/drawing/2010/main" xmlns="">
                 <a:effectLst>
                   <a:outerShdw dist="35921" dir="2700000" algn="ctr" rotWithShape="0">
                     <a:schemeClr val="bg2"/>
@@ -4007,14 +4007,14 @@
           <a:effectLst/>
           <a:extLst>
             <a:ext uri="{909E8E84-426E-40dd-AFC4-6F175D3DCCD1}">
-              <a14:hiddenFill xmlns="" xmlns:a14="http://schemas.microsoft.com/office/drawing/2010/main">
+              <a14:hiddenFill xmlns:a14="http://schemas.microsoft.com/office/drawing/2010/main" xmlns="">
                 <a:solidFill>
                   <a:srgbClr val="FFFFFF"/>
                 </a:solidFill>
               </a14:hiddenFill>
             </a:ext>
             <a:ext uri="{91240B29-F687-4f45-9708-019B960494DF}">
-              <a14:hiddenLine xmlns="" xmlns:a14="http://schemas.microsoft.com/office/drawing/2010/main" w="31750" algn="ctr">
+              <a14:hiddenLine xmlns:a14="http://schemas.microsoft.com/office/drawing/2010/main" xmlns="" w="31750" algn="ctr">
                 <a:solidFill>
                   <a:srgbClr val="3B4B54"/>
                 </a:solidFill>
@@ -4024,7 +4024,7 @@
               </a14:hiddenLine>
             </a:ext>
             <a:ext uri="{AF507438-7753-43e0-B8FC-AC1667EBCBE1}">
-              <a14:hiddenEffects xmlns="" xmlns:a14="http://schemas.microsoft.com/office/drawing/2010/main">
+              <a14:hiddenEffects xmlns:a14="http://schemas.microsoft.com/office/drawing/2010/main" xmlns="">
                 <a:effectLst>
                   <a:outerShdw dist="35921" dir="2700000" algn="ctr" rotWithShape="0">
                     <a:schemeClr val="bg2"/>
@@ -4255,14 +4255,14 @@
           <a:effectLst/>
           <a:extLst>
             <a:ext uri="{909E8E84-426E-40dd-AFC4-6F175D3DCCD1}">
-              <a14:hiddenFill xmlns="" xmlns:a14="http://schemas.microsoft.com/office/drawing/2010/main">
+              <a14:hiddenFill xmlns:a14="http://schemas.microsoft.com/office/drawing/2010/main" xmlns="">
                 <a:solidFill>
                   <a:srgbClr val="FFFFFF"/>
                 </a:solidFill>
               </a14:hiddenFill>
             </a:ext>
             <a:ext uri="{91240B29-F687-4f45-9708-019B960494DF}">
-              <a14:hiddenLine xmlns="" xmlns:a14="http://schemas.microsoft.com/office/drawing/2010/main" w="31750" algn="ctr">
+              <a14:hiddenLine xmlns:a14="http://schemas.microsoft.com/office/drawing/2010/main" xmlns="" w="31750" algn="ctr">
                 <a:solidFill>
                   <a:srgbClr val="3B4B54"/>
                 </a:solidFill>
@@ -4272,7 +4272,7 @@
               </a14:hiddenLine>
             </a:ext>
             <a:ext uri="{AF507438-7753-43e0-B8FC-AC1667EBCBE1}">
-              <a14:hiddenEffects xmlns="" xmlns:a14="http://schemas.microsoft.com/office/drawing/2010/main">
+              <a14:hiddenEffects xmlns:a14="http://schemas.microsoft.com/office/drawing/2010/main" xmlns="">
                 <a:effectLst>
                   <a:outerShdw dist="35921" dir="2700000" algn="ctr" rotWithShape="0">
                     <a:schemeClr val="bg2"/>
@@ -5391,7 +5391,7 @@
           <a:effectLst/>
           <a:extLst>
             <a:ext uri="{AF507438-7753-43e0-B8FC-AC1667EBCBE1}">
-              <a14:hiddenEffects xmlns="" xmlns:a14="http://schemas.microsoft.com/office/drawing/2010/main">
+              <a14:hiddenEffects xmlns:a14="http://schemas.microsoft.com/office/drawing/2010/main" xmlns="">
                 <a:effectLst>
                   <a:outerShdw dist="35921" dir="2700000" algn="ctr" rotWithShape="0">
                     <a:schemeClr val="bg2"/>
@@ -5478,7 +5478,7 @@
           <a:effectLst/>
           <a:extLst>
             <a:ext uri="{AF507438-7753-43e0-B8FC-AC1667EBCBE1}">
-              <a14:hiddenEffects xmlns="" xmlns:a14="http://schemas.microsoft.com/office/drawing/2010/main">
+              <a14:hiddenEffects xmlns:a14="http://schemas.microsoft.com/office/drawing/2010/main" xmlns="">
                 <a:effectLst>
                   <a:outerShdw dist="35921" dir="2700000" algn="ctr" rotWithShape="0">
                     <a:schemeClr val="bg2"/>
@@ -5694,7 +5694,7 @@
           <a:effectLst/>
           <a:extLst>
             <a:ext uri="{AF507438-7753-43e0-B8FC-AC1667EBCBE1}">
-              <a14:hiddenEffects xmlns="" xmlns:a14="http://schemas.microsoft.com/office/drawing/2010/main">
+              <a14:hiddenEffects xmlns:a14="http://schemas.microsoft.com/office/drawing/2010/main" xmlns="">
                 <a:effectLst>
                   <a:outerShdw dist="35921" dir="2700000" algn="ctr" rotWithShape="0">
                     <a:schemeClr val="bg2"/>
@@ -5770,7 +5770,7 @@
           <a:effectLst/>
           <a:extLst>
             <a:ext uri="{AF507438-7753-43e0-B8FC-AC1667EBCBE1}">
-              <a14:hiddenEffects xmlns="" xmlns:a14="http://schemas.microsoft.com/office/drawing/2010/main">
+              <a14:hiddenEffects xmlns:a14="http://schemas.microsoft.com/office/drawing/2010/main" xmlns="">
                 <a:effectLst>
                   <a:outerShdw dist="35921" dir="2700000" algn="ctr" rotWithShape="0">
                     <a:schemeClr val="bg2"/>
@@ -5846,7 +5846,7 @@
           <a:effectLst/>
           <a:extLst>
             <a:ext uri="{AF507438-7753-43e0-B8FC-AC1667EBCBE1}">
-              <a14:hiddenEffects xmlns="" xmlns:a14="http://schemas.microsoft.com/office/drawing/2010/main">
+              <a14:hiddenEffects xmlns:a14="http://schemas.microsoft.com/office/drawing/2010/main" xmlns="">
                 <a:effectLst>
                   <a:outerShdw dist="35921" dir="2700000" algn="ctr" rotWithShape="0">
                     <a:schemeClr val="bg2"/>
@@ -5922,7 +5922,7 @@
           <a:effectLst/>
           <a:extLst>
             <a:ext uri="{AF507438-7753-43e0-B8FC-AC1667EBCBE1}">
-              <a14:hiddenEffects xmlns="" xmlns:a14="http://schemas.microsoft.com/office/drawing/2010/main">
+              <a14:hiddenEffects xmlns:a14="http://schemas.microsoft.com/office/drawing/2010/main" xmlns="">
                 <a:effectLst>
                   <a:outerShdw dist="35921" dir="2700000" algn="ctr" rotWithShape="0">
                     <a:schemeClr val="bg2"/>
@@ -6000,7 +6000,7 @@
           <a:effectLst/>
           <a:extLst>
             <a:ext uri="{AF507438-7753-43e0-B8FC-AC1667EBCBE1}">
-              <a14:hiddenEffects xmlns="" xmlns:a14="http://schemas.microsoft.com/office/drawing/2010/main">
+              <a14:hiddenEffects xmlns:a14="http://schemas.microsoft.com/office/drawing/2010/main" xmlns="">
                 <a:effectLst>
                   <a:outerShdw dist="35921" dir="2700000" algn="ctr" rotWithShape="0">
                     <a:schemeClr val="bg2"/>
@@ -6040,7 +6040,7 @@
           <a:effectLst/>
           <a:extLst>
             <a:ext uri="{AF507438-7753-43e0-B8FC-AC1667EBCBE1}">
-              <a14:hiddenEffects xmlns="" xmlns:a14="http://schemas.microsoft.com/office/drawing/2010/main">
+              <a14:hiddenEffects xmlns:a14="http://schemas.microsoft.com/office/drawing/2010/main" xmlns="">
                 <a:effectLst>
                   <a:outerShdw dist="35921" dir="2700000" algn="ctr" rotWithShape="0">
                     <a:schemeClr val="bg2"/>
@@ -6083,7 +6083,7 @@
           <a:effectLst/>
           <a:extLst>
             <a:ext uri="{AF507438-7753-43e0-B8FC-AC1667EBCBE1}">
-              <a14:hiddenEffects xmlns="" xmlns:a14="http://schemas.microsoft.com/office/drawing/2010/main">
+              <a14:hiddenEffects xmlns:a14="http://schemas.microsoft.com/office/drawing/2010/main" xmlns="">
                 <a:effectLst>
                   <a:outerShdw dist="35921" dir="2700000" algn="ctr" rotWithShape="0">
                     <a:schemeClr val="bg2"/>
@@ -6193,7 +6193,7 @@
           <a:effectLst/>
           <a:extLst>
             <a:ext uri="{AF507438-7753-43e0-B8FC-AC1667EBCBE1}">
-              <a14:hiddenEffects xmlns="" xmlns:a14="http://schemas.microsoft.com/office/drawing/2010/main">
+              <a14:hiddenEffects xmlns:a14="http://schemas.microsoft.com/office/drawing/2010/main" xmlns="">
                 <a:effectLst>
                   <a:outerShdw dist="35921" dir="2700000" algn="ctr" rotWithShape="0">
                     <a:schemeClr val="bg2"/>
@@ -6371,7 +6371,7 @@
           <a:effectLst/>
           <a:extLst>
             <a:ext uri="{AF507438-7753-43e0-B8FC-AC1667EBCBE1}">
-              <a14:hiddenEffects xmlns="" xmlns:a14="http://schemas.microsoft.com/office/drawing/2010/main">
+              <a14:hiddenEffects xmlns:a14="http://schemas.microsoft.com/office/drawing/2010/main" xmlns="">
                 <a:effectLst>
                   <a:outerShdw dist="35921" dir="2700000" algn="ctr" rotWithShape="0">
                     <a:schemeClr val="bg2"/>
@@ -6447,7 +6447,7 @@
           <a:effectLst/>
           <a:extLst>
             <a:ext uri="{AF507438-7753-43e0-B8FC-AC1667EBCBE1}">
-              <a14:hiddenEffects xmlns="" xmlns:a14="http://schemas.microsoft.com/office/drawing/2010/main">
+              <a14:hiddenEffects xmlns:a14="http://schemas.microsoft.com/office/drawing/2010/main" xmlns="">
                 <a:effectLst>
                   <a:outerShdw dist="35921" dir="2700000" algn="ctr" rotWithShape="0">
                     <a:schemeClr val="bg2"/>
@@ -6528,7 +6528,7 @@
           <a:effectLst/>
           <a:extLst>
             <a:ext uri="{AF507438-7753-43e0-B8FC-AC1667EBCBE1}">
-              <a14:hiddenEffects xmlns="" xmlns:a14="http://schemas.microsoft.com/office/drawing/2010/main">
+              <a14:hiddenEffects xmlns:a14="http://schemas.microsoft.com/office/drawing/2010/main" xmlns="">
                 <a:effectLst>
                   <a:outerShdw dist="35921" dir="2700000" algn="ctr" rotWithShape="0">
                     <a:schemeClr val="bg2"/>
@@ -6728,7 +6728,7 @@
           <a:effectLst/>
           <a:extLst>
             <a:ext uri="{AF507438-7753-43e0-B8FC-AC1667EBCBE1}">
-              <a14:hiddenEffects xmlns="" xmlns:a14="http://schemas.microsoft.com/office/drawing/2010/main">
+              <a14:hiddenEffects xmlns:a14="http://schemas.microsoft.com/office/drawing/2010/main" xmlns="">
                 <a:effectLst>
                   <a:outerShdw dist="35921" dir="2700000" algn="ctr" rotWithShape="0">
                     <a:schemeClr val="bg2"/>
@@ -6771,7 +6771,7 @@
           <a:effectLst/>
           <a:extLst>
             <a:ext uri="{AF507438-7753-43e0-B8FC-AC1667EBCBE1}">
-              <a14:hiddenEffects xmlns="" xmlns:a14="http://schemas.microsoft.com/office/drawing/2010/main">
+              <a14:hiddenEffects xmlns:a14="http://schemas.microsoft.com/office/drawing/2010/main" xmlns="">
                 <a:effectLst>
                   <a:outerShdw dist="35921" dir="2700000" algn="ctr" rotWithShape="0">
                     <a:schemeClr val="bg2"/>
@@ -6993,7 +6993,7 @@
           <a:effectLst/>
           <a:extLst>
             <a:ext uri="{AF507438-7753-43e0-B8FC-AC1667EBCBE1}">
-              <a14:hiddenEffects xmlns="" xmlns:a14="http://schemas.microsoft.com/office/drawing/2010/main">
+              <a14:hiddenEffects xmlns:a14="http://schemas.microsoft.com/office/drawing/2010/main" xmlns="">
                 <a:effectLst>
                   <a:outerShdw dist="35921" dir="2700000" algn="ctr" rotWithShape="0">
                     <a:schemeClr val="bg2"/>
@@ -7121,7 +7121,7 @@
           <a:effectLst/>
           <a:extLst>
             <a:ext uri="{AF507438-7753-43e0-B8FC-AC1667EBCBE1}">
-              <a14:hiddenEffects xmlns="" xmlns:a14="http://schemas.microsoft.com/office/drawing/2010/main">
+              <a14:hiddenEffects xmlns:a14="http://schemas.microsoft.com/office/drawing/2010/main" xmlns="">
                 <a:effectLst>
                   <a:outerShdw dist="35921" dir="2700000" algn="ctr" rotWithShape="0">
                     <a:schemeClr val="bg2"/>
@@ -7368,7 +7368,7 @@
             <a:effectLst/>
             <a:extLst>
               <a:ext uri="{AF507438-7753-43e0-B8FC-AC1667EBCBE1}">
-                <a14:hiddenEffects xmlns="" xmlns:a14="http://schemas.microsoft.com/office/drawing/2010/main">
+                <a14:hiddenEffects xmlns:a14="http://schemas.microsoft.com/office/drawing/2010/main" xmlns="">
                   <a:effectLst>
                     <a:outerShdw dist="35921" dir="2700000" algn="ctr" rotWithShape="0">
                       <a:schemeClr val="bg2"/>
@@ -7642,7 +7642,7 @@
           <a:effectLst/>
           <a:extLst>
             <a:ext uri="{AF507438-7753-43e0-B8FC-AC1667EBCBE1}">
-              <a14:hiddenEffects xmlns="" xmlns:a14="http://schemas.microsoft.com/office/drawing/2010/main">
+              <a14:hiddenEffects xmlns:a14="http://schemas.microsoft.com/office/drawing/2010/main" xmlns="">
                 <a:effectLst>
                   <a:outerShdw dist="35921" dir="2700000" algn="ctr" rotWithShape="0">
                     <a:schemeClr val="bg2"/>
@@ -7723,7 +7723,7 @@
           <a:effectLst/>
           <a:extLst>
             <a:ext uri="{AF507438-7753-43e0-B8FC-AC1667EBCBE1}">
-              <a14:hiddenEffects xmlns="" xmlns:a14="http://schemas.microsoft.com/office/drawing/2010/main">
+              <a14:hiddenEffects xmlns:a14="http://schemas.microsoft.com/office/drawing/2010/main" xmlns="">
                 <a:effectLst>
                   <a:outerShdw dist="35921" dir="2700000" algn="ctr" rotWithShape="0">
                     <a:schemeClr val="bg2"/>
@@ -7935,7 +7935,7 @@
           <a:effectLst/>
           <a:extLst>
             <a:ext uri="{AF507438-7753-43e0-B8FC-AC1667EBCBE1}">
-              <a14:hiddenEffects xmlns="" xmlns:a14="http://schemas.microsoft.com/office/drawing/2010/main">
+              <a14:hiddenEffects xmlns:a14="http://schemas.microsoft.com/office/drawing/2010/main" xmlns="">
                 <a:effectLst>
                   <a:outerShdw dist="35921" dir="2700000" algn="ctr" rotWithShape="0">
                     <a:schemeClr val="bg2"/>
@@ -8009,7 +8009,7 @@
           <a:effectLst/>
           <a:extLst>
             <a:ext uri="{AF507438-7753-43e0-B8FC-AC1667EBCBE1}">
-              <a14:hiddenEffects xmlns="" xmlns:a14="http://schemas.microsoft.com/office/drawing/2010/main">
+              <a14:hiddenEffects xmlns:a14="http://schemas.microsoft.com/office/drawing/2010/main" xmlns="">
                 <a:effectLst>
                   <a:outerShdw dist="35921" dir="2700000" algn="ctr" rotWithShape="0">
                     <a:schemeClr val="bg2"/>
@@ -8548,7 +8548,7 @@
           <a:effectLst/>
           <a:extLst>
             <a:ext uri="{AF507438-7753-43e0-B8FC-AC1667EBCBE1}">
-              <a14:hiddenEffects xmlns="" xmlns:a14="http://schemas.microsoft.com/office/drawing/2010/main">
+              <a14:hiddenEffects xmlns:a14="http://schemas.microsoft.com/office/drawing/2010/main" xmlns="">
                 <a:effectLst>
                   <a:outerShdw dist="35921" dir="2700000" algn="ctr" rotWithShape="0">
                     <a:schemeClr val="bg2"/>
@@ -8720,7 +8720,7 @@
           <a:effectLst/>
           <a:extLst>
             <a:ext uri="{AF507438-7753-43e0-B8FC-AC1667EBCBE1}">
-              <a14:hiddenEffects xmlns="" xmlns:a14="http://schemas.microsoft.com/office/drawing/2010/main">
+              <a14:hiddenEffects xmlns:a14="http://schemas.microsoft.com/office/drawing/2010/main" xmlns="">
                 <a:effectLst>
                   <a:outerShdw dist="35921" dir="2700000" algn="ctr" rotWithShape="0">
                     <a:schemeClr val="bg2"/>
@@ -8788,7 +8788,7 @@
           <a:effectLst/>
           <a:extLst>
             <a:ext uri="{AF507438-7753-43e0-B8FC-AC1667EBCBE1}">
-              <a14:hiddenEffects xmlns="" xmlns:a14="http://schemas.microsoft.com/office/drawing/2010/main">
+              <a14:hiddenEffects xmlns:a14="http://schemas.microsoft.com/office/drawing/2010/main" xmlns="">
                 <a:effectLst>
                   <a:outerShdw dist="35921" dir="2700000" algn="ctr" rotWithShape="0">
                     <a:schemeClr val="bg2"/>
@@ -8966,7 +8966,7 @@
           <a:effectLst/>
           <a:extLst>
             <a:ext uri="{AF507438-7753-43e0-B8FC-AC1667EBCBE1}">
-              <a14:hiddenEffects xmlns="" xmlns:a14="http://schemas.microsoft.com/office/drawing/2010/main">
+              <a14:hiddenEffects xmlns:a14="http://schemas.microsoft.com/office/drawing/2010/main" xmlns="">
                 <a:effectLst>
                   <a:outerShdw dist="35921" dir="2700000" algn="ctr" rotWithShape="0">
                     <a:schemeClr val="bg2"/>
@@ -9126,7 +9126,7 @@
           <a:effectLst/>
           <a:extLst>
             <a:ext uri="{AF507438-7753-43e0-B8FC-AC1667EBCBE1}">
-              <a14:hiddenEffects xmlns="" xmlns:a14="http://schemas.microsoft.com/office/drawing/2010/main">
+              <a14:hiddenEffects xmlns:a14="http://schemas.microsoft.com/office/drawing/2010/main" xmlns="">
                 <a:effectLst>
                   <a:outerShdw dist="35921" dir="2700000" algn="ctr" rotWithShape="0">
                     <a:schemeClr val="bg2"/>
@@ -9194,7 +9194,7 @@
           <a:effectLst/>
           <a:extLst>
             <a:ext uri="{AF507438-7753-43e0-B8FC-AC1667EBCBE1}">
-              <a14:hiddenEffects xmlns="" xmlns:a14="http://schemas.microsoft.com/office/drawing/2010/main">
+              <a14:hiddenEffects xmlns:a14="http://schemas.microsoft.com/office/drawing/2010/main" xmlns="">
                 <a:effectLst>
                   <a:outerShdw dist="35921" dir="2700000" algn="ctr" rotWithShape="0">
                     <a:schemeClr val="bg2"/>
@@ -9262,7 +9262,7 @@
           <a:effectLst/>
           <a:extLst>
             <a:ext uri="{AF507438-7753-43e0-B8FC-AC1667EBCBE1}">
-              <a14:hiddenEffects xmlns="" xmlns:a14="http://schemas.microsoft.com/office/drawing/2010/main">
+              <a14:hiddenEffects xmlns:a14="http://schemas.microsoft.com/office/drawing/2010/main" xmlns="">
                 <a:effectLst>
                   <a:outerShdw dist="35921" dir="2700000" algn="ctr" rotWithShape="0">
                     <a:schemeClr val="bg2"/>
@@ -14028,14 +14028,14 @@
           <a:effectLst/>
           <a:extLst>
             <a:ext uri="{909E8E84-426E-40dd-AFC4-6F175D3DCCD1}">
-              <a14:hiddenFill xmlns="" xmlns:a14="http://schemas.microsoft.com/office/drawing/2010/main">
+              <a14:hiddenFill xmlns:a14="http://schemas.microsoft.com/office/drawing/2010/main" xmlns="">
                 <a:solidFill>
                   <a:schemeClr val="accent1"/>
                 </a:solidFill>
               </a14:hiddenFill>
             </a:ext>
             <a:ext uri="{91240B29-F687-4f45-9708-019B960494DF}">
-              <a14:hiddenLine xmlns="" xmlns:a14="http://schemas.microsoft.com/office/drawing/2010/main" w="9525">
+              <a14:hiddenLine xmlns:a14="http://schemas.microsoft.com/office/drawing/2010/main" xmlns="" w="9525">
                 <a:solidFill>
                   <a:schemeClr val="tx1"/>
                 </a:solidFill>
@@ -14045,7 +14045,7 @@
               </a14:hiddenLine>
             </a:ext>
             <a:ext uri="{AF507438-7753-43e0-B8FC-AC1667EBCBE1}">
-              <a14:hiddenEffects xmlns="" xmlns:a14="http://schemas.microsoft.com/office/drawing/2010/main">
+              <a14:hiddenEffects xmlns:a14="http://schemas.microsoft.com/office/drawing/2010/main" xmlns="">
                 <a:effectLst>
                   <a:outerShdw dist="35921" dir="2700000" algn="ctr" rotWithShape="0">
                     <a:schemeClr val="bg2"/>
@@ -15443,7 +15443,7 @@
           <a:effectLst/>
           <a:extLst>
             <a:ext uri="{AF507438-7753-43e0-B8FC-AC1667EBCBE1}">
-              <a14:hiddenEffects xmlns="" xmlns:a14="http://schemas.microsoft.com/office/drawing/2010/main">
+              <a14:hiddenEffects xmlns:a14="http://schemas.microsoft.com/office/drawing/2010/main" xmlns="">
                 <a:effectLst>
                   <a:outerShdw dist="35921" dir="2700000" algn="ctr" rotWithShape="0">
                     <a:schemeClr val="bg2"/>
@@ -15869,7 +15869,7 @@
           <a:effectLst/>
           <a:extLst>
             <a:ext uri="{AF507438-7753-43e0-B8FC-AC1667EBCBE1}">
-              <a14:hiddenEffects xmlns="" xmlns:a14="http://schemas.microsoft.com/office/drawing/2010/main">
+              <a14:hiddenEffects xmlns:a14="http://schemas.microsoft.com/office/drawing/2010/main" xmlns="">
                 <a:effectLst>
                   <a:outerShdw dist="35921" dir="2700000" algn="ctr" rotWithShape="0">
                     <a:schemeClr val="bg2"/>
@@ -15945,7 +15945,7 @@
           <a:effectLst/>
           <a:extLst>
             <a:ext uri="{AF507438-7753-43e0-B8FC-AC1667EBCBE1}">
-              <a14:hiddenEffects xmlns="" xmlns:a14="http://schemas.microsoft.com/office/drawing/2010/main">
+              <a14:hiddenEffects xmlns:a14="http://schemas.microsoft.com/office/drawing/2010/main" xmlns="">
                 <a:effectLst>
                   <a:outerShdw dist="35921" dir="2700000" algn="ctr" rotWithShape="0">
                     <a:schemeClr val="bg2"/>
@@ -16021,7 +16021,7 @@
           <a:effectLst/>
           <a:extLst>
             <a:ext uri="{AF507438-7753-43e0-B8FC-AC1667EBCBE1}">
-              <a14:hiddenEffects xmlns="" xmlns:a14="http://schemas.microsoft.com/office/drawing/2010/main">
+              <a14:hiddenEffects xmlns:a14="http://schemas.microsoft.com/office/drawing/2010/main" xmlns="">
                 <a:effectLst>
                   <a:outerShdw dist="35921" dir="2700000" algn="ctr" rotWithShape="0">
                     <a:schemeClr val="bg2"/>
@@ -16097,7 +16097,7 @@
           <a:effectLst/>
           <a:extLst>
             <a:ext uri="{AF507438-7753-43e0-B8FC-AC1667EBCBE1}">
-              <a14:hiddenEffects xmlns="" xmlns:a14="http://schemas.microsoft.com/office/drawing/2010/main">
+              <a14:hiddenEffects xmlns:a14="http://schemas.microsoft.com/office/drawing/2010/main" xmlns="">
                 <a:effectLst>
                   <a:outerShdw dist="35921" dir="2700000" algn="ctr" rotWithShape="0">
                     <a:schemeClr val="bg2"/>
@@ -16178,7 +16178,7 @@
           <a:effectLst/>
           <a:extLst>
             <a:ext uri="{AF507438-7753-43e0-B8FC-AC1667EBCBE1}">
-              <a14:hiddenEffects xmlns="" xmlns:a14="http://schemas.microsoft.com/office/drawing/2010/main">
+              <a14:hiddenEffects xmlns:a14="http://schemas.microsoft.com/office/drawing/2010/main" xmlns="">
                 <a:effectLst>
                   <a:outerShdw dist="35921" dir="2700000" algn="ctr" rotWithShape="0">
                     <a:schemeClr val="bg2"/>
@@ -16664,7 +16664,7 @@
           <a:effectLst/>
           <a:extLst>
             <a:ext uri="{AF507438-7753-43e0-B8FC-AC1667EBCBE1}">
-              <a14:hiddenEffects xmlns="" xmlns:a14="http://schemas.microsoft.com/office/drawing/2010/main">
+              <a14:hiddenEffects xmlns:a14="http://schemas.microsoft.com/office/drawing/2010/main" xmlns="">
                 <a:effectLst>
                   <a:outerShdw dist="35921" dir="2700000" algn="ctr" rotWithShape="0">
                     <a:schemeClr val="bg2"/>
@@ -16745,7 +16745,7 @@
           <a:effectLst/>
           <a:extLst>
             <a:ext uri="{AF507438-7753-43e0-B8FC-AC1667EBCBE1}">
-              <a14:hiddenEffects xmlns="" xmlns:a14="http://schemas.microsoft.com/office/drawing/2010/main">
+              <a14:hiddenEffects xmlns:a14="http://schemas.microsoft.com/office/drawing/2010/main" xmlns="">
                 <a:effectLst>
                   <a:outerShdw dist="35921" dir="2700000" algn="ctr" rotWithShape="0">
                     <a:schemeClr val="bg2"/>
@@ -16953,7 +16953,7 @@
           <a:effectLst/>
           <a:extLst>
             <a:ext uri="{AF507438-7753-43e0-B8FC-AC1667EBCBE1}">
-              <a14:hiddenEffects xmlns="" xmlns:a14="http://schemas.microsoft.com/office/drawing/2010/main">
+              <a14:hiddenEffects xmlns:a14="http://schemas.microsoft.com/office/drawing/2010/main" xmlns="">
                 <a:effectLst>
                   <a:outerShdw dist="35921" dir="2700000" algn="ctr" rotWithShape="0">
                     <a:schemeClr val="bg2"/>
@@ -17029,7 +17029,7 @@
           <a:effectLst/>
           <a:extLst>
             <a:ext uri="{AF507438-7753-43e0-B8FC-AC1667EBCBE1}">
-              <a14:hiddenEffects xmlns="" xmlns:a14="http://schemas.microsoft.com/office/drawing/2010/main">
+              <a14:hiddenEffects xmlns:a14="http://schemas.microsoft.com/office/drawing/2010/main" xmlns="">
                 <a:effectLst>
                   <a:outerShdw dist="35921" dir="2700000" algn="ctr" rotWithShape="0">
                     <a:schemeClr val="bg2"/>
@@ -17105,7 +17105,7 @@
           <a:effectLst/>
           <a:extLst>
             <a:ext uri="{AF507438-7753-43e0-B8FC-AC1667EBCBE1}">
-              <a14:hiddenEffects xmlns="" xmlns:a14="http://schemas.microsoft.com/office/drawing/2010/main">
+              <a14:hiddenEffects xmlns:a14="http://schemas.microsoft.com/office/drawing/2010/main" xmlns="">
                 <a:effectLst>
                   <a:outerShdw dist="35921" dir="2700000" algn="ctr" rotWithShape="0">
                     <a:schemeClr val="bg2"/>
@@ -17183,7 +17183,7 @@
           <a:effectLst/>
           <a:extLst>
             <a:ext uri="{AF507438-7753-43e0-B8FC-AC1667EBCBE1}">
-              <a14:hiddenEffects xmlns="" xmlns:a14="http://schemas.microsoft.com/office/drawing/2010/main">
+              <a14:hiddenEffects xmlns:a14="http://schemas.microsoft.com/office/drawing/2010/main" xmlns="">
                 <a:effectLst>
                   <a:outerShdw dist="35921" dir="2700000" algn="ctr" rotWithShape="0">
                     <a:schemeClr val="bg2"/>
@@ -17226,7 +17226,7 @@
           <a:effectLst/>
           <a:extLst>
             <a:ext uri="{AF507438-7753-43e0-B8FC-AC1667EBCBE1}">
-              <a14:hiddenEffects xmlns="" xmlns:a14="http://schemas.microsoft.com/office/drawing/2010/main">
+              <a14:hiddenEffects xmlns:a14="http://schemas.microsoft.com/office/drawing/2010/main" xmlns="">
                 <a:effectLst>
                   <a:outerShdw dist="35921" dir="2700000" algn="ctr" rotWithShape="0">
                     <a:schemeClr val="bg2"/>
@@ -17506,7 +17506,7 @@
           <a:effectLst/>
           <a:extLst>
             <a:ext uri="{AF507438-7753-43e0-B8FC-AC1667EBCBE1}">
-              <a14:hiddenEffects xmlns="" xmlns:a14="http://schemas.microsoft.com/office/drawing/2010/main">
+              <a14:hiddenEffects xmlns:a14="http://schemas.microsoft.com/office/drawing/2010/main" xmlns="">
                 <a:effectLst>
                   <a:outerShdw dist="35921" dir="2700000" algn="ctr" rotWithShape="0">
                     <a:schemeClr val="bg2"/>
@@ -17587,7 +17587,7 @@
           <a:effectLst/>
           <a:extLst>
             <a:ext uri="{AF507438-7753-43e0-B8FC-AC1667EBCBE1}">
-              <a14:hiddenEffects xmlns="" xmlns:a14="http://schemas.microsoft.com/office/drawing/2010/main">
+              <a14:hiddenEffects xmlns:a14="http://schemas.microsoft.com/office/drawing/2010/main" xmlns="">
                 <a:effectLst>
                   <a:outerShdw dist="35921" dir="2700000" algn="ctr" rotWithShape="0">
                     <a:schemeClr val="bg2"/>
@@ -17822,7 +17822,7 @@
           <a:effectLst/>
           <a:extLst>
             <a:ext uri="{AF507438-7753-43e0-B8FC-AC1667EBCBE1}">
-              <a14:hiddenEffects xmlns="" xmlns:a14="http://schemas.microsoft.com/office/drawing/2010/main">
+              <a14:hiddenEffects xmlns:a14="http://schemas.microsoft.com/office/drawing/2010/main" xmlns="">
                 <a:effectLst>
                   <a:outerShdw dist="35921" dir="2700000" algn="ctr" rotWithShape="0">
                     <a:schemeClr val="bg2"/>
@@ -18001,7 +18001,7 @@
           <a:effectLst/>
           <a:extLst>
             <a:ext uri="{AF507438-7753-43e0-B8FC-AC1667EBCBE1}">
-              <a14:hiddenEffects xmlns="" xmlns:a14="http://schemas.microsoft.com/office/drawing/2010/main">
+              <a14:hiddenEffects xmlns:a14="http://schemas.microsoft.com/office/drawing/2010/main" xmlns="">
                 <a:effectLst>
                   <a:outerShdw dist="35921" dir="2700000" algn="ctr" rotWithShape="0">
                     <a:schemeClr val="bg2"/>
@@ -18115,7 +18115,7 @@
           <a:effectLst/>
           <a:extLst>
             <a:ext uri="{AF507438-7753-43e0-B8FC-AC1667EBCBE1}">
-              <a14:hiddenEffects xmlns="" xmlns:a14="http://schemas.microsoft.com/office/drawing/2010/main">
+              <a14:hiddenEffects xmlns:a14="http://schemas.microsoft.com/office/drawing/2010/main" xmlns="">
                 <a:effectLst>
                   <a:outerShdw dist="35921" dir="2700000" algn="ctr" rotWithShape="0">
                     <a:schemeClr val="bg2"/>
@@ -18229,7 +18229,7 @@
           <a:effectLst/>
           <a:extLst>
             <a:ext uri="{AF507438-7753-43e0-B8FC-AC1667EBCBE1}">
-              <a14:hiddenEffects xmlns="" xmlns:a14="http://schemas.microsoft.com/office/drawing/2010/main">
+              <a14:hiddenEffects xmlns:a14="http://schemas.microsoft.com/office/drawing/2010/main" xmlns="">
                 <a:effectLst>
                   <a:outerShdw dist="35921" dir="2700000" algn="ctr" rotWithShape="0">
                     <a:schemeClr val="bg2"/>
@@ -18347,7 +18347,7 @@
           <a:effectLst/>
           <a:extLst>
             <a:ext uri="{AF507438-7753-43e0-B8FC-AC1667EBCBE1}">
-              <a14:hiddenEffects xmlns="" xmlns:a14="http://schemas.microsoft.com/office/drawing/2010/main">
+              <a14:hiddenEffects xmlns:a14="http://schemas.microsoft.com/office/drawing/2010/main" xmlns="">
                 <a:effectLst>
                   <a:outerShdw dist="35921" dir="2700000" algn="ctr" rotWithShape="0">
                     <a:schemeClr val="bg2"/>
@@ -18428,7 +18428,7 @@
           <a:effectLst/>
           <a:extLst>
             <a:ext uri="{AF507438-7753-43e0-B8FC-AC1667EBCBE1}">
-              <a14:hiddenEffects xmlns="" xmlns:a14="http://schemas.microsoft.com/office/drawing/2010/main">
+              <a14:hiddenEffects xmlns:a14="http://schemas.microsoft.com/office/drawing/2010/main" xmlns="">
                 <a:effectLst>
                   <a:outerShdw dist="35921" dir="2700000" algn="ctr" rotWithShape="0">
                     <a:schemeClr val="bg2"/>
@@ -18604,7 +18604,7 @@
           <a:effectLst/>
           <a:extLst>
             <a:ext uri="{AF507438-7753-43e0-B8FC-AC1667EBCBE1}">
-              <a14:hiddenEffects xmlns="" xmlns:a14="http://schemas.microsoft.com/office/drawing/2010/main">
+              <a14:hiddenEffects xmlns:a14="http://schemas.microsoft.com/office/drawing/2010/main" xmlns="">
                 <a:effectLst>
                   <a:outerShdw dist="35921" dir="2700000" algn="ctr" rotWithShape="0">
                     <a:schemeClr val="bg2"/>
@@ -18680,7 +18680,7 @@
           <a:effectLst/>
           <a:extLst>
             <a:ext uri="{AF507438-7753-43e0-B8FC-AC1667EBCBE1}">
-              <a14:hiddenEffects xmlns="" xmlns:a14="http://schemas.microsoft.com/office/drawing/2010/main">
+              <a14:hiddenEffects xmlns:a14="http://schemas.microsoft.com/office/drawing/2010/main" xmlns="">
                 <a:effectLst>
                   <a:outerShdw dist="35921" dir="2700000" algn="ctr" rotWithShape="0">
                     <a:schemeClr val="bg2"/>
@@ -18761,7 +18761,7 @@
           <a:effectLst/>
           <a:extLst>
             <a:ext uri="{AF507438-7753-43e0-B8FC-AC1667EBCBE1}">
-              <a14:hiddenEffects xmlns="" xmlns:a14="http://schemas.microsoft.com/office/drawing/2010/main">
+              <a14:hiddenEffects xmlns:a14="http://schemas.microsoft.com/office/drawing/2010/main" xmlns="">
                 <a:effectLst>
                   <a:outerShdw dist="35921" dir="2700000" algn="ctr" rotWithShape="0">
                     <a:schemeClr val="bg2"/>
@@ -18919,7 +18919,7 @@
           <a:effectLst/>
           <a:extLst>
             <a:ext uri="{AF507438-7753-43e0-B8FC-AC1667EBCBE1}">
-              <a14:hiddenEffects xmlns="" xmlns:a14="http://schemas.microsoft.com/office/drawing/2010/main">
+              <a14:hiddenEffects xmlns:a14="http://schemas.microsoft.com/office/drawing/2010/main" xmlns="">
                 <a:effectLst>
                   <a:outerShdw dist="35921" dir="2700000" algn="ctr" rotWithShape="0">
                     <a:schemeClr val="bg2"/>
@@ -18995,7 +18995,7 @@
           <a:effectLst/>
           <a:extLst>
             <a:ext uri="{AF507438-7753-43e0-B8FC-AC1667EBCBE1}">
-              <a14:hiddenEffects xmlns="" xmlns:a14="http://schemas.microsoft.com/office/drawing/2010/main">
+              <a14:hiddenEffects xmlns:a14="http://schemas.microsoft.com/office/drawing/2010/main" xmlns="">
                 <a:effectLst>
                   <a:outerShdw dist="35921" dir="2700000" algn="ctr" rotWithShape="0">
                     <a:schemeClr val="bg2"/>
@@ -19071,7 +19071,7 @@
           <a:effectLst/>
           <a:extLst>
             <a:ext uri="{AF507438-7753-43e0-B8FC-AC1667EBCBE1}">
-              <a14:hiddenEffects xmlns="" xmlns:a14="http://schemas.microsoft.com/office/drawing/2010/main">
+              <a14:hiddenEffects xmlns:a14="http://schemas.microsoft.com/office/drawing/2010/main" xmlns="">
                 <a:effectLst>
                   <a:outerShdw dist="35921" dir="2700000" algn="ctr" rotWithShape="0">
                     <a:schemeClr val="bg2"/>
@@ -19152,7 +19152,7 @@
           <a:effectLst/>
           <a:extLst>
             <a:ext uri="{AF507438-7753-43e0-B8FC-AC1667EBCBE1}">
-              <a14:hiddenEffects xmlns="" xmlns:a14="http://schemas.microsoft.com/office/drawing/2010/main">
+              <a14:hiddenEffects xmlns:a14="http://schemas.microsoft.com/office/drawing/2010/main" xmlns="">
                 <a:effectLst>
                   <a:outerShdw dist="35921" dir="2700000" algn="ctr" rotWithShape="0">
                     <a:schemeClr val="bg2"/>
@@ -19525,7 +19525,7 @@
           <a:effectLst/>
           <a:extLst>
             <a:ext uri="{AF507438-7753-43e0-B8FC-AC1667EBCBE1}">
-              <a14:hiddenEffects xmlns="" xmlns:a14="http://schemas.microsoft.com/office/drawing/2010/main">
+              <a14:hiddenEffects xmlns:a14="http://schemas.microsoft.com/office/drawing/2010/main" xmlns="">
                 <a:effectLst>
                   <a:outerShdw dist="35921" dir="2700000" algn="ctr" rotWithShape="0">
                     <a:schemeClr val="bg2"/>
@@ -19650,36 +19650,9 @@
           <a:chExt cx="0" cy="0"/>
         </a:xfrm>
       </p:grpSpPr>
-      <p:sp>
-        <p:nvSpPr>
-          <p:cNvPr id="2" name="Title 1"/>
-          <p:cNvSpPr>
-            <a:spLocks noGrp="1"/>
-          </p:cNvSpPr>
-          <p:nvPr>
-            <p:ph type="title"/>
-          </p:nvPr>
-        </p:nvSpPr>
-        <p:spPr/>
-        <p:txBody>
-          <a:bodyPr/>
-          <a:lstStyle/>
-          <a:p>
-            <a:r>
-              <a:rPr kumimoji="1" lang="ja-JP" altLang="en-US" dirty="0" smtClean="0"/>
-              <a:t>実行結果 </a:t>
-            </a:r>
-            <a:r>
-              <a:rPr kumimoji="1" lang="en-US" altLang="ja-JP" dirty="0" smtClean="0"/>
-              <a:t>- JSP</a:t>
-            </a:r>
-            <a:endParaRPr kumimoji="1" lang="ja-JP" altLang="en-US" dirty="0"/>
-          </a:p>
-        </p:txBody>
-      </p:sp>
       <p:pic>
         <p:nvPicPr>
-          <p:cNvPr id="4" name="Content Placeholder 3"/>
+          <p:cNvPr id="7" name="Content Placeholder 6"/>
           <p:cNvPicPr>
             <a:picLocks noGrp="1" noChangeAspect="1"/>
           </p:cNvPicPr>
@@ -19705,7 +19678,80 @@
       </p:pic>
       <p:sp>
         <p:nvSpPr>
-          <p:cNvPr id="5" name="Rectangular Callout 4"/>
+          <p:cNvPr id="2" name="Title 1"/>
+          <p:cNvSpPr>
+            <a:spLocks noGrp="1"/>
+          </p:cNvSpPr>
+          <p:nvPr>
+            <p:ph type="title"/>
+          </p:nvPr>
+        </p:nvSpPr>
+        <p:spPr/>
+        <p:txBody>
+          <a:bodyPr/>
+          <a:lstStyle/>
+          <a:p>
+            <a:r>
+              <a:rPr kumimoji="1" lang="ja-JP" altLang="en-US" dirty="0" smtClean="0"/>
+              <a:t>実行結果 </a:t>
+            </a:r>
+            <a:r>
+              <a:rPr kumimoji="1" lang="en-US" altLang="ja-JP" dirty="0" smtClean="0"/>
+              <a:t>- JSP</a:t>
+            </a:r>
+            <a:endParaRPr kumimoji="1" lang="ja-JP" altLang="en-US" dirty="0"/>
+          </a:p>
+        </p:txBody>
+      </p:sp>
+      <p:sp>
+        <p:nvSpPr>
+          <p:cNvPr id="6" name="Rectangle 5"/>
+          <p:cNvSpPr/>
+          <p:nvPr/>
+        </p:nvSpPr>
+        <p:spPr>
+          <a:xfrm>
+            <a:off x="4864259" y="1052736"/>
+            <a:ext cx="4913154" cy="307777"/>
+          </a:xfrm>
+          <a:prstGeom prst="rect">
+            <a:avLst/>
+          </a:prstGeom>
+        </p:spPr>
+        <p:txBody>
+          <a:bodyPr wrap="square">
+            <a:spAutoFit/>
+          </a:bodyPr>
+          <a:lstStyle/>
+          <a:p>
+            <a:pPr algn="r"/>
+            <a:r>
+              <a:rPr lang="en-US" altLang="ja-JP" sz="1400" b="0" dirty="0">
+                <a:solidFill>
+                  <a:srgbClr val="0000CC"/>
+                </a:solidFill>
+              </a:rPr>
+              <a:t>http://</a:t>
+            </a:r>
+            <a:r>
+              <a:rPr lang="en-US" altLang="ja-JP" sz="1400" b="0" dirty="0" smtClean="0">
+                <a:solidFill>
+                  <a:srgbClr val="0000CC"/>
+                </a:solidFill>
+              </a:rPr>
+              <a:t>hello-java-ippei0605.mybluemix.net/hello.jsp</a:t>
+            </a:r>
+            <a:endParaRPr lang="ja-JP" altLang="en-US" sz="1400" b="0" dirty="0">
+              <a:solidFill>
+                <a:srgbClr val="0000CC"/>
+              </a:solidFill>
+            </a:endParaRPr>
+          </a:p>
+        </p:txBody>
+      </p:sp>
+      <p:sp>
+        <p:nvSpPr>
+          <p:cNvPr id="8" name="Rectangular Callout 7"/>
           <p:cNvSpPr/>
           <p:nvPr/>
         </p:nvSpPr>
@@ -19735,7 +19781,7 @@
           <a:effectLst/>
           <a:extLst>
             <a:ext uri="{AF507438-7753-43e0-B8FC-AC1667EBCBE1}">
-              <a14:hiddenEffects xmlns="" xmlns:a14="http://schemas.microsoft.com/office/drawing/2010/main">
+              <a14:hiddenEffects xmlns:a14="http://schemas.microsoft.com/office/drawing/2010/main" xmlns="">
                 <a:effectLst>
                   <a:outerShdw dist="35921" dir="2700000" algn="ctr" rotWithShape="0">
                     <a:schemeClr val="bg2"/>
@@ -19773,75 +19819,13 @@
                   <a:schemeClr val="tx1"/>
                 </a:solidFill>
               </a:rPr>
-              <a:t>を </a:t>
-            </a:r>
-            <a:r>
-              <a:rPr lang="en-US" altLang="ja-JP" sz="1050" b="0" dirty="0" smtClean="0">
-                <a:solidFill>
-                  <a:schemeClr val="tx1"/>
-                </a:solidFill>
-              </a:rPr>
-              <a:t>new </a:t>
-            </a:r>
-            <a:r>
-              <a:rPr lang="ja-JP" altLang="en-US" sz="1050" b="0" dirty="0" smtClean="0">
-                <a:solidFill>
-                  <a:schemeClr val="tx1"/>
-                </a:solidFill>
-              </a:rPr>
-              <a:t>した時の値</a:t>
+              <a:t>をインジェクトした時の値</a:t>
             </a:r>
             <a:endParaRPr kumimoji="1" lang="ja-JP" altLang="en-US" sz="1050" b="0" dirty="0">
               <a:solidFill>
                 <a:schemeClr val="tx1"/>
               </a:solidFill>
               <a:latin typeface="Helvetica" panose="020B0604020202020204" pitchFamily="34" charset="0"/>
-            </a:endParaRPr>
-          </a:p>
-        </p:txBody>
-      </p:sp>
-      <p:sp>
-        <p:nvSpPr>
-          <p:cNvPr id="6" name="Rectangle 5"/>
-          <p:cNvSpPr/>
-          <p:nvPr/>
-        </p:nvSpPr>
-        <p:spPr>
-          <a:xfrm>
-            <a:off x="4864259" y="1052736"/>
-            <a:ext cx="4913154" cy="307777"/>
-          </a:xfrm>
-          <a:prstGeom prst="rect">
-            <a:avLst/>
-          </a:prstGeom>
-        </p:spPr>
-        <p:txBody>
-          <a:bodyPr wrap="square">
-            <a:spAutoFit/>
-          </a:bodyPr>
-          <a:lstStyle/>
-          <a:p>
-            <a:pPr algn="r"/>
-            <a:r>
-              <a:rPr lang="en-US" altLang="ja-JP" sz="1400" b="0" dirty="0">
-                <a:solidFill>
-                  <a:srgbClr val="0000CC"/>
-                </a:solidFill>
-              </a:rPr>
-              <a:t>http://</a:t>
-            </a:r>
-            <a:r>
-              <a:rPr lang="en-US" altLang="ja-JP" sz="1400" b="0" dirty="0" smtClean="0">
-                <a:solidFill>
-                  <a:srgbClr val="0000CC"/>
-                </a:solidFill>
-              </a:rPr>
-              <a:t>hello-java-ippei0605.mybluemix.net/hello.jsp</a:t>
-            </a:r>
-            <a:endParaRPr lang="ja-JP" altLang="en-US" sz="1400" b="0" dirty="0">
-              <a:solidFill>
-                <a:srgbClr val="0000CC"/>
-              </a:solidFill>
             </a:endParaRPr>
           </a:p>
         </p:txBody>
@@ -20025,7 +20009,7 @@
           <a:effectLst/>
           <a:extLst>
             <a:ext uri="{AF507438-7753-43e0-B8FC-AC1667EBCBE1}">
-              <a14:hiddenEffects xmlns="" xmlns:a14="http://schemas.microsoft.com/office/drawing/2010/main">
+              <a14:hiddenEffects xmlns:a14="http://schemas.microsoft.com/office/drawing/2010/main" xmlns="">
                 <a:effectLst>
                   <a:outerShdw dist="35921" dir="2700000" algn="ctr" rotWithShape="0">
                     <a:schemeClr val="bg2"/>
@@ -22890,7 +22874,7 @@
             <a:effectLst/>
             <a:extLst>
               <a:ext uri="{AF507438-7753-43e0-B8FC-AC1667EBCBE1}">
-                <a14:hiddenEffects xmlns="" xmlns:a14="http://schemas.microsoft.com/office/drawing/2010/main">
+                <a14:hiddenEffects xmlns:a14="http://schemas.microsoft.com/office/drawing/2010/main" xmlns="">
                   <a:effectLst>
                     <a:outerShdw dist="35921" dir="2700000" algn="ctr" rotWithShape="0">
                       <a:schemeClr val="bg2"/>
@@ -23034,7 +23018,7 @@
             <a:effectLst/>
             <a:extLst>
               <a:ext uri="{AF507438-7753-43e0-B8FC-AC1667EBCBE1}">
-                <a14:hiddenEffects xmlns="" xmlns:a14="http://schemas.microsoft.com/office/drawing/2010/main">
+                <a14:hiddenEffects xmlns:a14="http://schemas.microsoft.com/office/drawing/2010/main" xmlns="">
                   <a:effectLst>
                     <a:outerShdw dist="35921" dir="2700000" algn="ctr" rotWithShape="0">
                       <a:schemeClr val="bg2"/>
@@ -23175,7 +23159,7 @@
             <a:effectLst/>
             <a:extLst>
               <a:ext uri="{AF507438-7753-43e0-B8FC-AC1667EBCBE1}">
-                <a14:hiddenEffects xmlns="" xmlns:a14="http://schemas.microsoft.com/office/drawing/2010/main">
+                <a14:hiddenEffects xmlns:a14="http://schemas.microsoft.com/office/drawing/2010/main" xmlns="">
                   <a:effectLst>
                     <a:outerShdw dist="35921" dir="2700000" algn="ctr" rotWithShape="0">
                       <a:schemeClr val="bg2"/>
@@ -23215,7 +23199,7 @@
             <a:effectLst/>
             <a:extLst>
               <a:ext uri="{AF507438-7753-43e0-B8FC-AC1667EBCBE1}">
-                <a14:hiddenEffects xmlns="" xmlns:a14="http://schemas.microsoft.com/office/drawing/2010/main">
+                <a14:hiddenEffects xmlns:a14="http://schemas.microsoft.com/office/drawing/2010/main" xmlns="">
                   <a:effectLst>
                     <a:outerShdw dist="35921" dir="2700000" algn="ctr" rotWithShape="0">
                       <a:schemeClr val="bg2"/>
@@ -28771,7 +28755,7 @@
         <a:effectLst/>
         <a:extLst>
           <a:ext uri="{AF507438-7753-43e0-B8FC-AC1667EBCBE1}">
-            <a14:hiddenEffects xmlns="" xmlns:a14="http://schemas.microsoft.com/office/drawing/2010/main">
+            <a14:hiddenEffects xmlns:a14="http://schemas.microsoft.com/office/drawing/2010/main" xmlns="">
               <a:effectLst>
                 <a:outerShdw dist="35921" dir="2700000" algn="ctr" rotWithShape="0">
                   <a:schemeClr val="bg2"/>
@@ -28846,7 +28830,7 @@
         <a:effectLst/>
         <a:extLst>
           <a:ext uri="{AF507438-7753-43e0-B8FC-AC1667EBCBE1}">
-            <a14:hiddenEffects xmlns="" xmlns:a14="http://schemas.microsoft.com/office/drawing/2010/main">
+            <a14:hiddenEffects xmlns:a14="http://schemas.microsoft.com/office/drawing/2010/main" xmlns="">
               <a:effectLst>
                 <a:outerShdw dist="35921" dir="2700000" algn="ctr" rotWithShape="0">
                   <a:schemeClr val="bg2"/>
